--- a/visualizations_and_ppt/cl_test_presentation.pptx
+++ b/visualizations_and_ppt/cl_test_presentation.pptx
@@ -6071,24 +6071,74 @@
               <a:rPr lang="en-US" dirty="0"/>
               <a:t>: </a:t>
             </a:r>
+            <a:endParaRPr lang="en-US" dirty="0" smtClean="0"/>
+          </a:p>
+          <a:p>
+            <a:pPr lvl="1"/>
             <a:r>
               <a:rPr lang="en-US" sz="1800" dirty="0"/>
-              <a:t>providing a summary of the data</a:t>
-            </a:r>
-          </a:p>
-          <a:p>
+              <a:t>Provide </a:t>
+            </a:r>
+            <a:r>
+              <a:rPr lang="en-US" sz="1800" dirty="0"/>
+              <a:t>a summary of the </a:t>
+            </a:r>
+            <a:r>
+              <a:rPr lang="en-US" sz="1800" dirty="0"/>
+              <a:t>data (e.g., number of stores/items/families)</a:t>
+            </a:r>
+            <a:endParaRPr lang="en-US" sz="1800" dirty="0"/>
+          </a:p>
+          <a:p>
+            <a:r>
+              <a:rPr lang="en-US" b="1" dirty="0" smtClean="0"/>
+              <a:t>Data exploration and </a:t>
+            </a:r>
             <a:r>
               <a:rPr lang="en-US" b="1" dirty="0"/>
-              <a:t>Data visualization</a:t>
+              <a:t>visualization</a:t>
             </a:r>
             <a:r>
               <a:rPr lang="en-US" dirty="0"/>
               <a:t>: </a:t>
             </a:r>
-            <a:r>
-              <a:rPr lang="en-US" sz="1800" dirty="0"/>
-              <a:t>providing some data visualization before jumping to modelling and prediction</a:t>
-            </a:r>
+            <a:endParaRPr lang="en-US" dirty="0" smtClean="0"/>
+          </a:p>
+          <a:p>
+            <a:pPr lvl="1"/>
+            <a:r>
+              <a:rPr lang="en-US" sz="1800" dirty="0" smtClean="0"/>
+              <a:t>How sales change over months/seasons/years</a:t>
+            </a:r>
+          </a:p>
+          <a:p>
+            <a:pPr lvl="1"/>
+            <a:r>
+              <a:rPr lang="en-US" sz="1800" dirty="0" smtClean="0"/>
+              <a:t>How geographical locations of cities/state affect sales</a:t>
+            </a:r>
+          </a:p>
+          <a:p>
+            <a:pPr lvl="1"/>
+            <a:r>
+              <a:rPr lang="en-US" sz="1800" dirty="0" smtClean="0"/>
+              <a:t>What are the most popular items/families?</a:t>
+            </a:r>
+          </a:p>
+          <a:p>
+            <a:pPr lvl="1"/>
+            <a:r>
+              <a:rPr lang="en-US" sz="1800" dirty="0" smtClean="0"/>
+              <a:t>Are there any periodicity in sales?</a:t>
+            </a:r>
+          </a:p>
+          <a:p>
+            <a:pPr lvl="1"/>
+            <a:r>
+              <a:rPr lang="en-US" sz="1800" dirty="0" smtClean="0"/>
+              <a:t>Do promotion affect sales?</a:t>
+            </a:r>
+            <a:endParaRPr lang="en-US" dirty="0"/>
           </a:p>
           <a:p>
             <a:r>
@@ -6099,10 +6149,29 @@
               <a:rPr lang="en-US" dirty="0"/>
               <a:t>: </a:t>
             </a:r>
+            <a:endParaRPr lang="en-US" sz="1800" dirty="0" smtClean="0"/>
+          </a:p>
+          <a:p>
+            <a:pPr lvl="1"/>
             <a:r>
               <a:rPr lang="en-US" sz="1800" dirty="0"/>
-              <a:t>using different methods for unit sale prediction</a:t>
-            </a:r>
+              <a:t>Use ML methods (linear reg. and random forest) to predict unit sales</a:t>
+            </a:r>
+          </a:p>
+          <a:p>
+            <a:pPr lvl="1"/>
+            <a:r>
+              <a:rPr lang="en-US" sz="1800" dirty="0"/>
+              <a:t>Split the data to train and test</a:t>
+            </a:r>
+          </a:p>
+          <a:p>
+            <a:pPr lvl="1"/>
+            <a:r>
+              <a:rPr lang="en-US" sz="1800" dirty="0"/>
+              <a:t>Prediction and evaluation </a:t>
+            </a:r>
+            <a:endParaRPr lang="en-US" sz="1800" dirty="0"/>
           </a:p>
         </p:txBody>
       </p:sp>
@@ -6729,8 +6798,8 @@
         </p:nvSpPr>
         <p:spPr bwMode="auto">
           <a:xfrm>
-            <a:off x="895483" y="1627600"/>
-            <a:ext cx="10272810" cy="4170372"/>
+            <a:off x="895483" y="1266240"/>
+            <a:ext cx="10272810" cy="3785652"/>
           </a:xfrm>
           <a:prstGeom prst="rect">
             <a:avLst/>
@@ -6907,14 +6976,20 @@
           <a:p>
             <a:pPr lvl="0"/>
             <a:r>
-              <a:rPr lang="en-US" sz="2800" dirty="0" smtClean="0"/>
+              <a:rPr lang="en-US" sz="2000" dirty="0" smtClean="0">
+                <a:latin typeface="+mn-lt"/>
+              </a:rPr>
               <a:t>The </a:t>
             </a:r>
             <a:r>
-              <a:rPr lang="en-US" sz="2800" dirty="0"/>
+              <a:rPr lang="en-US" sz="2000" dirty="0">
+                <a:latin typeface="+mn-lt"/>
+              </a:rPr>
               <a:t>aim is to predict the unit sales for different items sold at different stores over a time period. </a:t>
             </a:r>
-            <a:endParaRPr lang="en-US" dirty="0" smtClean="0"/>
+            <a:endParaRPr lang="en-US" sz="2000" dirty="0" smtClean="0">
+              <a:latin typeface="+mn-lt"/>
+            </a:endParaRPr>
           </a:p>
           <a:p>
             <a:pPr lvl="0"/>
@@ -6926,16 +7001,25 @@
                 <a:srgbClr val="24292E"/>
               </a:solidFill>
               <a:effectLst/>
-              <a:latin typeface="-apple-system"/>
+              <a:latin typeface="+mn-lt"/>
             </a:endParaRPr>
           </a:p>
           <a:p>
             <a:pPr lvl="0"/>
-            <a:endParaRPr lang="en-US" altLang="en-US" sz="2000" dirty="0" smtClean="0">
+            <a:endParaRPr lang="en-US" altLang="en-US" sz="2000" b="1" dirty="0" smtClean="0">
               <a:solidFill>
                 <a:srgbClr val="24292E"/>
               </a:solidFill>
-              <a:latin typeface="-apple-system"/>
+              <a:latin typeface="+mn-lt"/>
+            </a:endParaRPr>
+          </a:p>
+          <a:p>
+            <a:pPr lvl="0"/>
+            <a:endParaRPr lang="en-US" altLang="en-US" sz="2000" b="1" dirty="0">
+              <a:solidFill>
+                <a:srgbClr val="24292E"/>
+              </a:solidFill>
+              <a:latin typeface="+mn-lt"/>
             </a:endParaRPr>
           </a:p>
           <a:p>
@@ -6945,9 +7029,18 @@
                 <a:solidFill>
                   <a:srgbClr val="24292E"/>
                 </a:solidFill>
-                <a:latin typeface="-apple-system"/>
+                <a:latin typeface="+mn-lt"/>
               </a:rPr>
-              <a:t>Data:</a:t>
+              <a:t>Data</a:t>
+            </a:r>
+            <a:r>
+              <a:rPr lang="en-US" altLang="en-US" sz="2000" b="1" dirty="0" smtClean="0">
+                <a:solidFill>
+                  <a:srgbClr val="24292E"/>
+                </a:solidFill>
+                <a:latin typeface="+mn-lt"/>
+              </a:rPr>
+              <a:t>:</a:t>
             </a:r>
           </a:p>
           <a:p>
@@ -6961,9 +7054,22 @@
                   <a:srgbClr val="24292E"/>
                 </a:solidFill>
                 <a:effectLst/>
-                <a:latin typeface="-apple-system"/>
+                <a:latin typeface="+mn-lt"/>
               </a:rPr>
-              <a:t>In total, the data includes:</a:t>
+              <a:t>In total, the data includes</a:t>
+            </a:r>
+            <a:r>
+              <a:rPr kumimoji="0" lang="en-US" altLang="en-US" sz="2000" b="0" i="0" u="none" strike="noStrike" cap="none" normalizeH="0" baseline="0" dirty="0" smtClean="0">
+                <a:ln>
+                  <a:noFill/>
+                </a:ln>
+                <a:solidFill>
+                  <a:srgbClr val="24292E"/>
+                </a:solidFill>
+                <a:effectLst/>
+                <a:latin typeface="+mn-lt"/>
+              </a:rPr>
+              <a:t>:</a:t>
             </a:r>
           </a:p>
           <a:p>
@@ -6976,7 +7082,20 @@
                 <a:srgbClr val="24292E"/>
               </a:solidFill>
               <a:effectLst/>
-              <a:latin typeface="-apple-system"/>
+              <a:latin typeface="+mn-lt"/>
+            </a:endParaRPr>
+          </a:p>
+          <a:p>
+            <a:pPr lvl="0"/>
+            <a:endParaRPr kumimoji="0" lang="en-US" altLang="en-US" sz="2000" b="0" i="0" u="none" strike="noStrike" cap="none" normalizeH="0" baseline="0" dirty="0" smtClean="0">
+              <a:ln>
+                <a:noFill/>
+              </a:ln>
+              <a:solidFill>
+                <a:srgbClr val="24292E"/>
+              </a:solidFill>
+              <a:effectLst/>
+              <a:latin typeface="+mn-lt"/>
             </a:endParaRPr>
           </a:p>
           <a:p>
@@ -7004,7 +7123,7 @@
                 <a:srgbClr val="24292E"/>
               </a:solidFill>
               <a:effectLst/>
-              <a:latin typeface="-apple-system"/>
+              <a:latin typeface="+mn-lt"/>
             </a:endParaRPr>
           </a:p>
           <a:p>
@@ -7028,7 +7147,7 @@
               <a:solidFill>
                 <a:srgbClr val="24292E"/>
               </a:solidFill>
-              <a:latin typeface="-apple-system"/>
+              <a:latin typeface="+mn-lt"/>
             </a:endParaRPr>
           </a:p>
           <a:p>
@@ -7048,16 +7167,45 @@
               <a:buNone/>
               <a:tabLst/>
             </a:pPr>
-            <a:endParaRPr kumimoji="0" lang="en-US" altLang="en-US" sz="2000" b="0" i="0" u="none" strike="noStrike" cap="none" normalizeH="0" baseline="0" dirty="0" smtClean="0">
-              <a:ln>
-                <a:noFill/>
-              </a:ln>
-              <a:solidFill>
-                <a:srgbClr val="24292E"/>
-              </a:solidFill>
-              <a:effectLst/>
-              <a:latin typeface="-apple-system"/>
-            </a:endParaRPr>
+            <a:r>
+              <a:rPr kumimoji="0" lang="en-US" altLang="en-US" sz="2000" b="0" i="0" u="none" strike="noStrike" cap="none" normalizeH="0" baseline="0" dirty="0" smtClean="0">
+                <a:ln>
+                  <a:noFill/>
+                </a:ln>
+                <a:solidFill>
+                  <a:srgbClr val="24292E"/>
+                </a:solidFill>
+                <a:effectLst/>
+                <a:latin typeface="+mn-lt"/>
+              </a:rPr>
+              <a:t>The </a:t>
+            </a:r>
+            <a:r>
+              <a:rPr kumimoji="0" lang="en-US" altLang="en-US" sz="2000" b="0" i="0" u="none" strike="noStrike" cap="none" normalizeH="0" baseline="0" dirty="0" smtClean="0">
+                <a:ln>
+                  <a:noFill/>
+                </a:ln>
+                <a:solidFill>
+                  <a:srgbClr val="24292E"/>
+                </a:solidFill>
+                <a:effectLst/>
+                <a:latin typeface="+mn-lt"/>
+              </a:rPr>
+              <a:t>test data have 60 unique items that are not included in the training data</a:t>
+            </a:r>
+            <a:r>
+              <a:rPr kumimoji="0" lang="en-US" altLang="en-US" sz="2000" b="0" i="0" u="none" strike="noStrike" cap="none" normalizeH="0" baseline="0" dirty="0" smtClean="0">
+                <a:ln>
+                  <a:noFill/>
+                </a:ln>
+                <a:solidFill>
+                  <a:srgbClr val="24292E"/>
+                </a:solidFill>
+                <a:effectLst/>
+                <a:latin typeface="+mn-lt"/>
+              </a:rPr>
+              <a:t>.</a:t>
+            </a:r>
           </a:p>
           <a:p>
             <a:pPr marL="0" marR="0" lvl="0" indent="0" algn="l" defTabSz="914400" rtl="0" eaLnBrk="0" fontAlgn="base" latinLnBrk="0" hangingPunct="0">
@@ -7076,57 +7224,15 @@
               <a:buNone/>
               <a:tabLst/>
             </a:pPr>
-            <a:endParaRPr lang="en-US" altLang="en-US" sz="2000" dirty="0">
-              <a:solidFill>
-                <a:srgbClr val="24292E"/>
-              </a:solidFill>
-              <a:latin typeface="-apple-system"/>
-            </a:endParaRPr>
-          </a:p>
-          <a:p>
-            <a:pPr marL="0" marR="0" lvl="0" indent="0" algn="l" defTabSz="914400" rtl="0" eaLnBrk="0" fontAlgn="base" latinLnBrk="0" hangingPunct="0">
-              <a:lnSpc>
-                <a:spcPct val="100000"/>
-              </a:lnSpc>
-              <a:spcBef>
-                <a:spcPct val="0"/>
-              </a:spcBef>
-              <a:spcAft>
-                <a:spcPct val="0"/>
-              </a:spcAft>
-              <a:buClrTx/>
-              <a:buSzTx/>
-              <a:buFontTx/>
-              <a:buNone/>
-              <a:tabLst/>
-            </a:pPr>
-            <a:endParaRPr kumimoji="0" lang="en-US" altLang="en-US" sz="900" b="0" i="0" u="none" strike="noStrike" cap="none" normalizeH="0" baseline="0" dirty="0" smtClean="0">
-              <a:ln>
-                <a:noFill/>
-              </a:ln>
-              <a:solidFill>
-                <a:schemeClr val="tx1"/>
-              </a:solidFill>
-              <a:effectLst/>
-            </a:endParaRPr>
-          </a:p>
-          <a:p>
-            <a:pPr marL="0" marR="0" lvl="0" indent="0" algn="l" defTabSz="914400" rtl="0" eaLnBrk="0" fontAlgn="base" latinLnBrk="0" hangingPunct="0">
-              <a:lnSpc>
-                <a:spcPct val="100000"/>
-              </a:lnSpc>
-              <a:spcBef>
-                <a:spcPct val="0"/>
-              </a:spcBef>
-              <a:spcAft>
-                <a:spcPct val="0"/>
-              </a:spcAft>
-              <a:buClrTx/>
-              <a:buSzTx/>
-              <a:buFontTx/>
-              <a:buNone/>
-              <a:tabLst/>
-            </a:pPr>
+            <a:r>
+              <a:rPr lang="en-US" altLang="en-US" sz="2000" dirty="0" smtClean="0">
+                <a:solidFill>
+                  <a:srgbClr val="24292E"/>
+                </a:solidFill>
+                <a:latin typeface="+mn-lt"/>
+              </a:rPr>
+              <a:t>The data covers a period of four years between Jan 2013 to Aug 2017</a:t>
+            </a:r>
             <a:r>
               <a:rPr kumimoji="0" lang="en-US" altLang="en-US" sz="2000" b="0" i="0" u="none" strike="noStrike" cap="none" normalizeH="0" baseline="0" dirty="0" smtClean="0">
                 <a:ln>
@@ -7136,11 +7242,11 @@
                   <a:srgbClr val="24292E"/>
                 </a:solidFill>
                 <a:effectLst/>
-                <a:latin typeface="-apple-system"/>
+                <a:latin typeface="+mn-lt"/>
               </a:rPr>
-              <a:t>The test data have 60 unique items that are not included in the training data. </a:t>
-            </a:r>
-            <a:endParaRPr kumimoji="0" lang="en-US" altLang="en-US" sz="3200" b="0" i="0" u="none" strike="noStrike" cap="none" normalizeH="0" baseline="0" dirty="0" smtClean="0">
+              <a:t> </a:t>
+            </a:r>
+            <a:endParaRPr kumimoji="0" lang="en-US" altLang="en-US" sz="2000" b="0" i="0" u="none" strike="noStrike" cap="none" normalizeH="0" baseline="0" dirty="0" smtClean="0">
               <a:ln>
                 <a:noFill/>
               </a:ln>
@@ -7148,7 +7254,7 @@
                 <a:schemeClr val="tx1"/>
               </a:solidFill>
               <a:effectLst/>
-              <a:latin typeface="Arial" panose="020B0604020202020204" pitchFamily="34" charset="0"/>
+              <a:latin typeface="+mn-lt"/>
             </a:endParaRPr>
           </a:p>
         </p:txBody>
@@ -7190,13 +7296,13 @@
             <p:ph idx="1"/>
             <p:extLst>
               <p:ext uri="{D42A27DB-BD31-4B8C-83A1-F6EECF244321}">
-                <p14:modId xmlns:p14="http://schemas.microsoft.com/office/powerpoint/2010/main" val="2921609044"/>
+                <p14:modId xmlns:p14="http://schemas.microsoft.com/office/powerpoint/2010/main" val="1813251951"/>
               </p:ext>
             </p:extLst>
           </p:nvPr>
         </p:nvGraphicFramePr>
         <p:xfrm>
-          <a:off x="1021601" y="4160130"/>
+          <a:off x="1021601" y="3255890"/>
           <a:ext cx="8778246" cy="937260"/>
         </p:xfrm>
         <a:graphic>
@@ -7431,7 +7537,7 @@
                     <a:lstStyle/>
                     <a:p>
                       <a:r>
-                        <a:rPr lang="en-AU">
+                        <a:rPr lang="en-AU" dirty="0">
                           <a:effectLst/>
                         </a:rPr>
                         <a:t>33</a:t>
@@ -9572,15 +9678,7 @@
                   <a:srgbClr val="24292E"/>
                 </a:solidFill>
               </a:rPr>
-              <a:t>The </a:t>
-            </a:r>
-            <a:r>
-              <a:rPr lang="en-US" sz="1400" b="1" dirty="0">
-                <a:solidFill>
-                  <a:srgbClr val="24292E"/>
-                </a:solidFill>
-              </a:rPr>
-              <a:t>percentages for most families do not change a lot across the year </a:t>
+              <a:t>The percentages for most families do not change a lot across the year </a:t>
             </a:r>
           </a:p>
           <a:p>

--- a/visualizations_and_ppt/cl_test_presentation.pptx
+++ b/visualizations_and_ppt/cl_test_presentation.pptx
@@ -5827,6 +5827,13 @@
   <p:clrMapOvr>
     <a:masterClrMapping/>
   </p:clrMapOvr>
+  <p:timing>
+    <p:tnLst>
+      <p:par>
+        <p:cTn id="1" dur="indefinite" restart="never" nodeType="tmRoot"/>
+      </p:par>
+    </p:tnLst>
+  </p:timing>
 </p:sld>
 </file>
 
@@ -5916,6 +5923,13 @@
   <p:clrMapOvr>
     <a:masterClrMapping/>
   </p:clrMapOvr>
+  <p:timing>
+    <p:tnLst>
+      <p:par>
+        <p:cTn id="1" dur="indefinite" restart="never" nodeType="tmRoot"/>
+      </p:par>
+    </p:tnLst>
+  </p:timing>
 </p:sld>
 </file>
 
@@ -6005,6 +6019,13 @@
   <p:clrMapOvr>
     <a:masterClrMapping/>
   </p:clrMapOvr>
+  <p:timing>
+    <p:tnLst>
+      <p:par>
+        <p:cTn id="1" dur="indefinite" restart="never" nodeType="tmRoot"/>
+      </p:par>
+    </p:tnLst>
+  </p:timing>
 </p:sld>
 </file>
 
@@ -6077,17 +6098,8 @@
             <a:pPr lvl="1"/>
             <a:r>
               <a:rPr lang="en-US" sz="1800" dirty="0"/>
-              <a:t>Provide </a:t>
-            </a:r>
-            <a:r>
-              <a:rPr lang="en-US" sz="1800" dirty="0"/>
-              <a:t>a summary of the </a:t>
-            </a:r>
-            <a:r>
-              <a:rPr lang="en-US" sz="1800" dirty="0"/>
-              <a:t>data (e.g., number of stores/items/families)</a:t>
-            </a:r>
-            <a:endParaRPr lang="en-US" sz="1800" dirty="0"/>
+              <a:t>Provide a summary of the data (e.g., number of stores/items/families)</a:t>
+            </a:r>
           </a:p>
           <a:p>
             <a:r>
@@ -6171,7 +6183,6 @@
               <a:rPr lang="en-US" sz="1800" dirty="0"/>
               <a:t>Prediction and evaluation </a:t>
             </a:r>
-            <a:endParaRPr lang="en-US" sz="1800" dirty="0"/>
           </a:p>
         </p:txBody>
       </p:sp>
@@ -6304,6 +6315,13 @@
   <p:clrMapOvr>
     <a:masterClrMapping/>
   </p:clrMapOvr>
+  <p:timing>
+    <p:tnLst>
+      <p:par>
+        <p:cTn id="1" dur="indefinite" restart="never" nodeType="tmRoot"/>
+      </p:par>
+    </p:tnLst>
+  </p:timing>
 </p:sld>
 </file>
 
@@ -6393,6 +6411,13 @@
   <p:clrMapOvr>
     <a:masterClrMapping/>
   </p:clrMapOvr>
+  <p:timing>
+    <p:tnLst>
+      <p:par>
+        <p:cTn id="1" dur="indefinite" restart="never" nodeType="tmRoot"/>
+      </p:par>
+    </p:tnLst>
+  </p:timing>
 </p:sld>
 </file>
 
@@ -7031,16 +7056,7 @@
                 </a:solidFill>
                 <a:latin typeface="+mn-lt"/>
               </a:rPr>
-              <a:t>Data</a:t>
-            </a:r>
-            <a:r>
-              <a:rPr lang="en-US" altLang="en-US" sz="2000" b="1" dirty="0" smtClean="0">
-                <a:solidFill>
-                  <a:srgbClr val="24292E"/>
-                </a:solidFill>
-                <a:latin typeface="+mn-lt"/>
-              </a:rPr>
-              <a:t>:</a:t>
+              <a:t>Data:</a:t>
             </a:r>
           </a:p>
           <a:p>
@@ -7056,20 +7072,7 @@
                 <a:effectLst/>
                 <a:latin typeface="+mn-lt"/>
               </a:rPr>
-              <a:t>In total, the data includes</a:t>
-            </a:r>
-            <a:r>
-              <a:rPr kumimoji="0" lang="en-US" altLang="en-US" sz="2000" b="0" i="0" u="none" strike="noStrike" cap="none" normalizeH="0" baseline="0" dirty="0" smtClean="0">
-                <a:ln>
-                  <a:noFill/>
-                </a:ln>
-                <a:solidFill>
-                  <a:srgbClr val="24292E"/>
-                </a:solidFill>
-                <a:effectLst/>
-                <a:latin typeface="+mn-lt"/>
-              </a:rPr>
-              <a:t>:</a:t>
+              <a:t>In total, the data includes:</a:t>
             </a:r>
           </a:p>
           <a:p>
@@ -7178,33 +7181,7 @@
                 <a:effectLst/>
                 <a:latin typeface="+mn-lt"/>
               </a:rPr>
-              <a:t>The </a:t>
-            </a:r>
-            <a:r>
-              <a:rPr kumimoji="0" lang="en-US" altLang="en-US" sz="2000" b="0" i="0" u="none" strike="noStrike" cap="none" normalizeH="0" baseline="0" dirty="0" smtClean="0">
-                <a:ln>
-                  <a:noFill/>
-                </a:ln>
-                <a:solidFill>
-                  <a:srgbClr val="24292E"/>
-                </a:solidFill>
-                <a:effectLst/>
-                <a:latin typeface="+mn-lt"/>
-              </a:rPr>
-              <a:t>test data have 60 unique items that are not included in the training data</a:t>
-            </a:r>
-            <a:r>
-              <a:rPr kumimoji="0" lang="en-US" altLang="en-US" sz="2000" b="0" i="0" u="none" strike="noStrike" cap="none" normalizeH="0" baseline="0" dirty="0" smtClean="0">
-                <a:ln>
-                  <a:noFill/>
-                </a:ln>
-                <a:solidFill>
-                  <a:srgbClr val="24292E"/>
-                </a:solidFill>
-                <a:effectLst/>
-                <a:latin typeface="+mn-lt"/>
-              </a:rPr>
-              <a:t>.</a:t>
+              <a:t>The test data have 60 unique items that are not included in the training data.</a:t>
             </a:r>
           </a:p>
           <a:p>

--- a/visualizations_and_ppt/cl_test_presentation.pptx
+++ b/visualizations_and_ppt/cl_test_presentation.pptx
@@ -5,23 +5,23 @@
     <p:sldMasterId id="2147483648" r:id="rId1"/>
   </p:sldMasterIdLst>
   <p:notesMasterIdLst>
-    <p:notesMasterId r:id="rId24"/>
+    <p:notesMasterId r:id="rId26"/>
   </p:notesMasterIdLst>
   <p:sldIdLst>
     <p:sldId id="256" r:id="rId2"/>
     <p:sldId id="269" r:id="rId3"/>
     <p:sldId id="275" r:id="rId4"/>
-    <p:sldId id="257" r:id="rId5"/>
-    <p:sldId id="258" r:id="rId6"/>
-    <p:sldId id="259" r:id="rId7"/>
-    <p:sldId id="261" r:id="rId8"/>
-    <p:sldId id="263" r:id="rId9"/>
-    <p:sldId id="268" r:id="rId10"/>
-    <p:sldId id="266" r:id="rId11"/>
-    <p:sldId id="271" r:id="rId12"/>
+    <p:sldId id="258" r:id="rId5"/>
+    <p:sldId id="259" r:id="rId6"/>
+    <p:sldId id="281" r:id="rId7"/>
+    <p:sldId id="263" r:id="rId8"/>
+    <p:sldId id="268" r:id="rId9"/>
+    <p:sldId id="266" r:id="rId10"/>
+    <p:sldId id="271" r:id="rId11"/>
+    <p:sldId id="278" r:id="rId12"/>
     <p:sldId id="272" r:id="rId13"/>
-    <p:sldId id="273" r:id="rId14"/>
-    <p:sldId id="277" r:id="rId15"/>
+    <p:sldId id="277" r:id="rId14"/>
+    <p:sldId id="283" r:id="rId15"/>
     <p:sldId id="276" r:id="rId16"/>
     <p:sldId id="270" r:id="rId17"/>
     <p:sldId id="260" r:id="rId18"/>
@@ -29,7 +29,9 @@
     <p:sldId id="262" r:id="rId20"/>
     <p:sldId id="264" r:id="rId21"/>
     <p:sldId id="267" r:id="rId22"/>
-    <p:sldId id="274" r:id="rId23"/>
+    <p:sldId id="261" r:id="rId23"/>
+    <p:sldId id="274" r:id="rId24"/>
+    <p:sldId id="282" r:id="rId25"/>
   </p:sldIdLst>
   <p:sldSz cx="12192000" cy="6858000"/>
   <p:notesSz cx="6858000" cy="9144000"/>
@@ -136,17 +138,17 @@
             <p14:sldId id="256"/>
             <p14:sldId id="269"/>
             <p14:sldId id="275"/>
-            <p14:sldId id="257"/>
             <p14:sldId id="258"/>
             <p14:sldId id="259"/>
-            <p14:sldId id="261"/>
+            <p14:sldId id="281"/>
             <p14:sldId id="263"/>
             <p14:sldId id="268"/>
             <p14:sldId id="266"/>
             <p14:sldId id="271"/>
+            <p14:sldId id="278"/>
             <p14:sldId id="272"/>
-            <p14:sldId id="273"/>
             <p14:sldId id="277"/>
+            <p14:sldId id="283"/>
             <p14:sldId id="276"/>
           </p14:sldIdLst>
         </p14:section>
@@ -158,7 +160,9 @@
             <p14:sldId id="262"/>
             <p14:sldId id="264"/>
             <p14:sldId id="267"/>
+            <p14:sldId id="261"/>
             <p14:sldId id="274"/>
+            <p14:sldId id="282"/>
           </p14:sldIdLst>
         </p14:section>
       </p14:sectionLst>
@@ -3753,12 +3757,37 @@
         </p:nvSpPr>
         <p:spPr/>
         <p:txBody>
-          <a:bodyPr/>
+          <a:bodyPr>
+            <a:normAutofit/>
+          </a:bodyPr>
           <a:lstStyle/>
           <a:p>
             <a:r>
               <a:rPr lang="en-AU" dirty="0" smtClean="0"/>
-              <a:t>Unit sales prediction</a:t>
+              <a:t>Unit sales </a:t>
+            </a:r>
+            <a:r>
+              <a:rPr lang="en-AU" dirty="0" smtClean="0"/>
+              <a:t>prediction for </a:t>
+            </a:r>
+            <a:r>
+              <a:rPr lang="en-AU" dirty="0" smtClean="0"/>
+              <a:t/>
+            </a:r>
+            <a:br>
+              <a:rPr lang="en-AU" dirty="0" smtClean="0"/>
+            </a:br>
+            <a:r>
+              <a:rPr lang="en-AU" dirty="0" smtClean="0"/>
+              <a:t> </a:t>
+            </a:r>
+            <a:r>
+              <a:rPr lang="en-AU" dirty="0" err="1" smtClean="0"/>
+              <a:t>Favorita</a:t>
+            </a:r>
+            <a:r>
+              <a:rPr lang="en-AU" dirty="0" smtClean="0"/>
+              <a:t> chain</a:t>
             </a:r>
             <a:endParaRPr dirty="0"/>
           </a:p>
@@ -3853,275 +3882,6 @@
           <a:chExt cx="0" cy="0"/>
         </a:xfrm>
       </p:grpSpPr>
-      <p:pic>
-        <p:nvPicPr>
-          <p:cNvPr id="11" name="slide11">
-            <a:extLst>
-              <a:ext uri="{FF2B5EF4-FFF2-40B4-BE49-F238E27FC236}">
-                <a16:creationId xmlns:a16="http://schemas.microsoft.com/office/drawing/2014/main" id="{4D15D47F-C58E-49EB-9281-6980DE0BFDAF}"/>
-              </a:ext>
-            </a:extLst>
-          </p:cNvPr>
-          <p:cNvPicPr>
-            <a:picLocks noChangeAspect="1"/>
-          </p:cNvPicPr>
-          <p:nvPr/>
-        </p:nvPicPr>
-        <p:blipFill rotWithShape="1">
-          <a:blip r:embed="rId2">
-            <a:extLst>
-              <a:ext uri="{28A0092B-C50C-407E-A947-70E740481C1C}">
-                <a14:useLocalDpi xmlns:a14="http://schemas.microsoft.com/office/drawing/2010/main" val="0"/>
-              </a:ext>
-            </a:extLst>
-          </a:blip>
-          <a:srcRect t="5185"/>
-          <a:stretch/>
-        </p:blipFill>
-        <p:spPr>
-          <a:xfrm>
-            <a:off x="1158781" y="447040"/>
-            <a:ext cx="9955717" cy="6502400"/>
-          </a:xfrm>
-          <a:prstGeom prst="rect">
-            <a:avLst/>
-          </a:prstGeom>
-        </p:spPr>
-      </p:pic>
-      <p:sp>
-        <p:nvSpPr>
-          <p:cNvPr id="2" name="Rectangle 1"/>
-          <p:cNvSpPr/>
-          <p:nvPr/>
-        </p:nvSpPr>
-        <p:spPr>
-          <a:xfrm>
-            <a:off x="1158781" y="476796"/>
-            <a:ext cx="3159760" cy="2031325"/>
-          </a:xfrm>
-          <a:prstGeom prst="rect">
-            <a:avLst/>
-          </a:prstGeom>
-        </p:spPr>
-        <p:txBody>
-          <a:bodyPr wrap="square">
-            <a:spAutoFit/>
-          </a:bodyPr>
-          <a:lstStyle/>
-          <a:p>
-            <a:r>
-              <a:rPr lang="en-US" dirty="0" smtClean="0">
-                <a:solidFill>
-                  <a:srgbClr val="24292E"/>
-                </a:solidFill>
-                <a:latin typeface="-apple-system"/>
-              </a:rPr>
-              <a:t>The</a:t>
-            </a:r>
-            <a:r>
-              <a:rPr lang="en-US" dirty="0">
-                <a:solidFill>
-                  <a:srgbClr val="24292E"/>
-                </a:solidFill>
-                <a:latin typeface="-apple-system"/>
-              </a:rPr>
-              <a:t> </a:t>
-            </a:r>
-            <a:r>
-              <a:rPr lang="en-US" i="1" dirty="0">
-                <a:solidFill>
-                  <a:srgbClr val="24292E"/>
-                </a:solidFill>
-                <a:latin typeface="-apple-system"/>
-              </a:rPr>
-              <a:t>geographical </a:t>
-            </a:r>
-            <a:r>
-              <a:rPr lang="en-US" i="1" dirty="0" smtClean="0">
-                <a:solidFill>
-                  <a:srgbClr val="24292E"/>
-                </a:solidFill>
-                <a:latin typeface="-apple-system"/>
-              </a:rPr>
-              <a:t>location does not affect the sales much</a:t>
-            </a:r>
-            <a:r>
-              <a:rPr lang="en-US" dirty="0" smtClean="0">
-                <a:solidFill>
-                  <a:srgbClr val="24292E"/>
-                </a:solidFill>
-                <a:latin typeface="-apple-system"/>
-              </a:rPr>
-              <a:t>. </a:t>
-            </a:r>
-            <a:r>
-              <a:rPr lang="en-US" dirty="0">
-                <a:solidFill>
-                  <a:srgbClr val="24292E"/>
-                </a:solidFill>
-                <a:latin typeface="-apple-system"/>
-              </a:rPr>
-              <a:t>This is not surprising as Ecuador is a rather small country and the climate or season factor do not affect the sales that much. </a:t>
-            </a:r>
-            <a:endParaRPr lang="en-AU" dirty="0"/>
-          </a:p>
-        </p:txBody>
-      </p:sp>
-      <p:sp>
-        <p:nvSpPr>
-          <p:cNvPr id="3" name="Rectangle 2"/>
-          <p:cNvSpPr/>
-          <p:nvPr/>
-        </p:nvSpPr>
-        <p:spPr>
-          <a:xfrm>
-            <a:off x="388171" y="0"/>
-            <a:ext cx="7015570" cy="461665"/>
-          </a:xfrm>
-          <a:prstGeom prst="rect">
-            <a:avLst/>
-          </a:prstGeom>
-        </p:spPr>
-        <p:txBody>
-          <a:bodyPr wrap="square">
-            <a:spAutoFit/>
-          </a:bodyPr>
-          <a:lstStyle/>
-          <a:p>
-            <a:r>
-              <a:rPr lang="en-US" sz="2400" b="1" dirty="0">
-                <a:solidFill>
-                  <a:srgbClr val="24292E"/>
-                </a:solidFill>
-                <a:latin typeface="-apple-system"/>
-              </a:rPr>
-              <a:t>G</a:t>
-            </a:r>
-            <a:r>
-              <a:rPr lang="en-US" sz="2400" b="1" dirty="0" smtClean="0">
-                <a:solidFill>
-                  <a:srgbClr val="24292E"/>
-                </a:solidFill>
-                <a:latin typeface="-apple-system"/>
-              </a:rPr>
-              <a:t>eographical </a:t>
-            </a:r>
-            <a:r>
-              <a:rPr lang="en-US" sz="2400" b="1" dirty="0">
-                <a:solidFill>
-                  <a:srgbClr val="24292E"/>
-                </a:solidFill>
-                <a:latin typeface="-apple-system"/>
-              </a:rPr>
-              <a:t>dependency of unit sales.</a:t>
-            </a:r>
-            <a:endParaRPr lang="en-AU" sz="2400" b="1" dirty="0"/>
-          </a:p>
-        </p:txBody>
-      </p:sp>
-      <p:sp>
-        <p:nvSpPr>
-          <p:cNvPr id="4" name="Slide Number Placeholder 3"/>
-          <p:cNvSpPr>
-            <a:spLocks noGrp="1"/>
-          </p:cNvSpPr>
-          <p:nvPr>
-            <p:ph type="sldNum" sz="quarter" idx="12"/>
-          </p:nvPr>
-        </p:nvSpPr>
-        <p:spPr/>
-        <p:txBody>
-          <a:bodyPr/>
-          <a:lstStyle/>
-          <a:p>
-            <a:fld id="{5B03D32D-F1BC-4E9C-97E1-36CFF5B22341}" type="slidenum">
-              <a:rPr lang="en-US" smtClean="0"/>
-              <a:t>10</a:t>
-            </a:fld>
-            <a:endParaRPr lang="en-US"/>
-          </a:p>
-        </p:txBody>
-      </p:sp>
-      <p:sp>
-        <p:nvSpPr>
-          <p:cNvPr id="6" name="TextBox 5"/>
-          <p:cNvSpPr txBox="1"/>
-          <p:nvPr/>
-        </p:nvSpPr>
-        <p:spPr>
-          <a:xfrm rot="16200000">
-            <a:off x="-1304372" y="1243106"/>
-            <a:ext cx="2916518" cy="307777"/>
-          </a:xfrm>
-          <a:prstGeom prst="rect">
-            <a:avLst/>
-          </a:prstGeom>
-          <a:noFill/>
-        </p:spPr>
-        <p:txBody>
-          <a:bodyPr wrap="square" rtlCol="0">
-            <a:spAutoFit/>
-          </a:bodyPr>
-          <a:lstStyle/>
-          <a:p>
-            <a:pPr algn="r"/>
-            <a:r>
-              <a:rPr lang="en-AU" sz="1400" b="1" spc="600" dirty="0" smtClean="0">
-                <a:solidFill>
-                  <a:schemeClr val="bg1">
-                    <a:lumMod val="65000"/>
-                  </a:schemeClr>
-                </a:solidFill>
-              </a:rPr>
-              <a:t>Data visualization</a:t>
-            </a:r>
-            <a:endParaRPr lang="en-AU" sz="1400" b="1" spc="600" dirty="0">
-              <a:solidFill>
-                <a:schemeClr val="bg1">
-                  <a:lumMod val="65000"/>
-                </a:schemeClr>
-              </a:solidFill>
-            </a:endParaRPr>
-          </a:p>
-        </p:txBody>
-      </p:sp>
-    </p:spTree>
-    <p:extLst>
-      <p:ext uri="{BB962C8B-B14F-4D97-AF65-F5344CB8AC3E}">
-        <p14:creationId xmlns:p14="http://schemas.microsoft.com/office/powerpoint/2010/main" val="95992585"/>
-      </p:ext>
-    </p:extLst>
-  </p:cSld>
-  <p:clrMapOvr>
-    <a:masterClrMapping/>
-  </p:clrMapOvr>
-  <p:timing>
-    <p:tnLst>
-      <p:par>
-        <p:cTn id="1" dur="indefinite" restart="never" nodeType="tmRoot"/>
-      </p:par>
-    </p:tnLst>
-  </p:timing>
-</p:sld>
-</file>
-
-<file path=ppt/slides/slide11.xml><?xml version="1.0" encoding="utf-8"?>
-<p:sld xmlns:a="http://schemas.openxmlformats.org/drawingml/2006/main" xmlns:r="http://schemas.openxmlformats.org/officeDocument/2006/relationships" xmlns:p="http://schemas.openxmlformats.org/presentationml/2006/main">
-  <p:cSld>
-    <p:spTree>
-      <p:nvGrpSpPr>
-        <p:cNvPr id="1" name=""/>
-        <p:cNvGrpSpPr/>
-        <p:nvPr/>
-      </p:nvGrpSpPr>
-      <p:grpSpPr>
-        <a:xfrm>
-          <a:off x="0" y="0"/>
-          <a:ext cx="0" cy="0"/>
-          <a:chOff x="0" y="0"/>
-          <a:chExt cx="0" cy="0"/>
-        </a:xfrm>
-      </p:grpSpPr>
       <p:sp>
         <p:nvSpPr>
           <p:cNvPr id="2" name="Title 1"/>
@@ -4157,13 +3917,13 @@
         </p:nvSpPr>
         <p:spPr>
           <a:xfrm>
-            <a:off x="838200" y="1825625"/>
+            <a:off x="838200" y="1511967"/>
             <a:ext cx="8092440" cy="4351338"/>
           </a:xfrm>
         </p:spPr>
         <p:txBody>
           <a:bodyPr>
-            <a:normAutofit fontScale="92500" lnSpcReduction="10000"/>
+            <a:normAutofit fontScale="92500"/>
           </a:bodyPr>
           <a:lstStyle/>
           <a:p>
@@ -4208,30 +3968,14 @@
             </a:r>
           </a:p>
           <a:p>
-            <a:pPr lvl="1"/>
-            <a:r>
-              <a:rPr lang="en-US" dirty="0" smtClean="0"/>
-              <a:t>Dividing </a:t>
-            </a:r>
-            <a:r>
-              <a:rPr lang="en-US" dirty="0"/>
-              <a:t>the </a:t>
-            </a:r>
-            <a:r>
-              <a:rPr lang="en-US" dirty="0" smtClean="0"/>
-              <a:t>(training) </a:t>
-            </a:r>
-            <a:r>
-              <a:rPr lang="en-US" dirty="0"/>
-              <a:t>data to 1) train and 2) validation sets. </a:t>
-            </a:r>
-            <a:endParaRPr lang="en-US" dirty="0" smtClean="0"/>
+            <a:endParaRPr lang="en-US" b="1" dirty="0" smtClean="0"/>
           </a:p>
           <a:p>
             <a:r>
               <a:rPr lang="en-US" b="1" dirty="0" smtClean="0"/>
-              <a:t>Prediction methods</a:t>
-            </a:r>
+              <a:t>Prediction method</a:t>
+            </a:r>
+            <a:endParaRPr lang="en-US" b="1" dirty="0" smtClean="0"/>
           </a:p>
           <a:p>
             <a:pPr lvl="1"/>
@@ -4258,55 +4002,36 @@
           <a:p>
             <a:pPr lvl="1"/>
             <a:r>
+              <a:rPr lang="en-AU" dirty="0"/>
+              <a:t>Selection important </a:t>
+            </a:r>
+            <a:r>
+              <a:rPr lang="en-AU" dirty="0" smtClean="0"/>
+              <a:t>features: recursive </a:t>
+            </a:r>
+            <a:r>
+              <a:rPr lang="en-AU" dirty="0"/>
+              <a:t>feature elimination</a:t>
+            </a:r>
+          </a:p>
+          <a:p>
+            <a:pPr lvl="1"/>
+            <a:r>
               <a:rPr lang="en-US" dirty="0" smtClean="0"/>
-              <a:t>Train </a:t>
+              <a:t>Evaluation </a:t>
             </a:r>
             <a:r>
               <a:rPr lang="en-US" dirty="0"/>
-              <a:t>the model using a time window of historical </a:t>
-            </a:r>
-            <a:r>
-              <a:rPr lang="en-US" dirty="0" smtClean="0"/>
-              <a:t>data (e.g., last two weeks)</a:t>
-            </a:r>
+              <a:t>metrics: Normalized Weighted Root Mean Squared Logarithmic Error (NWRMSLE)</a:t>
+            </a:r>
+            <a:endParaRPr lang="en-AU" dirty="0"/>
           </a:p>
           <a:p>
             <a:pPr lvl="1"/>
-            <a:r>
-              <a:rPr lang="en-US" dirty="0" smtClean="0"/>
-              <a:t>Predicted </a:t>
-            </a:r>
-            <a:r>
-              <a:rPr lang="en-US" dirty="0"/>
-              <a:t>the future </a:t>
-            </a:r>
-            <a:r>
-              <a:rPr lang="en-US" dirty="0" smtClean="0"/>
-              <a:t>(two weeks) </a:t>
-            </a:r>
-            <a:r>
-              <a:rPr lang="en-US" dirty="0"/>
-              <a:t>unit </a:t>
-            </a:r>
-            <a:r>
-              <a:rPr lang="en-US" dirty="0" smtClean="0"/>
-              <a:t>sales</a:t>
-            </a:r>
+            <a:endParaRPr lang="en-US" dirty="0" smtClean="0"/>
           </a:p>
           <a:p>
             <a:pPr lvl="1"/>
-            <a:r>
-              <a:rPr lang="en-US" dirty="0" smtClean="0"/>
-              <a:t>Evaluation metrics: Normalized </a:t>
-            </a:r>
-            <a:r>
-              <a:rPr lang="en-US" dirty="0"/>
-              <a:t>Weighted Root Mean Squared Logarithmic Error (NWRMSLE)</a:t>
-            </a:r>
-            <a:r>
-              <a:rPr lang="en-US" dirty="0" smtClean="0"/>
-              <a:t> </a:t>
-            </a:r>
             <a:endParaRPr lang="en-US" b="1" dirty="0"/>
           </a:p>
         </p:txBody>
@@ -4319,10 +4044,10 @@
         </p:nvGrpSpPr>
         <p:grpSpPr>
           <a:xfrm>
-            <a:off x="8798560" y="3440590"/>
-            <a:ext cx="2707640" cy="3102450"/>
-            <a:chOff x="8798560" y="3440590"/>
-            <a:chExt cx="2707640" cy="3102450"/>
+            <a:off x="8798560" y="2686530"/>
+            <a:ext cx="2707640" cy="3287059"/>
+            <a:chOff x="8798560" y="3000188"/>
+            <a:chExt cx="2707640" cy="3287059"/>
           </a:xfrm>
         </p:grpSpPr>
         <p:pic>
@@ -4347,13 +4072,13 @@
                 </a:ext>
               </a:extLst>
             </a:blip>
-            <a:srcRect l="6725" t="69259" r="74850" b="2963"/>
+            <a:srcRect l="6725" t="69259" r="74850" b="6693"/>
             <a:stretch/>
           </p:blipFill>
           <p:spPr>
             <a:xfrm>
               <a:off x="8798560" y="4638040"/>
-              <a:ext cx="2707640" cy="1905000"/>
+              <a:ext cx="2707640" cy="1649207"/>
             </a:xfrm>
             <a:prstGeom prst="rect">
               <a:avLst/>
@@ -4464,8 +4189,8 @@
           </p:nvSpPr>
           <p:spPr>
             <a:xfrm>
-              <a:off x="8865690" y="3440590"/>
-              <a:ext cx="738664" cy="860742"/>
+              <a:off x="8865690" y="3000188"/>
+              <a:ext cx="738664" cy="1301144"/>
             </a:xfrm>
             <a:prstGeom prst="rect">
               <a:avLst/>
@@ -4498,7 +4223,7 @@
                     <a:srgbClr val="FF0000"/>
                   </a:solidFill>
                 </a:rPr>
-                <a:t>Predict</a:t>
+                <a:t>Validation</a:t>
               </a:r>
               <a:endParaRPr lang="en-AU" b="1" dirty="0">
                 <a:solidFill>
@@ -4519,14 +4244,19 @@
             <p:ph type="sldNum" sz="quarter" idx="12"/>
           </p:nvPr>
         </p:nvSpPr>
-        <p:spPr/>
+        <p:spPr>
+          <a:xfrm>
+            <a:off x="8610600" y="6255340"/>
+            <a:ext cx="2743200" cy="365125"/>
+          </a:xfrm>
+        </p:spPr>
         <p:txBody>
           <a:bodyPr/>
           <a:lstStyle/>
           <a:p>
             <a:fld id="{5B03D32D-F1BC-4E9C-97E1-36CFF5B22341}" type="slidenum">
               <a:rPr lang="en-US" smtClean="0"/>
-              <a:t>11</a:t>
+              <a:t>10</a:t>
             </a:fld>
             <a:endParaRPr lang="en-US"/>
           </a:p>
@@ -4575,6 +4305,30 @@
           </a:p>
         </p:txBody>
       </p:sp>
+      <p:pic>
+        <p:nvPicPr>
+          <p:cNvPr id="11" name="Picture 10"/>
+          <p:cNvPicPr>
+            <a:picLocks noChangeAspect="1"/>
+          </p:cNvPicPr>
+          <p:nvPr/>
+        </p:nvPicPr>
+        <p:blipFill>
+          <a:blip r:embed="rId3"/>
+          <a:stretch>
+            <a:fillRect/>
+          </a:stretch>
+        </p:blipFill>
+        <p:spPr>
+          <a:xfrm>
+            <a:off x="2125746" y="5707094"/>
+            <a:ext cx="4730996" cy="700723"/>
+          </a:xfrm>
+          <a:prstGeom prst="rect">
+            <a:avLst/>
+          </a:prstGeom>
+        </p:spPr>
+      </p:pic>
     </p:spTree>
     <p:extLst>
       <p:ext uri="{BB962C8B-B14F-4D97-AF65-F5344CB8AC3E}">
@@ -4691,49 +4445,6 @@
                                   </p:childTnLst>
                                 </p:cTn>
                               </p:par>
-                              <p:par>
-                                <p:cTn id="11" presetID="22" presetClass="entr" presetSubtype="8" fill="hold" nodeType="withEffect">
-                                  <p:stCondLst>
-                                    <p:cond delay="0"/>
-                                  </p:stCondLst>
-                                  <p:childTnLst>
-                                    <p:set>
-                                      <p:cBhvr>
-                                        <p:cTn id="12" dur="1" fill="hold">
-                                          <p:stCondLst>
-                                            <p:cond delay="0"/>
-                                          </p:stCondLst>
-                                        </p:cTn>
-                                        <p:tgtEl>
-                                          <p:spTgt spid="3">
-                                            <p:txEl>
-                                              <p:pRg st="3" end="3"/>
-                                            </p:txEl>
-                                          </p:spTgt>
-                                        </p:tgtEl>
-                                        <p:attrNameLst>
-                                          <p:attrName>style.visibility</p:attrName>
-                                        </p:attrNameLst>
-                                      </p:cBhvr>
-                                      <p:to>
-                                        <p:strVal val="visible"/>
-                                      </p:to>
-                                    </p:set>
-                                    <p:animEffect transition="in" filter="wipe(left)">
-                                      <p:cBhvr>
-                                        <p:cTn id="13" dur="500"/>
-                                        <p:tgtEl>
-                                          <p:spTgt spid="3">
-                                            <p:txEl>
-                                              <p:pRg st="3" end="3"/>
-                                            </p:txEl>
-                                          </p:spTgt>
-                                        </p:tgtEl>
-                                      </p:cBhvr>
-                                    </p:animEffect>
-                                  </p:childTnLst>
-                                </p:cTn>
-                              </p:par>
                             </p:childTnLst>
                           </p:cTn>
                         </p:par>
@@ -4741,26 +4452,26 @@
                     </p:cTn>
                   </p:par>
                   <p:par>
-                    <p:cTn id="14" fill="hold">
+                    <p:cTn id="11" fill="hold">
                       <p:stCondLst>
                         <p:cond delay="indefinite"/>
                       </p:stCondLst>
                       <p:childTnLst>
                         <p:par>
-                          <p:cTn id="15" fill="hold">
+                          <p:cTn id="12" fill="hold">
                             <p:stCondLst>
                               <p:cond delay="0"/>
                             </p:stCondLst>
                             <p:childTnLst>
                               <p:par>
-                                <p:cTn id="16" presetID="22" presetClass="entr" presetSubtype="8" fill="hold" nodeType="clickEffect">
+                                <p:cTn id="13" presetID="22" presetClass="entr" presetSubtype="8" fill="hold" nodeType="clickEffect">
                                   <p:stCondLst>
                                     <p:cond delay="0"/>
                                   </p:stCondLst>
                                   <p:childTnLst>
                                     <p:set>
                                       <p:cBhvr>
-                                        <p:cTn id="17" dur="1" fill="hold">
+                                        <p:cTn id="14" dur="1" fill="hold">
                                           <p:stCondLst>
                                             <p:cond delay="0"/>
                                           </p:stCondLst>
@@ -4782,11 +4493,54 @@
                                     </p:set>
                                     <p:animEffect transition="in" filter="wipe(left)">
                                       <p:cBhvr>
+                                        <p:cTn id="15" dur="500"/>
+                                        <p:tgtEl>
+                                          <p:spTgt spid="3">
+                                            <p:txEl>
+                                              <p:pRg st="5" end="5"/>
+                                            </p:txEl>
+                                          </p:spTgt>
+                                        </p:tgtEl>
+                                      </p:cBhvr>
+                                    </p:animEffect>
+                                  </p:childTnLst>
+                                </p:cTn>
+                              </p:par>
+                              <p:par>
+                                <p:cTn id="16" presetID="22" presetClass="entr" presetSubtype="8" fill="hold" nodeType="withEffect">
+                                  <p:stCondLst>
+                                    <p:cond delay="0"/>
+                                  </p:stCondLst>
+                                  <p:childTnLst>
+                                    <p:set>
+                                      <p:cBhvr>
+                                        <p:cTn id="17" dur="1" fill="hold">
+                                          <p:stCondLst>
+                                            <p:cond delay="0"/>
+                                          </p:stCondLst>
+                                        </p:cTn>
+                                        <p:tgtEl>
+                                          <p:spTgt spid="3">
+                                            <p:txEl>
+                                              <p:pRg st="6" end="6"/>
+                                            </p:txEl>
+                                          </p:spTgt>
+                                        </p:tgtEl>
+                                        <p:attrNameLst>
+                                          <p:attrName>style.visibility</p:attrName>
+                                        </p:attrNameLst>
+                                      </p:cBhvr>
+                                      <p:to>
+                                        <p:strVal val="visible"/>
+                                      </p:to>
+                                    </p:set>
+                                    <p:animEffect transition="in" filter="wipe(left)">
+                                      <p:cBhvr>
                                         <p:cTn id="18" dur="500"/>
                                         <p:tgtEl>
                                           <p:spTgt spid="3">
                                             <p:txEl>
-                                              <p:pRg st="5" end="5"/>
+                                              <p:pRg st="6" end="6"/>
                                             </p:txEl>
                                           </p:spTgt>
                                         </p:tgtEl>
@@ -4811,7 +4565,7 @@
                                         <p:tgtEl>
                                           <p:spTgt spid="3">
                                             <p:txEl>
-                                              <p:pRg st="6" end="6"/>
+                                              <p:pRg st="7" end="7"/>
                                             </p:txEl>
                                           </p:spTgt>
                                         </p:tgtEl>
@@ -4829,7 +4583,7 @@
                                         <p:tgtEl>
                                           <p:spTgt spid="3">
                                             <p:txEl>
-                                              <p:pRg st="6" end="6"/>
+                                              <p:pRg st="7" end="7"/>
                                             </p:txEl>
                                           </p:spTgt>
                                         </p:tgtEl>
@@ -4854,7 +4608,7 @@
                                         <p:tgtEl>
                                           <p:spTgt spid="3">
                                             <p:txEl>
-                                              <p:pRg st="7" end="7"/>
+                                              <p:pRg st="8" end="8"/>
                                             </p:txEl>
                                           </p:spTgt>
                                         </p:tgtEl>
@@ -4872,7 +4626,7 @@
                                         <p:tgtEl>
                                           <p:spTgt spid="3">
                                             <p:txEl>
-                                              <p:pRg st="7" end="7"/>
+                                              <p:pRg st="8" end="8"/>
                                             </p:txEl>
                                           </p:spTgt>
                                         </p:tgtEl>
@@ -4895,11 +4649,7 @@
                                           </p:stCondLst>
                                         </p:cTn>
                                         <p:tgtEl>
-                                          <p:spTgt spid="3">
-                                            <p:txEl>
-                                              <p:pRg st="8" end="8"/>
-                                            </p:txEl>
-                                          </p:spTgt>
+                                          <p:spTgt spid="9"/>
                                         </p:tgtEl>
                                         <p:attrNameLst>
                                           <p:attrName>style.visibility</p:attrName>
@@ -4912,88 +4662,6 @@
                                     <p:animEffect transition="in" filter="wipe(left)">
                                       <p:cBhvr>
                                         <p:cTn id="27" dur="500"/>
-                                        <p:tgtEl>
-                                          <p:spTgt spid="3">
-                                            <p:txEl>
-                                              <p:pRg st="8" end="8"/>
-                                            </p:txEl>
-                                          </p:spTgt>
-                                        </p:tgtEl>
-                                      </p:cBhvr>
-                                    </p:animEffect>
-                                  </p:childTnLst>
-                                </p:cTn>
-                              </p:par>
-                              <p:par>
-                                <p:cTn id="28" presetID="22" presetClass="entr" presetSubtype="8" fill="hold" nodeType="withEffect">
-                                  <p:stCondLst>
-                                    <p:cond delay="0"/>
-                                  </p:stCondLst>
-                                  <p:childTnLst>
-                                    <p:set>
-                                      <p:cBhvr>
-                                        <p:cTn id="29" dur="1" fill="hold">
-                                          <p:stCondLst>
-                                            <p:cond delay="0"/>
-                                          </p:stCondLst>
-                                        </p:cTn>
-                                        <p:tgtEl>
-                                          <p:spTgt spid="3">
-                                            <p:txEl>
-                                              <p:pRg st="9" end="9"/>
-                                            </p:txEl>
-                                          </p:spTgt>
-                                        </p:tgtEl>
-                                        <p:attrNameLst>
-                                          <p:attrName>style.visibility</p:attrName>
-                                        </p:attrNameLst>
-                                      </p:cBhvr>
-                                      <p:to>
-                                        <p:strVal val="visible"/>
-                                      </p:to>
-                                    </p:set>
-                                    <p:animEffect transition="in" filter="wipe(left)">
-                                      <p:cBhvr>
-                                        <p:cTn id="30" dur="500"/>
-                                        <p:tgtEl>
-                                          <p:spTgt spid="3">
-                                            <p:txEl>
-                                              <p:pRg st="9" end="9"/>
-                                            </p:txEl>
-                                          </p:spTgt>
-                                        </p:tgtEl>
-                                      </p:cBhvr>
-                                    </p:animEffect>
-                                  </p:childTnLst>
-                                </p:cTn>
-                              </p:par>
-                              <p:par>
-                                <p:cTn id="31" presetID="22" presetClass="entr" presetSubtype="8" fill="hold" nodeType="withEffect">
-                                  <p:stCondLst>
-                                    <p:cond delay="0"/>
-                                  </p:stCondLst>
-                                  <p:childTnLst>
-                                    <p:set>
-                                      <p:cBhvr>
-                                        <p:cTn id="32" dur="1" fill="hold">
-                                          <p:stCondLst>
-                                            <p:cond delay="0"/>
-                                          </p:stCondLst>
-                                        </p:cTn>
-                                        <p:tgtEl>
-                                          <p:spTgt spid="9"/>
-                                        </p:tgtEl>
-                                        <p:attrNameLst>
-                                          <p:attrName>style.visibility</p:attrName>
-                                        </p:attrNameLst>
-                                      </p:cBhvr>
-                                      <p:to>
-                                        <p:strVal val="visible"/>
-                                      </p:to>
-                                    </p:set>
-                                    <p:animEffect transition="in" filter="wipe(left)">
-                                      <p:cBhvr>
-                                        <p:cTn id="33" dur="500"/>
                                         <p:tgtEl>
                                           <p:spTgt spid="9"/>
                                         </p:tgtEl>
@@ -5033,6 +4701,384 @@
 </p:sld>
 </file>
 
+<file path=ppt/slides/slide11.xml><?xml version="1.0" encoding="utf-8"?>
+<p:sld xmlns:a="http://schemas.openxmlformats.org/drawingml/2006/main" xmlns:r="http://schemas.openxmlformats.org/officeDocument/2006/relationships" xmlns:p="http://schemas.openxmlformats.org/presentationml/2006/main">
+  <p:cSld>
+    <p:spTree>
+      <p:nvGrpSpPr>
+        <p:cNvPr id="1" name=""/>
+        <p:cNvGrpSpPr/>
+        <p:nvPr/>
+      </p:nvGrpSpPr>
+      <p:grpSpPr>
+        <a:xfrm>
+          <a:off x="0" y="0"/>
+          <a:ext cx="0" cy="0"/>
+          <a:chOff x="0" y="0"/>
+          <a:chExt cx="0" cy="0"/>
+        </a:xfrm>
+      </p:grpSpPr>
+      <p:sp>
+        <p:nvSpPr>
+          <p:cNvPr id="2" name="Title 1"/>
+          <p:cNvSpPr>
+            <a:spLocks noGrp="1"/>
+          </p:cNvSpPr>
+          <p:nvPr>
+            <p:ph type="title"/>
+          </p:nvPr>
+        </p:nvSpPr>
+        <p:spPr/>
+        <p:txBody>
+          <a:bodyPr/>
+          <a:lstStyle/>
+          <a:p>
+            <a:r>
+              <a:rPr lang="en-AU" dirty="0" smtClean="0"/>
+              <a:t>Linear regression (simpler model)</a:t>
+            </a:r>
+            <a:endParaRPr lang="en-AU" dirty="0"/>
+          </a:p>
+        </p:txBody>
+      </p:sp>
+      <p:sp>
+        <p:nvSpPr>
+          <p:cNvPr id="4" name="Slide Number Placeholder 3"/>
+          <p:cNvSpPr>
+            <a:spLocks noGrp="1"/>
+          </p:cNvSpPr>
+          <p:nvPr>
+            <p:ph type="sldNum" sz="quarter" idx="12"/>
+          </p:nvPr>
+        </p:nvSpPr>
+        <p:spPr/>
+        <p:txBody>
+          <a:bodyPr/>
+          <a:lstStyle/>
+          <a:p>
+            <a:fld id="{5B03D32D-F1BC-4E9C-97E1-36CFF5B22341}" type="slidenum">
+              <a:rPr lang="en-US" smtClean="0"/>
+              <a:t>11</a:t>
+            </a:fld>
+            <a:endParaRPr lang="en-US"/>
+          </a:p>
+        </p:txBody>
+      </p:sp>
+      <p:pic>
+        <p:nvPicPr>
+          <p:cNvPr id="5" name="Content Placeholder 4"/>
+          <p:cNvPicPr>
+            <a:picLocks noGrp="1" noChangeAspect="1"/>
+          </p:cNvPicPr>
+          <p:nvPr>
+            <p:ph idx="1"/>
+          </p:nvPr>
+        </p:nvPicPr>
+        <p:blipFill rotWithShape="1">
+          <a:blip r:embed="rId2">
+            <a:extLst>
+              <a:ext uri="{28A0092B-C50C-407E-A947-70E740481C1C}">
+                <a14:useLocalDpi xmlns:a14="http://schemas.microsoft.com/office/drawing/2010/main" val="0"/>
+              </a:ext>
+            </a:extLst>
+          </a:blip>
+          <a:srcRect l="49829" r="8130"/>
+          <a:stretch/>
+        </p:blipFill>
+        <p:spPr>
+          <a:xfrm>
+            <a:off x="5856947" y="1717836"/>
+            <a:ext cx="5145743" cy="4284000"/>
+          </a:xfrm>
+        </p:spPr>
+      </p:pic>
+      <p:pic>
+        <p:nvPicPr>
+          <p:cNvPr id="6" name="Picture 5"/>
+          <p:cNvPicPr>
+            <a:picLocks noChangeAspect="1"/>
+          </p:cNvPicPr>
+          <p:nvPr/>
+        </p:nvPicPr>
+        <p:blipFill>
+          <a:blip r:embed="rId3" cstate="hqprint">
+            <a:extLst>
+              <a:ext uri="{28A0092B-C50C-407E-A947-70E740481C1C}">
+                <a14:useLocalDpi xmlns:a14="http://schemas.microsoft.com/office/drawing/2010/main" val="0"/>
+              </a:ext>
+            </a:extLst>
+          </a:blip>
+          <a:stretch>
+            <a:fillRect/>
+          </a:stretch>
+        </p:blipFill>
+        <p:spPr>
+          <a:xfrm>
+            <a:off x="250950" y="2990931"/>
+            <a:ext cx="5529863" cy="1737811"/>
+          </a:xfrm>
+          <a:prstGeom prst="rect">
+            <a:avLst/>
+          </a:prstGeom>
+        </p:spPr>
+      </p:pic>
+      <p:cxnSp>
+        <p:nvCxnSpPr>
+          <p:cNvPr id="7" name="Straight Arrow Connector 6"/>
+          <p:cNvCxnSpPr/>
+          <p:nvPr/>
+        </p:nvCxnSpPr>
+        <p:spPr>
+          <a:xfrm flipH="1">
+            <a:off x="10901089" y="2372656"/>
+            <a:ext cx="0" cy="2808000"/>
+          </a:xfrm>
+          <a:prstGeom prst="straightConnector1">
+            <a:avLst/>
+          </a:prstGeom>
+          <a:ln>
+            <a:headEnd type="triangle"/>
+            <a:tailEnd type="triangle"/>
+          </a:ln>
+        </p:spPr>
+        <p:style>
+          <a:lnRef idx="1">
+            <a:schemeClr val="accent1"/>
+          </a:lnRef>
+          <a:fillRef idx="0">
+            <a:schemeClr val="accent1"/>
+          </a:fillRef>
+          <a:effectRef idx="0">
+            <a:schemeClr val="accent1"/>
+          </a:effectRef>
+          <a:fontRef idx="minor">
+            <a:schemeClr val="tx1"/>
+          </a:fontRef>
+        </p:style>
+      </p:cxnSp>
+      <p:sp>
+        <p:nvSpPr>
+          <p:cNvPr id="8" name="TextBox 7"/>
+          <p:cNvSpPr txBox="1"/>
+          <p:nvPr/>
+        </p:nvSpPr>
+        <p:spPr>
+          <a:xfrm rot="5400000" flipH="1">
+            <a:off x="10558179" y="4427523"/>
+            <a:ext cx="1613647" cy="646331"/>
+          </a:xfrm>
+          <a:prstGeom prst="rect">
+            <a:avLst/>
+          </a:prstGeom>
+          <a:noFill/>
+        </p:spPr>
+        <p:txBody>
+          <a:bodyPr wrap="square" rtlCol="0">
+            <a:spAutoFit/>
+          </a:bodyPr>
+          <a:lstStyle/>
+          <a:p>
+            <a:pPr algn="ctr"/>
+            <a:r>
+              <a:rPr lang="en-AU" dirty="0" smtClean="0"/>
+              <a:t>Better prediction</a:t>
+            </a:r>
+            <a:endParaRPr lang="en-AU" dirty="0"/>
+          </a:p>
+        </p:txBody>
+      </p:sp>
+      <p:sp>
+        <p:nvSpPr>
+          <p:cNvPr id="9" name="TextBox 8"/>
+          <p:cNvSpPr txBox="1"/>
+          <p:nvPr/>
+        </p:nvSpPr>
+        <p:spPr>
+          <a:xfrm rot="5400000" flipH="1">
+            <a:off x="10528296" y="2471401"/>
+            <a:ext cx="1613647" cy="646331"/>
+          </a:xfrm>
+          <a:prstGeom prst="rect">
+            <a:avLst/>
+          </a:prstGeom>
+          <a:noFill/>
+        </p:spPr>
+        <p:txBody>
+          <a:bodyPr wrap="square" rtlCol="0">
+            <a:spAutoFit/>
+          </a:bodyPr>
+          <a:lstStyle/>
+          <a:p>
+            <a:pPr algn="ctr"/>
+            <a:r>
+              <a:rPr lang="en-AU" dirty="0" smtClean="0"/>
+              <a:t>Worse prediction</a:t>
+            </a:r>
+            <a:endParaRPr lang="en-AU" dirty="0"/>
+          </a:p>
+        </p:txBody>
+      </p:sp>
+      <p:sp>
+        <p:nvSpPr>
+          <p:cNvPr id="10" name="TextBox 9"/>
+          <p:cNvSpPr txBox="1"/>
+          <p:nvPr/>
+        </p:nvSpPr>
+        <p:spPr>
+          <a:xfrm>
+            <a:off x="687296" y="5438588"/>
+            <a:ext cx="4864845" cy="954107"/>
+          </a:xfrm>
+          <a:prstGeom prst="rect">
+            <a:avLst/>
+          </a:prstGeom>
+          <a:noFill/>
+        </p:spPr>
+        <p:txBody>
+          <a:bodyPr wrap="square" rtlCol="0">
+            <a:spAutoFit/>
+          </a:bodyPr>
+          <a:lstStyle/>
+          <a:p>
+            <a:r>
+              <a:rPr lang="en-AU" sz="2800" dirty="0" smtClean="0"/>
+              <a:t>Poor performance</a:t>
+            </a:r>
+          </a:p>
+          <a:p>
+            <a:r>
+              <a:rPr lang="en-AU" sz="2800" dirty="0" smtClean="0"/>
+              <a:t>Not improved by larger train set</a:t>
+            </a:r>
+            <a:endParaRPr lang="en-AU" sz="2800" dirty="0"/>
+          </a:p>
+        </p:txBody>
+      </p:sp>
+      <p:sp>
+        <p:nvSpPr>
+          <p:cNvPr id="11" name="TextBox 10"/>
+          <p:cNvSpPr txBox="1"/>
+          <p:nvPr/>
+        </p:nvSpPr>
+        <p:spPr>
+          <a:xfrm>
+            <a:off x="4016188" y="4643715"/>
+            <a:ext cx="812800" cy="369332"/>
+          </a:xfrm>
+          <a:prstGeom prst="rect">
+            <a:avLst/>
+          </a:prstGeom>
+          <a:noFill/>
+        </p:spPr>
+        <p:txBody>
+          <a:bodyPr wrap="square" rtlCol="0">
+            <a:spAutoFit/>
+          </a:bodyPr>
+          <a:lstStyle/>
+          <a:p>
+            <a:pPr algn="ctr"/>
+            <a:r>
+              <a:rPr lang="en-AU" dirty="0" smtClean="0"/>
+              <a:t>items</a:t>
+            </a:r>
+            <a:endParaRPr lang="en-AU" dirty="0"/>
+          </a:p>
+        </p:txBody>
+      </p:sp>
+      <p:sp>
+        <p:nvSpPr>
+          <p:cNvPr id="12" name="TextBox 11"/>
+          <p:cNvSpPr txBox="1"/>
+          <p:nvPr/>
+        </p:nvSpPr>
+        <p:spPr>
+          <a:xfrm>
+            <a:off x="1347698" y="4646704"/>
+            <a:ext cx="812800" cy="369332"/>
+          </a:xfrm>
+          <a:prstGeom prst="rect">
+            <a:avLst/>
+          </a:prstGeom>
+          <a:noFill/>
+        </p:spPr>
+        <p:txBody>
+          <a:bodyPr wrap="square" rtlCol="0">
+            <a:spAutoFit/>
+          </a:bodyPr>
+          <a:lstStyle/>
+          <a:p>
+            <a:pPr algn="ctr"/>
+            <a:r>
+              <a:rPr lang="en-AU" dirty="0" smtClean="0"/>
+              <a:t>items</a:t>
+            </a:r>
+            <a:endParaRPr lang="en-AU" dirty="0"/>
+          </a:p>
+        </p:txBody>
+      </p:sp>
+      <p:sp>
+        <p:nvSpPr>
+          <p:cNvPr id="13" name="TextBox 12"/>
+          <p:cNvSpPr txBox="1"/>
+          <p:nvPr/>
+        </p:nvSpPr>
+        <p:spPr>
+          <a:xfrm rot="16200000">
+            <a:off x="-1304372" y="1243106"/>
+            <a:ext cx="2916518" cy="307777"/>
+          </a:xfrm>
+          <a:prstGeom prst="rect">
+            <a:avLst/>
+          </a:prstGeom>
+          <a:noFill/>
+        </p:spPr>
+        <p:txBody>
+          <a:bodyPr wrap="square" rtlCol="0">
+            <a:spAutoFit/>
+          </a:bodyPr>
+          <a:lstStyle/>
+          <a:p>
+            <a:pPr algn="r"/>
+            <a:r>
+              <a:rPr lang="en-AU" sz="1400" b="1" spc="600" dirty="0" smtClean="0">
+                <a:solidFill>
+                  <a:schemeClr val="bg1">
+                    <a:lumMod val="65000"/>
+                  </a:schemeClr>
+                </a:solidFill>
+              </a:rPr>
+              <a:t>Data prediction</a:t>
+            </a:r>
+            <a:endParaRPr lang="en-AU" sz="1400" b="1" spc="600" dirty="0">
+              <a:solidFill>
+                <a:schemeClr val="bg1">
+                  <a:lumMod val="65000"/>
+                </a:schemeClr>
+              </a:solidFill>
+            </a:endParaRPr>
+          </a:p>
+        </p:txBody>
+      </p:sp>
+    </p:spTree>
+    <p:extLst>
+      <p:ext uri="{BB962C8B-B14F-4D97-AF65-F5344CB8AC3E}">
+        <p14:creationId xmlns:p14="http://schemas.microsoft.com/office/powerpoint/2010/main" val="1300661459"/>
+      </p:ext>
+    </p:extLst>
+  </p:cSld>
+  <p:clrMapOvr>
+    <a:masterClrMapping/>
+  </p:clrMapOvr>
+  <p:timing>
+    <p:tnLst>
+      <p:par>
+        <p:cTn id="1" dur="indefinite" restart="never" nodeType="tmRoot"/>
+      </p:par>
+    </p:tnLst>
+  </p:timing>
+</p:sld>
+</file>
+
 <file path=ppt/slides/slide12.xml><?xml version="1.0" encoding="utf-8"?>
 <p:sld xmlns:a="http://schemas.openxmlformats.org/drawingml/2006/main" xmlns:r="http://schemas.openxmlformats.org/officeDocument/2006/relationships" xmlns:p="http://schemas.openxmlformats.org/presentationml/2006/main">
   <p:cSld>
@@ -5068,17 +5114,204 @@
           <a:lstStyle/>
           <a:p>
             <a:r>
-              <a:rPr lang="en-AU" sz="4000" dirty="0" smtClean="0"/>
-              <a:t>Some sample results: </a:t>
-            </a:r>
-            <a:r>
-              <a:rPr lang="en-US" sz="4000" dirty="0"/>
-              <a:t>Random forest is reasonably good in predicting</a:t>
+              <a:rPr lang="en-US" sz="4000" dirty="0" smtClean="0"/>
+              <a:t>Random forest</a:t>
             </a:r>
             <a:endParaRPr lang="en-AU" sz="4000" dirty="0"/>
           </a:p>
         </p:txBody>
       </p:sp>
+      <p:sp>
+        <p:nvSpPr>
+          <p:cNvPr id="6" name="Slide Number Placeholder 5"/>
+          <p:cNvSpPr>
+            <a:spLocks noGrp="1"/>
+          </p:cNvSpPr>
+          <p:nvPr>
+            <p:ph type="sldNum" sz="quarter" idx="12"/>
+          </p:nvPr>
+        </p:nvSpPr>
+        <p:spPr/>
+        <p:txBody>
+          <a:bodyPr/>
+          <a:lstStyle/>
+          <a:p>
+            <a:fld id="{5B03D32D-F1BC-4E9C-97E1-36CFF5B22341}" type="slidenum">
+              <a:rPr lang="en-US" smtClean="0"/>
+              <a:t>12</a:t>
+            </a:fld>
+            <a:endParaRPr lang="en-US"/>
+          </a:p>
+        </p:txBody>
+      </p:sp>
+      <p:sp>
+        <p:nvSpPr>
+          <p:cNvPr id="8" name="TextBox 7"/>
+          <p:cNvSpPr txBox="1"/>
+          <p:nvPr/>
+        </p:nvSpPr>
+        <p:spPr>
+          <a:xfrm rot="16200000">
+            <a:off x="-1304372" y="1243106"/>
+            <a:ext cx="2916518" cy="307777"/>
+          </a:xfrm>
+          <a:prstGeom prst="rect">
+            <a:avLst/>
+          </a:prstGeom>
+          <a:noFill/>
+        </p:spPr>
+        <p:txBody>
+          <a:bodyPr wrap="square" rtlCol="0">
+            <a:spAutoFit/>
+          </a:bodyPr>
+          <a:lstStyle/>
+          <a:p>
+            <a:pPr algn="r"/>
+            <a:r>
+              <a:rPr lang="en-AU" sz="1400" b="1" spc="600" dirty="0" smtClean="0">
+                <a:solidFill>
+                  <a:schemeClr val="bg1">
+                    <a:lumMod val="65000"/>
+                  </a:schemeClr>
+                </a:solidFill>
+              </a:rPr>
+              <a:t>Data prediction</a:t>
+            </a:r>
+            <a:endParaRPr lang="en-AU" sz="1400" b="1" spc="600" dirty="0">
+              <a:solidFill>
+                <a:schemeClr val="bg1">
+                  <a:lumMod val="65000"/>
+                </a:schemeClr>
+              </a:solidFill>
+            </a:endParaRPr>
+          </a:p>
+        </p:txBody>
+      </p:sp>
+      <p:cxnSp>
+        <p:nvCxnSpPr>
+          <p:cNvPr id="7" name="Straight Arrow Connector 6"/>
+          <p:cNvCxnSpPr/>
+          <p:nvPr/>
+        </p:nvCxnSpPr>
+        <p:spPr>
+          <a:xfrm flipH="1">
+            <a:off x="10901089" y="2372656"/>
+            <a:ext cx="0" cy="2808000"/>
+          </a:xfrm>
+          <a:prstGeom prst="straightConnector1">
+            <a:avLst/>
+          </a:prstGeom>
+          <a:ln>
+            <a:headEnd type="triangle"/>
+            <a:tailEnd type="triangle"/>
+          </a:ln>
+        </p:spPr>
+        <p:style>
+          <a:lnRef idx="1">
+            <a:schemeClr val="accent1"/>
+          </a:lnRef>
+          <a:fillRef idx="0">
+            <a:schemeClr val="accent1"/>
+          </a:fillRef>
+          <a:effectRef idx="0">
+            <a:schemeClr val="accent1"/>
+          </a:effectRef>
+          <a:fontRef idx="minor">
+            <a:schemeClr val="tx1"/>
+          </a:fontRef>
+        </p:style>
+      </p:cxnSp>
+      <p:sp>
+        <p:nvSpPr>
+          <p:cNvPr id="9" name="TextBox 8"/>
+          <p:cNvSpPr txBox="1"/>
+          <p:nvPr/>
+        </p:nvSpPr>
+        <p:spPr>
+          <a:xfrm rot="5400000" flipH="1">
+            <a:off x="10558179" y="4427523"/>
+            <a:ext cx="1613647" cy="646331"/>
+          </a:xfrm>
+          <a:prstGeom prst="rect">
+            <a:avLst/>
+          </a:prstGeom>
+          <a:noFill/>
+        </p:spPr>
+        <p:txBody>
+          <a:bodyPr wrap="square" rtlCol="0">
+            <a:spAutoFit/>
+          </a:bodyPr>
+          <a:lstStyle/>
+          <a:p>
+            <a:pPr algn="ctr"/>
+            <a:r>
+              <a:rPr lang="en-AU" dirty="0" smtClean="0"/>
+              <a:t>Better prediction</a:t>
+            </a:r>
+            <a:endParaRPr lang="en-AU" dirty="0"/>
+          </a:p>
+        </p:txBody>
+      </p:sp>
+      <p:sp>
+        <p:nvSpPr>
+          <p:cNvPr id="10" name="TextBox 9"/>
+          <p:cNvSpPr txBox="1"/>
+          <p:nvPr/>
+        </p:nvSpPr>
+        <p:spPr>
+          <a:xfrm rot="5400000" flipH="1">
+            <a:off x="10528296" y="2471401"/>
+            <a:ext cx="1613647" cy="646331"/>
+          </a:xfrm>
+          <a:prstGeom prst="rect">
+            <a:avLst/>
+          </a:prstGeom>
+          <a:noFill/>
+        </p:spPr>
+        <p:txBody>
+          <a:bodyPr wrap="square" rtlCol="0">
+            <a:spAutoFit/>
+          </a:bodyPr>
+          <a:lstStyle/>
+          <a:p>
+            <a:pPr algn="ctr"/>
+            <a:r>
+              <a:rPr lang="en-AU" dirty="0" smtClean="0"/>
+              <a:t>Worse prediction</a:t>
+            </a:r>
+            <a:endParaRPr lang="en-AU" dirty="0"/>
+          </a:p>
+        </p:txBody>
+      </p:sp>
+      <p:pic>
+        <p:nvPicPr>
+          <p:cNvPr id="11" name="Content Placeholder 4"/>
+          <p:cNvPicPr>
+            <a:picLocks noChangeAspect="1"/>
+          </p:cNvPicPr>
+          <p:nvPr/>
+        </p:nvPicPr>
+        <p:blipFill rotWithShape="1">
+          <a:blip r:embed="rId2">
+            <a:extLst>
+              <a:ext uri="{28A0092B-C50C-407E-A947-70E740481C1C}">
+                <a14:useLocalDpi xmlns:a14="http://schemas.microsoft.com/office/drawing/2010/main" val="0"/>
+              </a:ext>
+            </a:extLst>
+          </a:blip>
+          <a:srcRect r="49659"/>
+          <a:stretch/>
+        </p:blipFill>
+        <p:spPr>
+          <a:xfrm>
+            <a:off x="5290696" y="1957863"/>
+            <a:ext cx="5517163" cy="3835853"/>
+          </a:xfrm>
+          <a:prstGeom prst="rect">
+            <a:avLst/>
+          </a:prstGeom>
+        </p:spPr>
+      </p:pic>
       <p:pic>
         <p:nvPicPr>
           <p:cNvPr id="4" name="Content Placeholder 3"/>
@@ -5090,7 +5323,7 @@
           </p:nvPr>
         </p:nvPicPr>
         <p:blipFill>
-          <a:blip r:embed="rId2">
+          <a:blip r:embed="rId3" cstate="hqprint">
             <a:extLst>
               <a:ext uri="{28A0092B-C50C-407E-A947-70E740481C1C}">
                 <a14:useLocalDpi xmlns:a14="http://schemas.microsoft.com/office/drawing/2010/main" val="0"/>
@@ -5103,74 +5336,21 @@
         </p:blipFill>
         <p:spPr>
           <a:xfrm>
-            <a:off x="2270048" y="4290636"/>
-            <a:ext cx="6609092" cy="2160000"/>
+            <a:off x="686284" y="3154159"/>
+            <a:ext cx="5320070" cy="1738719"/>
           </a:xfrm>
         </p:spPr>
       </p:pic>
-      <p:pic>
-        <p:nvPicPr>
-          <p:cNvPr id="5" name="Picture 4"/>
-          <p:cNvPicPr>
-            <a:picLocks noChangeAspect="1"/>
-          </p:cNvPicPr>
+      <p:sp>
+        <p:nvSpPr>
+          <p:cNvPr id="13" name="TextBox 12"/>
+          <p:cNvSpPr txBox="1"/>
           <p:nvPr/>
-        </p:nvPicPr>
-        <p:blipFill>
-          <a:blip r:embed="rId3">
-            <a:extLst>
-              <a:ext uri="{28A0092B-C50C-407E-A947-70E740481C1C}">
-                <a14:useLocalDpi xmlns:a14="http://schemas.microsoft.com/office/drawing/2010/main" val="0"/>
-              </a:ext>
-            </a:extLst>
-          </a:blip>
-          <a:stretch>
-            <a:fillRect/>
-          </a:stretch>
-        </p:blipFill>
+        </p:nvSpPr>
         <p:spPr>
           <a:xfrm>
-            <a:off x="2108066" y="1980030"/>
-            <a:ext cx="6873304" cy="2160000"/>
-          </a:xfrm>
-          <a:prstGeom prst="rect">
-            <a:avLst/>
-          </a:prstGeom>
-        </p:spPr>
-      </p:pic>
-      <p:sp>
-        <p:nvSpPr>
-          <p:cNvPr id="6" name="Slide Number Placeholder 5"/>
-          <p:cNvSpPr>
-            <a:spLocks noGrp="1"/>
-          </p:cNvSpPr>
-          <p:nvPr>
-            <p:ph type="sldNum" sz="quarter" idx="12"/>
-          </p:nvPr>
-        </p:nvSpPr>
-        <p:spPr/>
-        <p:txBody>
-          <a:bodyPr/>
-          <a:lstStyle/>
-          <a:p>
-            <a:fld id="{5B03D32D-F1BC-4E9C-97E1-36CFF5B22341}" type="slidenum">
-              <a:rPr lang="en-US" smtClean="0"/>
-              <a:t>12</a:t>
-            </a:fld>
-            <a:endParaRPr lang="en-US"/>
-          </a:p>
-        </p:txBody>
-      </p:sp>
-      <p:sp>
-        <p:nvSpPr>
-          <p:cNvPr id="8" name="TextBox 7"/>
-          <p:cNvSpPr txBox="1"/>
-          <p:nvPr/>
-        </p:nvSpPr>
-        <p:spPr>
-          <a:xfrm rot="16200000">
-            <a:off x="-1304372" y="1243106"/>
-            <a:ext cx="2916518" cy="307777"/>
+            <a:off x="741707" y="5290028"/>
+            <a:ext cx="5283200" cy="954107"/>
           </a:xfrm>
           <a:prstGeom prst="rect">
             <a:avLst/>
@@ -5183,24 +5363,79 @@
           </a:bodyPr>
           <a:lstStyle/>
           <a:p>
-            <a:pPr algn="r"/>
-            <a:r>
-              <a:rPr lang="en-AU" sz="1400" b="1" spc="600" dirty="0" smtClean="0">
-                <a:solidFill>
-                  <a:schemeClr val="bg1">
-                    <a:lumMod val="65000"/>
-                  </a:schemeClr>
-                </a:solidFill>
-              </a:rPr>
-              <a:t>Data prediction</a:t>
-            </a:r>
-            <a:endParaRPr lang="en-AU" sz="1400" b="1" spc="600" dirty="0">
-              <a:solidFill>
-                <a:schemeClr val="bg1">
-                  <a:lumMod val="65000"/>
-                </a:schemeClr>
-              </a:solidFill>
-            </a:endParaRPr>
+            <a:r>
+              <a:rPr lang="en-AU" sz="2800" dirty="0" smtClean="0"/>
+              <a:t>Better performance</a:t>
+            </a:r>
+          </a:p>
+          <a:p>
+            <a:r>
+              <a:rPr lang="en-AU" sz="2800" dirty="0" smtClean="0"/>
+              <a:t>Improved by larger train set</a:t>
+            </a:r>
+            <a:endParaRPr lang="en-AU" sz="2800" dirty="0"/>
+          </a:p>
+        </p:txBody>
+      </p:sp>
+      <p:sp>
+        <p:nvSpPr>
+          <p:cNvPr id="14" name="TextBox 13"/>
+          <p:cNvSpPr txBox="1"/>
+          <p:nvPr/>
+        </p:nvSpPr>
+        <p:spPr>
+          <a:xfrm>
+            <a:off x="4404650" y="4703478"/>
+            <a:ext cx="812800" cy="369332"/>
+          </a:xfrm>
+          <a:prstGeom prst="rect">
+            <a:avLst/>
+          </a:prstGeom>
+          <a:noFill/>
+        </p:spPr>
+        <p:txBody>
+          <a:bodyPr wrap="square" rtlCol="0">
+            <a:spAutoFit/>
+          </a:bodyPr>
+          <a:lstStyle/>
+          <a:p>
+            <a:pPr algn="ctr"/>
+            <a:r>
+              <a:rPr lang="en-AU" dirty="0" smtClean="0"/>
+              <a:t>items</a:t>
+            </a:r>
+            <a:endParaRPr lang="en-AU" dirty="0"/>
+          </a:p>
+        </p:txBody>
+      </p:sp>
+      <p:sp>
+        <p:nvSpPr>
+          <p:cNvPr id="15" name="TextBox 14"/>
+          <p:cNvSpPr txBox="1"/>
+          <p:nvPr/>
+        </p:nvSpPr>
+        <p:spPr>
+          <a:xfrm>
+            <a:off x="1736160" y="4706467"/>
+            <a:ext cx="812800" cy="369332"/>
+          </a:xfrm>
+          <a:prstGeom prst="rect">
+            <a:avLst/>
+          </a:prstGeom>
+          <a:noFill/>
+        </p:spPr>
+        <p:txBody>
+          <a:bodyPr wrap="square" rtlCol="0">
+            <a:spAutoFit/>
+          </a:bodyPr>
+          <a:lstStyle/>
+          <a:p>
+            <a:pPr algn="ctr"/>
+            <a:r>
+              <a:rPr lang="en-AU" dirty="0" smtClean="0"/>
+              <a:t>items</a:t>
+            </a:r>
+            <a:endParaRPr lang="en-AU" dirty="0"/>
           </a:p>
         </p:txBody>
       </p:sp>
@@ -5257,52 +5492,99 @@
           <a:lstStyle/>
           <a:p>
             <a:r>
-              <a:rPr lang="en-US" dirty="0"/>
-              <a:t>R</a:t>
-            </a:r>
-            <a:r>
-              <a:rPr lang="en-US" dirty="0" smtClean="0"/>
-              <a:t>andom </a:t>
-            </a:r>
-            <a:r>
-              <a:rPr lang="en-US" dirty="0"/>
-              <a:t>forest can even improve by training on more dates</a:t>
+              <a:rPr lang="en-AU" b="1" dirty="0" smtClean="0"/>
+              <a:t>Improvements</a:t>
             </a:r>
             <a:endParaRPr lang="en-AU" dirty="0"/>
           </a:p>
         </p:txBody>
       </p:sp>
-      <p:pic>
-        <p:nvPicPr>
-          <p:cNvPr id="4" name="Content Placeholder 3"/>
-          <p:cNvPicPr>
-            <a:picLocks noGrp="1" noChangeAspect="1"/>
-          </p:cNvPicPr>
+      <p:sp>
+        <p:nvSpPr>
+          <p:cNvPr id="3" name="Content Placeholder 2"/>
+          <p:cNvSpPr>
+            <a:spLocks noGrp="1"/>
+          </p:cNvSpPr>
           <p:nvPr>
             <p:ph idx="1"/>
           </p:nvPr>
-        </p:nvPicPr>
-        <p:blipFill rotWithShape="1">
-          <a:blip r:embed="rId2">
-            <a:extLst>
-              <a:ext uri="{28A0092B-C50C-407E-A947-70E740481C1C}">
-                <a14:useLocalDpi xmlns:a14="http://schemas.microsoft.com/office/drawing/2010/main" val="0"/>
-              </a:ext>
-            </a:extLst>
-          </a:blip>
-          <a:srcRect r="49829"/>
-          <a:stretch/>
-        </p:blipFill>
+        </p:nvSpPr>
         <p:spPr>
           <a:xfrm>
-            <a:off x="2720788" y="1613647"/>
-            <a:ext cx="6274594" cy="4377289"/>
+            <a:off x="838200" y="1825625"/>
+            <a:ext cx="10515600" cy="2507316"/>
           </a:xfrm>
         </p:spPr>
-      </p:pic>
-      <p:sp>
-        <p:nvSpPr>
-          <p:cNvPr id="6" name="Slide Number Placeholder 5"/>
+        <p:txBody>
+          <a:bodyPr>
+            <a:normAutofit/>
+          </a:bodyPr>
+          <a:lstStyle/>
+          <a:p>
+            <a:pPr marL="0" indent="0">
+              <a:buNone/>
+            </a:pPr>
+            <a:r>
+              <a:rPr lang="en-US" sz="2000" dirty="0" smtClean="0"/>
+              <a:t>If </a:t>
+            </a:r>
+            <a:r>
+              <a:rPr lang="en-US" sz="2000" dirty="0"/>
+              <a:t>I had more time, </a:t>
+            </a:r>
+            <a:endParaRPr lang="en-US" sz="2000" dirty="0" smtClean="0"/>
+          </a:p>
+          <a:p>
+            <a:pPr>
+              <a:buFontTx/>
+              <a:buChar char="-"/>
+            </a:pPr>
+            <a:r>
+              <a:rPr lang="en-US" sz="2000" dirty="0" smtClean="0"/>
+              <a:t>Parameter optimization</a:t>
+            </a:r>
+          </a:p>
+          <a:p>
+            <a:pPr>
+              <a:buFontTx/>
+              <a:buChar char="-"/>
+            </a:pPr>
+            <a:r>
+              <a:rPr lang="en-US" sz="2000" dirty="0" smtClean="0"/>
+              <a:t>Construct features (e.g., day of the week, end of the month)</a:t>
+            </a:r>
+          </a:p>
+          <a:p>
+            <a:pPr>
+              <a:buFontTx/>
+              <a:buChar char="-"/>
+            </a:pPr>
+            <a:r>
+              <a:rPr lang="en-US" sz="2000" dirty="0"/>
+              <a:t>Test other models (e.g., NNs, LSTM, or other supervised model) and large training data to see how they perform. </a:t>
+            </a:r>
+          </a:p>
+          <a:p>
+            <a:pPr>
+              <a:buFontTx/>
+              <a:buChar char="-"/>
+            </a:pPr>
+            <a:r>
+              <a:rPr lang="en-US" sz="2000" dirty="0" smtClean="0"/>
+              <a:t>More analysis: e.g., based on date</a:t>
+            </a:r>
+          </a:p>
+          <a:p>
+            <a:pPr marL="0" indent="0">
+              <a:buNone/>
+            </a:pPr>
+            <a:endParaRPr lang="en-US" sz="2000" dirty="0" smtClean="0"/>
+          </a:p>
+        </p:txBody>
+      </p:sp>
+      <p:sp>
+        <p:nvSpPr>
+          <p:cNvPr id="4" name="Slide Number Placeholder 3"/>
           <p:cNvSpPr>
             <a:spLocks noGrp="1"/>
           </p:cNvSpPr>
@@ -5323,53 +5605,10 @@
           </a:p>
         </p:txBody>
       </p:sp>
-      <p:sp>
-        <p:nvSpPr>
-          <p:cNvPr id="8" name="TextBox 7"/>
-          <p:cNvSpPr txBox="1"/>
-          <p:nvPr/>
-        </p:nvSpPr>
-        <p:spPr>
-          <a:xfrm rot="16200000">
-            <a:off x="-1304372" y="1243106"/>
-            <a:ext cx="2916518" cy="307777"/>
-          </a:xfrm>
-          <a:prstGeom prst="rect">
-            <a:avLst/>
-          </a:prstGeom>
-          <a:noFill/>
-        </p:spPr>
-        <p:txBody>
-          <a:bodyPr wrap="square" rtlCol="0">
-            <a:spAutoFit/>
-          </a:bodyPr>
-          <a:lstStyle/>
-          <a:p>
-            <a:pPr algn="r"/>
-            <a:r>
-              <a:rPr lang="en-AU" sz="1400" b="1" spc="600" dirty="0" smtClean="0">
-                <a:solidFill>
-                  <a:schemeClr val="bg1">
-                    <a:lumMod val="65000"/>
-                  </a:schemeClr>
-                </a:solidFill>
-              </a:rPr>
-              <a:t>Data prediction</a:t>
-            </a:r>
-            <a:endParaRPr lang="en-AU" sz="1400" b="1" spc="600" dirty="0">
-              <a:solidFill>
-                <a:schemeClr val="bg1">
-                  <a:lumMod val="65000"/>
-                </a:schemeClr>
-              </a:solidFill>
-            </a:endParaRPr>
-          </a:p>
-        </p:txBody>
-      </p:sp>
     </p:spTree>
     <p:extLst>
       <p:ext uri="{BB962C8B-B14F-4D97-AF65-F5344CB8AC3E}">
-        <p14:creationId xmlns:p14="http://schemas.microsoft.com/office/powerpoint/2010/main" val="4235855275"/>
+        <p14:creationId xmlns:p14="http://schemas.microsoft.com/office/powerpoint/2010/main" val="2079465488"/>
       </p:ext>
     </p:extLst>
   </p:cSld>
@@ -5419,12 +5658,8 @@
           <a:lstStyle/>
           <a:p>
             <a:r>
-              <a:rPr lang="en-AU" b="1" dirty="0"/>
-              <a:t>Other TO DO </a:t>
-            </a:r>
-            <a:r>
-              <a:rPr lang="en-AU" b="1" dirty="0" smtClean="0"/>
-              <a:t>things</a:t>
+              <a:rPr lang="en-AU" dirty="0" smtClean="0"/>
+              <a:t>Limitations</a:t>
             </a:r>
             <a:endParaRPr lang="en-AU" dirty="0"/>
           </a:p>
@@ -5442,63 +5677,21 @@
         </p:nvSpPr>
         <p:spPr/>
         <p:txBody>
-          <a:bodyPr>
-            <a:normAutofit/>
-          </a:bodyPr>
+          <a:bodyPr/>
           <a:lstStyle/>
           <a:p>
-            <a:pPr marL="0" indent="0">
-              <a:buNone/>
-            </a:pPr>
-            <a:r>
-              <a:rPr lang="en-US" b="1" dirty="0"/>
-              <a:t>From the technical </a:t>
-            </a:r>
-            <a:r>
-              <a:rPr lang="en-US" b="1" dirty="0" smtClean="0"/>
-              <a:t>side:</a:t>
-            </a:r>
-          </a:p>
-          <a:p>
-            <a:pPr marL="0" indent="0">
-              <a:buNone/>
-            </a:pPr>
-            <a:r>
-              <a:rPr lang="en-US" sz="2000" dirty="0" smtClean="0"/>
-              <a:t>If </a:t>
-            </a:r>
-            <a:r>
-              <a:rPr lang="en-US" sz="2000" dirty="0"/>
-              <a:t>I had more time, I could play with other models (e.g</a:t>
-            </a:r>
-            <a:r>
-              <a:rPr lang="en-US" sz="2000" dirty="0" smtClean="0"/>
-              <a:t>., NNs, LSTM, or </a:t>
-            </a:r>
-            <a:r>
-              <a:rPr lang="en-US" sz="2000" dirty="0"/>
-              <a:t>other supervised </a:t>
-            </a:r>
-            <a:r>
-              <a:rPr lang="en-US" sz="2000" dirty="0" smtClean="0"/>
-              <a:t>model) </a:t>
-            </a:r>
-            <a:r>
-              <a:rPr lang="en-US" sz="2000" dirty="0"/>
-              <a:t>and large </a:t>
-            </a:r>
-            <a:r>
-              <a:rPr lang="en-US" sz="2000" dirty="0" smtClean="0"/>
-              <a:t>training data to </a:t>
-            </a:r>
-            <a:r>
-              <a:rPr lang="en-US" sz="2000" dirty="0"/>
-              <a:t>see how they </a:t>
-            </a:r>
-            <a:r>
-              <a:rPr lang="en-US" sz="2000" dirty="0" smtClean="0"/>
-              <a:t>perform. </a:t>
-            </a:r>
+            <a:r>
+              <a:rPr lang="en-AU" dirty="0" smtClean="0"/>
+              <a:t>Did not include date in feature set:</a:t>
+            </a:r>
+          </a:p>
+          <a:p>
+            <a:pPr lvl="1"/>
+            <a:r>
+              <a:rPr lang="en-AU" dirty="0" smtClean="0"/>
+              <a:t>So can not answer questions related to time of sales</a:t>
+            </a:r>
+            <a:endParaRPr lang="en-AU" dirty="0"/>
           </a:p>
         </p:txBody>
       </p:sp>
@@ -5528,7 +5721,7 @@
     </p:spTree>
     <p:extLst>
       <p:ext uri="{BB962C8B-B14F-4D97-AF65-F5344CB8AC3E}">
-        <p14:creationId xmlns:p14="http://schemas.microsoft.com/office/powerpoint/2010/main" val="2079465488"/>
+        <p14:creationId xmlns:p14="http://schemas.microsoft.com/office/powerpoint/2010/main" val="1476384189"/>
       </p:ext>
     </p:extLst>
   </p:cSld>
@@ -5602,8 +5795,8 @@
               <a:buNone/>
             </a:pPr>
             <a:r>
-              <a:rPr lang="en-AU" sz="6000" dirty="0" smtClean="0"/>
-              <a:t>THE END</a:t>
+              <a:rPr lang="en-AU" sz="6000" smtClean="0"/>
+              <a:t>Questions?</a:t>
             </a:r>
             <a:endParaRPr lang="en-AU" sz="6000" dirty="0"/>
           </a:p>
@@ -6098,7 +6291,15 @@
             <a:pPr lvl="1"/>
             <a:r>
               <a:rPr lang="en-US" sz="1800" dirty="0"/>
-              <a:t>Provide a summary of the data (e.g., number of stores/items/families)</a:t>
+              <a:t>S</a:t>
+            </a:r>
+            <a:r>
+              <a:rPr lang="en-US" sz="1800" dirty="0" smtClean="0"/>
+              <a:t>ummary </a:t>
+            </a:r>
+            <a:r>
+              <a:rPr lang="en-US" sz="1800" dirty="0"/>
+              <a:t>of the data (e.g., number of stores/items/families)</a:t>
             </a:r>
           </a:p>
           <a:p>
@@ -6167,15 +6368,28 @@
             <a:pPr lvl="1"/>
             <a:r>
               <a:rPr lang="en-US" sz="1800" dirty="0"/>
-              <a:t>Use ML methods (linear reg. and random forest) to predict unit sales</a:t>
+              <a:t>Use ML methods (linear </a:t>
+            </a:r>
+            <a:r>
+              <a:rPr lang="en-US" sz="1800" dirty="0" smtClean="0"/>
+              <a:t>regression and </a:t>
+            </a:r>
+            <a:r>
+              <a:rPr lang="en-US" sz="1800" dirty="0"/>
+              <a:t>random forest) to predict unit sales</a:t>
             </a:r>
           </a:p>
           <a:p>
             <a:pPr lvl="1"/>
             <a:r>
               <a:rPr lang="en-US" sz="1800" dirty="0"/>
-              <a:t>Split the data to train and test</a:t>
-            </a:r>
+              <a:t>Split the data to train and </a:t>
+            </a:r>
+            <a:r>
+              <a:rPr lang="en-US" sz="1800" dirty="0" smtClean="0"/>
+              <a:t>test set</a:t>
+            </a:r>
+            <a:endParaRPr lang="en-US" sz="1800" dirty="0"/>
           </a:p>
           <a:p>
             <a:pPr lvl="1"/>
@@ -6438,6 +6652,666 @@
           <a:chExt cx="0" cy="0"/>
         </a:xfrm>
       </p:grpSpPr>
+      <p:pic>
+        <p:nvPicPr>
+          <p:cNvPr id="6" name="slide6">
+            <a:extLst>
+              <a:ext uri="{FF2B5EF4-FFF2-40B4-BE49-F238E27FC236}">
+                <a16:creationId xmlns:a16="http://schemas.microsoft.com/office/drawing/2014/main" id="{BAE55E9B-062F-4971-85EF-3AFF421613B7}"/>
+              </a:ext>
+            </a:extLst>
+          </p:cNvPr>
+          <p:cNvPicPr>
+            <a:picLocks noChangeAspect="1"/>
+          </p:cNvPicPr>
+          <p:nvPr/>
+        </p:nvPicPr>
+        <p:blipFill>
+          <a:blip r:embed="rId2">
+            <a:extLst>
+              <a:ext uri="{28A0092B-C50C-407E-A947-70E740481C1C}">
+                <a14:useLocalDpi xmlns:a14="http://schemas.microsoft.com/office/drawing/2010/main" val="0"/>
+              </a:ext>
+            </a:extLst>
+          </a:blip>
+          <a:stretch>
+            <a:fillRect/>
+          </a:stretch>
+        </p:blipFill>
+        <p:spPr>
+          <a:xfrm>
+            <a:off x="480503" y="0"/>
+            <a:ext cx="7940626" cy="6858000"/>
+          </a:xfrm>
+          <a:prstGeom prst="rect">
+            <a:avLst/>
+          </a:prstGeom>
+        </p:spPr>
+      </p:pic>
+      <p:sp>
+        <p:nvSpPr>
+          <p:cNvPr id="2" name="Rectangle 1"/>
+          <p:cNvSpPr/>
+          <p:nvPr/>
+        </p:nvSpPr>
+        <p:spPr>
+          <a:xfrm>
+            <a:off x="8345240" y="647115"/>
+            <a:ext cx="3505200" cy="3693319"/>
+          </a:xfrm>
+          <a:prstGeom prst="rect">
+            <a:avLst/>
+          </a:prstGeom>
+        </p:spPr>
+        <p:txBody>
+          <a:bodyPr wrap="square">
+            <a:spAutoFit/>
+          </a:bodyPr>
+          <a:lstStyle/>
+          <a:p>
+            <a:pPr marL="285750" indent="-285750">
+              <a:buFont typeface="Arial" panose="020B0604020202020204" pitchFamily="34" charset="0"/>
+              <a:buChar char="•"/>
+            </a:pPr>
+            <a:r>
+              <a:rPr lang="en-US" b="1" dirty="0" smtClean="0">
+                <a:solidFill>
+                  <a:srgbClr val="24292E"/>
+                </a:solidFill>
+              </a:rPr>
+              <a:t>Weekly </a:t>
+            </a:r>
+            <a:r>
+              <a:rPr lang="en-US" b="1" dirty="0">
+                <a:solidFill>
+                  <a:srgbClr val="24292E"/>
+                </a:solidFill>
+              </a:rPr>
+              <a:t>unit sales </a:t>
+            </a:r>
+            <a:r>
+              <a:rPr lang="en-US" b="1" dirty="0" smtClean="0">
+                <a:solidFill>
+                  <a:srgbClr val="24292E"/>
+                </a:solidFill>
+              </a:rPr>
+              <a:t>increase </a:t>
+            </a:r>
+            <a:r>
+              <a:rPr lang="en-US" b="1" dirty="0">
+                <a:solidFill>
+                  <a:srgbClr val="24292E"/>
+                </a:solidFill>
+              </a:rPr>
+              <a:t>during the last few weeks of the </a:t>
+            </a:r>
+            <a:r>
+              <a:rPr lang="en-US" b="1" dirty="0" smtClean="0">
+                <a:solidFill>
+                  <a:srgbClr val="24292E"/>
+                </a:solidFill>
+              </a:rPr>
+              <a:t>year (Christmas holidays)</a:t>
+            </a:r>
+          </a:p>
+          <a:p>
+            <a:pPr marL="285750" indent="-285750">
+              <a:buFont typeface="Arial" panose="020B0604020202020204" pitchFamily="34" charset="0"/>
+              <a:buChar char="•"/>
+            </a:pPr>
+            <a:endParaRPr lang="en-US" b="1" dirty="0" smtClean="0">
+              <a:solidFill>
+                <a:srgbClr val="24292E"/>
+              </a:solidFill>
+            </a:endParaRPr>
+          </a:p>
+          <a:p>
+            <a:pPr marL="285750" indent="-285750">
+              <a:buFont typeface="Arial" panose="020B0604020202020204" pitchFamily="34" charset="0"/>
+              <a:buChar char="•"/>
+            </a:pPr>
+            <a:r>
+              <a:rPr lang="en-US" b="1" dirty="0" smtClean="0"/>
+              <a:t>Ther</a:t>
+            </a:r>
+            <a:r>
+              <a:rPr lang="en-US" b="1" dirty="0" smtClean="0"/>
+              <a:t>e’s a s</a:t>
+            </a:r>
+            <a:r>
+              <a:rPr lang="en-US" b="1" dirty="0" smtClean="0"/>
+              <a:t>mall</a:t>
+            </a:r>
+            <a:r>
+              <a:rPr lang="en-US" b="1" dirty="0"/>
+              <a:t>, but </a:t>
+            </a:r>
+            <a:r>
+              <a:rPr lang="en-US" b="1" dirty="0" smtClean="0"/>
+              <a:t>periodic</a:t>
+            </a:r>
+            <a:r>
+              <a:rPr lang="en-US" b="1" dirty="0"/>
+              <a:t>, fluctuations </a:t>
+            </a:r>
+            <a:r>
+              <a:rPr lang="en-US" b="1" dirty="0" smtClean="0"/>
+              <a:t>during a</a:t>
+            </a:r>
+            <a:r>
+              <a:rPr lang="en-US" b="1" dirty="0" smtClean="0"/>
+              <a:t> year </a:t>
+            </a:r>
+            <a:r>
+              <a:rPr lang="en-US" b="1" dirty="0" smtClean="0"/>
+              <a:t>aligned </a:t>
+            </a:r>
+            <a:r>
+              <a:rPr lang="en-US" b="1" dirty="0"/>
+              <a:t>with the end </a:t>
+            </a:r>
+            <a:r>
+              <a:rPr lang="en-US" b="1" dirty="0" smtClean="0"/>
+              <a:t>of months (salaries are </a:t>
+            </a:r>
+            <a:r>
+              <a:rPr lang="en-US" b="1" dirty="0" smtClean="0"/>
+              <a:t>paid and </a:t>
+            </a:r>
+            <a:r>
+              <a:rPr lang="en-US" b="1" dirty="0" smtClean="0"/>
+              <a:t>sales increased).</a:t>
+            </a:r>
+          </a:p>
+          <a:p>
+            <a:pPr marL="285750" indent="-285750">
+              <a:buFont typeface="Arial" panose="020B0604020202020204" pitchFamily="34" charset="0"/>
+              <a:buChar char="•"/>
+            </a:pPr>
+            <a:endParaRPr lang="en-US" b="1" dirty="0"/>
+          </a:p>
+          <a:p>
+            <a:pPr marL="285750" indent="-285750">
+              <a:buFont typeface="Arial" panose="020B0604020202020204" pitchFamily="34" charset="0"/>
+              <a:buChar char="•"/>
+            </a:pPr>
+            <a:r>
+              <a:rPr lang="en-US" b="1" dirty="0" smtClean="0"/>
+              <a:t>Oil </a:t>
+            </a:r>
+            <a:r>
+              <a:rPr lang="en-US" b="1" dirty="0" smtClean="0"/>
+              <a:t>price doesn’t seem to affect the </a:t>
+            </a:r>
+            <a:r>
+              <a:rPr lang="en-US" b="1" dirty="0" smtClean="0"/>
+              <a:t>sales </a:t>
+            </a:r>
+            <a:r>
+              <a:rPr lang="en-US" b="1" dirty="0" smtClean="0"/>
+              <a:t>that much </a:t>
+            </a:r>
+            <a:r>
+              <a:rPr lang="en-US" b="1" dirty="0" smtClean="0"/>
+              <a:t>(at </a:t>
+            </a:r>
+            <a:r>
+              <a:rPr lang="en-US" b="1" dirty="0" smtClean="0"/>
+              <a:t>least </a:t>
+            </a:r>
+            <a:r>
+              <a:rPr lang="en-US" b="1" dirty="0" smtClean="0"/>
+              <a:t>visually)</a:t>
+            </a:r>
+            <a:endParaRPr lang="en-AU" b="1" dirty="0"/>
+          </a:p>
+        </p:txBody>
+      </p:sp>
+      <p:cxnSp>
+        <p:nvCxnSpPr>
+          <p:cNvPr id="4" name="Straight Arrow Connector 3"/>
+          <p:cNvCxnSpPr/>
+          <p:nvPr/>
+        </p:nvCxnSpPr>
+        <p:spPr>
+          <a:xfrm>
+            <a:off x="1417320" y="5024120"/>
+            <a:ext cx="0" cy="288000"/>
+          </a:xfrm>
+          <a:prstGeom prst="straightConnector1">
+            <a:avLst/>
+          </a:prstGeom>
+          <a:ln w="28575">
+            <a:tailEnd type="triangle"/>
+          </a:ln>
+        </p:spPr>
+        <p:style>
+          <a:lnRef idx="1">
+            <a:schemeClr val="accent1"/>
+          </a:lnRef>
+          <a:fillRef idx="0">
+            <a:schemeClr val="accent1"/>
+          </a:fillRef>
+          <a:effectRef idx="0">
+            <a:schemeClr val="accent1"/>
+          </a:effectRef>
+          <a:fontRef idx="minor">
+            <a:schemeClr val="tx1"/>
+          </a:fontRef>
+        </p:style>
+      </p:cxnSp>
+      <p:cxnSp>
+        <p:nvCxnSpPr>
+          <p:cNvPr id="7" name="Straight Arrow Connector 6"/>
+          <p:cNvCxnSpPr/>
+          <p:nvPr/>
+        </p:nvCxnSpPr>
+        <p:spPr>
+          <a:xfrm>
+            <a:off x="1529080" y="4963160"/>
+            <a:ext cx="0" cy="288000"/>
+          </a:xfrm>
+          <a:prstGeom prst="straightConnector1">
+            <a:avLst/>
+          </a:prstGeom>
+          <a:ln w="28575">
+            <a:tailEnd type="triangle"/>
+          </a:ln>
+        </p:spPr>
+        <p:style>
+          <a:lnRef idx="1">
+            <a:schemeClr val="accent1"/>
+          </a:lnRef>
+          <a:fillRef idx="0">
+            <a:schemeClr val="accent1"/>
+          </a:fillRef>
+          <a:effectRef idx="0">
+            <a:schemeClr val="accent1"/>
+          </a:effectRef>
+          <a:fontRef idx="minor">
+            <a:schemeClr val="tx1"/>
+          </a:fontRef>
+        </p:style>
+      </p:cxnSp>
+      <p:sp>
+        <p:nvSpPr>
+          <p:cNvPr id="5" name="Slide Number Placeholder 4"/>
+          <p:cNvSpPr>
+            <a:spLocks noGrp="1"/>
+          </p:cNvSpPr>
+          <p:nvPr>
+            <p:ph type="sldNum" sz="quarter" idx="12"/>
+          </p:nvPr>
+        </p:nvSpPr>
+        <p:spPr/>
+        <p:txBody>
+          <a:bodyPr/>
+          <a:lstStyle/>
+          <a:p>
+            <a:fld id="{5B03D32D-F1BC-4E9C-97E1-36CFF5B22341}" type="slidenum">
+              <a:rPr lang="en-US" smtClean="0"/>
+              <a:t>22</a:t>
+            </a:fld>
+            <a:endParaRPr lang="en-US"/>
+          </a:p>
+        </p:txBody>
+      </p:sp>
+      <p:sp>
+        <p:nvSpPr>
+          <p:cNvPr id="8" name="TextBox 7"/>
+          <p:cNvSpPr txBox="1"/>
+          <p:nvPr/>
+        </p:nvSpPr>
+        <p:spPr>
+          <a:xfrm rot="16200000">
+            <a:off x="-1304372" y="1243106"/>
+            <a:ext cx="2916518" cy="307777"/>
+          </a:xfrm>
+          <a:prstGeom prst="rect">
+            <a:avLst/>
+          </a:prstGeom>
+          <a:noFill/>
+        </p:spPr>
+        <p:txBody>
+          <a:bodyPr wrap="square" rtlCol="0">
+            <a:spAutoFit/>
+          </a:bodyPr>
+          <a:lstStyle/>
+          <a:p>
+            <a:pPr algn="r"/>
+            <a:r>
+              <a:rPr lang="en-AU" sz="1400" b="1" spc="600" dirty="0" smtClean="0">
+                <a:solidFill>
+                  <a:schemeClr val="bg1">
+                    <a:lumMod val="65000"/>
+                  </a:schemeClr>
+                </a:solidFill>
+              </a:rPr>
+              <a:t>Data visualization</a:t>
+            </a:r>
+            <a:endParaRPr lang="en-AU" sz="1400" b="1" spc="600" dirty="0">
+              <a:solidFill>
+                <a:schemeClr val="bg1">
+                  <a:lumMod val="65000"/>
+                </a:schemeClr>
+              </a:solidFill>
+            </a:endParaRPr>
+          </a:p>
+        </p:txBody>
+      </p:sp>
+    </p:spTree>
+    <p:extLst>
+      <p:ext uri="{BB962C8B-B14F-4D97-AF65-F5344CB8AC3E}">
+        <p14:creationId xmlns:p14="http://schemas.microsoft.com/office/powerpoint/2010/main" val="95992585"/>
+      </p:ext>
+    </p:extLst>
+  </p:cSld>
+  <p:clrMapOvr>
+    <a:masterClrMapping/>
+  </p:clrMapOvr>
+  <p:timing>
+    <p:tnLst>
+      <p:par>
+        <p:cTn id="1" dur="indefinite" restart="never" nodeType="tmRoot">
+          <p:childTnLst>
+            <p:seq concurrent="1" nextAc="seek">
+              <p:cTn id="2" dur="indefinite" nodeType="mainSeq">
+                <p:childTnLst>
+                  <p:par>
+                    <p:cTn id="3" fill="hold">
+                      <p:stCondLst>
+                        <p:cond delay="indefinite"/>
+                      </p:stCondLst>
+                      <p:childTnLst>
+                        <p:par>
+                          <p:cTn id="4" fill="hold">
+                            <p:stCondLst>
+                              <p:cond delay="0"/>
+                            </p:stCondLst>
+                            <p:childTnLst>
+                              <p:par>
+                                <p:cTn id="5" presetID="10" presetClass="entr" presetSubtype="0" fill="hold" nodeType="clickEffect">
+                                  <p:stCondLst>
+                                    <p:cond delay="0"/>
+                                  </p:stCondLst>
+                                  <p:childTnLst>
+                                    <p:set>
+                                      <p:cBhvr>
+                                        <p:cTn id="6" dur="1" fill="hold">
+                                          <p:stCondLst>
+                                            <p:cond delay="0"/>
+                                          </p:stCondLst>
+                                        </p:cTn>
+                                        <p:tgtEl>
+                                          <p:spTgt spid="2">
+                                            <p:txEl>
+                                              <p:pRg st="0" end="0"/>
+                                            </p:txEl>
+                                          </p:spTgt>
+                                        </p:tgtEl>
+                                        <p:attrNameLst>
+                                          <p:attrName>style.visibility</p:attrName>
+                                        </p:attrNameLst>
+                                      </p:cBhvr>
+                                      <p:to>
+                                        <p:strVal val="visible"/>
+                                      </p:to>
+                                    </p:set>
+                                    <p:animEffect transition="in" filter="fade">
+                                      <p:cBhvr>
+                                        <p:cTn id="7" dur="500"/>
+                                        <p:tgtEl>
+                                          <p:spTgt spid="2">
+                                            <p:txEl>
+                                              <p:pRg st="0" end="0"/>
+                                            </p:txEl>
+                                          </p:spTgt>
+                                        </p:tgtEl>
+                                      </p:cBhvr>
+                                    </p:animEffect>
+                                  </p:childTnLst>
+                                </p:cTn>
+                              </p:par>
+                            </p:childTnLst>
+                          </p:cTn>
+                        </p:par>
+                      </p:childTnLst>
+                    </p:cTn>
+                  </p:par>
+                  <p:par>
+                    <p:cTn id="8" fill="hold">
+                      <p:stCondLst>
+                        <p:cond delay="indefinite"/>
+                      </p:stCondLst>
+                      <p:childTnLst>
+                        <p:par>
+                          <p:cTn id="9" fill="hold">
+                            <p:stCondLst>
+                              <p:cond delay="0"/>
+                            </p:stCondLst>
+                            <p:childTnLst>
+                              <p:par>
+                                <p:cTn id="10" presetID="10" presetClass="entr" presetSubtype="0" fill="hold" nodeType="clickEffect">
+                                  <p:stCondLst>
+                                    <p:cond delay="0"/>
+                                  </p:stCondLst>
+                                  <p:childTnLst>
+                                    <p:set>
+                                      <p:cBhvr>
+                                        <p:cTn id="11" dur="1" fill="hold">
+                                          <p:stCondLst>
+                                            <p:cond delay="0"/>
+                                          </p:stCondLst>
+                                        </p:cTn>
+                                        <p:tgtEl>
+                                          <p:spTgt spid="2">
+                                            <p:txEl>
+                                              <p:pRg st="2" end="2"/>
+                                            </p:txEl>
+                                          </p:spTgt>
+                                        </p:tgtEl>
+                                        <p:attrNameLst>
+                                          <p:attrName>style.visibility</p:attrName>
+                                        </p:attrNameLst>
+                                      </p:cBhvr>
+                                      <p:to>
+                                        <p:strVal val="visible"/>
+                                      </p:to>
+                                    </p:set>
+                                    <p:animEffect transition="in" filter="fade">
+                                      <p:cBhvr>
+                                        <p:cTn id="12" dur="500"/>
+                                        <p:tgtEl>
+                                          <p:spTgt spid="2">
+                                            <p:txEl>
+                                              <p:pRg st="2" end="2"/>
+                                            </p:txEl>
+                                          </p:spTgt>
+                                        </p:tgtEl>
+                                      </p:cBhvr>
+                                    </p:animEffect>
+                                  </p:childTnLst>
+                                </p:cTn>
+                              </p:par>
+                              <p:par>
+                                <p:cTn id="13" presetID="10" presetClass="entr" presetSubtype="0" fill="hold" nodeType="withEffect">
+                                  <p:stCondLst>
+                                    <p:cond delay="0"/>
+                                  </p:stCondLst>
+                                  <p:childTnLst>
+                                    <p:set>
+                                      <p:cBhvr>
+                                        <p:cTn id="14" dur="1" fill="hold">
+                                          <p:stCondLst>
+                                            <p:cond delay="0"/>
+                                          </p:stCondLst>
+                                        </p:cTn>
+                                        <p:tgtEl>
+                                          <p:spTgt spid="7"/>
+                                        </p:tgtEl>
+                                        <p:attrNameLst>
+                                          <p:attrName>style.visibility</p:attrName>
+                                        </p:attrNameLst>
+                                      </p:cBhvr>
+                                      <p:to>
+                                        <p:strVal val="visible"/>
+                                      </p:to>
+                                    </p:set>
+                                    <p:animEffect transition="in" filter="fade">
+                                      <p:cBhvr>
+                                        <p:cTn id="15" dur="500"/>
+                                        <p:tgtEl>
+                                          <p:spTgt spid="7"/>
+                                        </p:tgtEl>
+                                      </p:cBhvr>
+                                    </p:animEffect>
+                                  </p:childTnLst>
+                                </p:cTn>
+                              </p:par>
+                              <p:par>
+                                <p:cTn id="16" presetID="10" presetClass="entr" presetSubtype="0" fill="hold" nodeType="withEffect">
+                                  <p:stCondLst>
+                                    <p:cond delay="0"/>
+                                  </p:stCondLst>
+                                  <p:childTnLst>
+                                    <p:set>
+                                      <p:cBhvr>
+                                        <p:cTn id="17" dur="1" fill="hold">
+                                          <p:stCondLst>
+                                            <p:cond delay="0"/>
+                                          </p:stCondLst>
+                                        </p:cTn>
+                                        <p:tgtEl>
+                                          <p:spTgt spid="4"/>
+                                        </p:tgtEl>
+                                        <p:attrNameLst>
+                                          <p:attrName>style.visibility</p:attrName>
+                                        </p:attrNameLst>
+                                      </p:cBhvr>
+                                      <p:to>
+                                        <p:strVal val="visible"/>
+                                      </p:to>
+                                    </p:set>
+                                    <p:animEffect transition="in" filter="fade">
+                                      <p:cBhvr>
+                                        <p:cTn id="18" dur="500"/>
+                                        <p:tgtEl>
+                                          <p:spTgt spid="4"/>
+                                        </p:tgtEl>
+                                      </p:cBhvr>
+                                    </p:animEffect>
+                                  </p:childTnLst>
+                                </p:cTn>
+                              </p:par>
+                            </p:childTnLst>
+                          </p:cTn>
+                        </p:par>
+                      </p:childTnLst>
+                    </p:cTn>
+                  </p:par>
+                  <p:par>
+                    <p:cTn id="19" fill="hold">
+                      <p:stCondLst>
+                        <p:cond delay="indefinite"/>
+                      </p:stCondLst>
+                      <p:childTnLst>
+                        <p:par>
+                          <p:cTn id="20" fill="hold">
+                            <p:stCondLst>
+                              <p:cond delay="0"/>
+                            </p:stCondLst>
+                            <p:childTnLst>
+                              <p:par>
+                                <p:cTn id="21" presetID="10" presetClass="entr" presetSubtype="0" fill="hold" nodeType="clickEffect">
+                                  <p:stCondLst>
+                                    <p:cond delay="0"/>
+                                  </p:stCondLst>
+                                  <p:childTnLst>
+                                    <p:set>
+                                      <p:cBhvr>
+                                        <p:cTn id="22" dur="1" fill="hold">
+                                          <p:stCondLst>
+                                            <p:cond delay="0"/>
+                                          </p:stCondLst>
+                                        </p:cTn>
+                                        <p:tgtEl>
+                                          <p:spTgt spid="2">
+                                            <p:txEl>
+                                              <p:pRg st="4" end="4"/>
+                                            </p:txEl>
+                                          </p:spTgt>
+                                        </p:tgtEl>
+                                        <p:attrNameLst>
+                                          <p:attrName>style.visibility</p:attrName>
+                                        </p:attrNameLst>
+                                      </p:cBhvr>
+                                      <p:to>
+                                        <p:strVal val="visible"/>
+                                      </p:to>
+                                    </p:set>
+                                    <p:animEffect transition="in" filter="fade">
+                                      <p:cBhvr>
+                                        <p:cTn id="23" dur="500"/>
+                                        <p:tgtEl>
+                                          <p:spTgt spid="2">
+                                            <p:txEl>
+                                              <p:pRg st="4" end="4"/>
+                                            </p:txEl>
+                                          </p:spTgt>
+                                        </p:tgtEl>
+                                      </p:cBhvr>
+                                    </p:animEffect>
+                                  </p:childTnLst>
+                                </p:cTn>
+                              </p:par>
+                            </p:childTnLst>
+                          </p:cTn>
+                        </p:par>
+                      </p:childTnLst>
+                    </p:cTn>
+                  </p:par>
+                </p:childTnLst>
+              </p:cTn>
+              <p:prevCondLst>
+                <p:cond evt="onPrev" delay="0">
+                  <p:tgtEl>
+                    <p:sldTgt/>
+                  </p:tgtEl>
+                </p:cond>
+              </p:prevCondLst>
+              <p:nextCondLst>
+                <p:cond evt="onNext" delay="0">
+                  <p:tgtEl>
+                    <p:sldTgt/>
+                  </p:tgtEl>
+                </p:cond>
+              </p:nextCondLst>
+            </p:seq>
+          </p:childTnLst>
+        </p:cTn>
+      </p:par>
+    </p:tnLst>
+  </p:timing>
+</p:sld>
+</file>
+
+<file path=ppt/slides/slide23.xml><?xml version="1.0" encoding="utf-8"?>
+<p:sld xmlns:a="http://schemas.openxmlformats.org/drawingml/2006/main" xmlns:r="http://schemas.openxmlformats.org/officeDocument/2006/relationships" xmlns:p="http://schemas.openxmlformats.org/presentationml/2006/main">
+  <p:cSld>
+    <p:spTree>
+      <p:nvGrpSpPr>
+        <p:cNvPr id="1" name=""/>
+        <p:cNvGrpSpPr/>
+        <p:nvPr/>
+      </p:nvGrpSpPr>
+      <p:grpSpPr>
+        <a:xfrm>
+          <a:off x="0" y="0"/>
+          <a:ext cx="0" cy="0"/>
+          <a:chOff x="0" y="0"/>
+          <a:chExt cx="0" cy="0"/>
+        </a:xfrm>
+      </p:grpSpPr>
       <p:sp>
         <p:nvSpPr>
           <p:cNvPr id="2" name="Title 1"/>
@@ -6770,7 +7644,7 @@
           <a:p>
             <a:fld id="{5B03D32D-F1BC-4E9C-97E1-36CFF5B22341}" type="slidenum">
               <a:rPr lang="en-US" smtClean="0"/>
-              <a:t>22</a:t>
+              <a:t>23</a:t>
             </a:fld>
             <a:endParaRPr lang="en-US"/>
           </a:p>
@@ -6792,6 +7666,551 @@
         <p:cTn id="1" dur="indefinite" restart="never" nodeType="tmRoot"/>
       </p:par>
     </p:tnLst>
+  </p:timing>
+</p:sld>
+</file>
+
+<file path=ppt/slides/slide24.xml><?xml version="1.0" encoding="utf-8"?>
+<p:sld xmlns:a="http://schemas.openxmlformats.org/drawingml/2006/main" xmlns:r="http://schemas.openxmlformats.org/officeDocument/2006/relationships" xmlns:p="http://schemas.openxmlformats.org/presentationml/2006/main">
+  <p:cSld>
+    <p:spTree>
+      <p:nvGrpSpPr>
+        <p:cNvPr id="1" name=""/>
+        <p:cNvGrpSpPr/>
+        <p:nvPr/>
+      </p:nvGrpSpPr>
+      <p:grpSpPr>
+        <a:xfrm>
+          <a:off x="0" y="0"/>
+          <a:ext cx="0" cy="0"/>
+          <a:chOff x="0" y="0"/>
+          <a:chExt cx="0" cy="0"/>
+        </a:xfrm>
+      </p:grpSpPr>
+      <p:pic>
+        <p:nvPicPr>
+          <p:cNvPr id="8" name="Picture 7"/>
+          <p:cNvPicPr>
+            <a:picLocks noChangeAspect="1"/>
+          </p:cNvPicPr>
+          <p:nvPr/>
+        </p:nvPicPr>
+        <p:blipFill rotWithShape="1">
+          <a:blip r:embed="rId2"/>
+          <a:srcRect t="10198" b="4900"/>
+          <a:stretch/>
+        </p:blipFill>
+        <p:spPr>
+          <a:xfrm>
+            <a:off x="1082742" y="1981200"/>
+            <a:ext cx="3102841" cy="2174240"/>
+          </a:xfrm>
+          <a:prstGeom prst="rect">
+            <a:avLst/>
+          </a:prstGeom>
+        </p:spPr>
+      </p:pic>
+      <p:pic>
+        <p:nvPicPr>
+          <p:cNvPr id="2" name="slide2">
+            <a:extLst>
+              <a:ext uri="{FF2B5EF4-FFF2-40B4-BE49-F238E27FC236}">
+                <a16:creationId xmlns:a16="http://schemas.microsoft.com/office/drawing/2014/main" id="{26247384-5B0E-45EA-930C-670656884361}"/>
+              </a:ext>
+            </a:extLst>
+          </p:cNvPr>
+          <p:cNvPicPr>
+            <a:picLocks noChangeAspect="1"/>
+          </p:cNvPicPr>
+          <p:nvPr/>
+        </p:nvPicPr>
+        <p:blipFill>
+          <a:blip r:embed="rId3">
+            <a:clrChange>
+              <a:clrFrom>
+                <a:srgbClr val="FFFFFF"/>
+              </a:clrFrom>
+              <a:clrTo>
+                <a:srgbClr val="FFFFFF">
+                  <a:alpha val="0"/>
+                </a:srgbClr>
+              </a:clrTo>
+            </a:clrChange>
+            <a:extLst>
+              <a:ext uri="{28A0092B-C50C-407E-A947-70E740481C1C}">
+                <a14:useLocalDpi xmlns:a14="http://schemas.microsoft.com/office/drawing/2010/main" val="0"/>
+              </a:ext>
+            </a:extLst>
+          </a:blip>
+          <a:stretch>
+            <a:fillRect/>
+          </a:stretch>
+        </p:blipFill>
+        <p:spPr>
+          <a:xfrm>
+            <a:off x="1082742" y="-45720"/>
+            <a:ext cx="10026516" cy="6858000"/>
+          </a:xfrm>
+          <a:prstGeom prst="rect">
+            <a:avLst/>
+          </a:prstGeom>
+        </p:spPr>
+      </p:pic>
+      <p:sp>
+        <p:nvSpPr>
+          <p:cNvPr id="3" name="Line Callout 2 (No Border) 2"/>
+          <p:cNvSpPr/>
+          <p:nvPr/>
+        </p:nvSpPr>
+        <p:spPr>
+          <a:xfrm flipH="1">
+            <a:off x="1082742" y="782320"/>
+            <a:ext cx="2772978" cy="2397760"/>
+          </a:xfrm>
+          <a:prstGeom prst="callout2">
+            <a:avLst>
+              <a:gd name="adj1" fmla="val 18750"/>
+              <a:gd name="adj2" fmla="val -8333"/>
+              <a:gd name="adj3" fmla="val 18918"/>
+              <a:gd name="adj4" fmla="val -25582"/>
+              <a:gd name="adj5" fmla="val 42703"/>
+              <a:gd name="adj6" fmla="val -85299"/>
+            </a:avLst>
+          </a:prstGeom>
+          <a:noFill/>
+          <a:ln>
+            <a:solidFill>
+              <a:srgbClr val="4E79A7"/>
+            </a:solidFill>
+          </a:ln>
+        </p:spPr>
+        <p:style>
+          <a:lnRef idx="2">
+            <a:schemeClr val="accent1">
+              <a:shade val="50000"/>
+            </a:schemeClr>
+          </a:lnRef>
+          <a:fillRef idx="1">
+            <a:schemeClr val="accent1"/>
+          </a:fillRef>
+          <a:effectRef idx="0">
+            <a:schemeClr val="accent1"/>
+          </a:effectRef>
+          <a:fontRef idx="minor">
+            <a:schemeClr val="lt1"/>
+          </a:fontRef>
+        </p:style>
+        <p:txBody>
+          <a:bodyPr rtlCol="0" anchor="ctr"/>
+          <a:lstStyle/>
+          <a:p>
+            <a:r>
+              <a:rPr lang="en-US" sz="1400" b="1" dirty="0" smtClean="0">
+                <a:solidFill>
+                  <a:schemeClr val="tx1"/>
+                </a:solidFill>
+              </a:rPr>
+              <a:t>Pichincha</a:t>
+            </a:r>
+            <a:r>
+              <a:rPr lang="en-US" sz="1400" dirty="0" smtClean="0">
+                <a:solidFill>
+                  <a:schemeClr val="tx1"/>
+                </a:solidFill>
+              </a:rPr>
+              <a:t> and </a:t>
+            </a:r>
+            <a:r>
+              <a:rPr lang="en-US" sz="1400" b="1" dirty="0" smtClean="0">
+                <a:solidFill>
+                  <a:schemeClr val="tx1"/>
+                </a:solidFill>
+              </a:rPr>
+              <a:t>Guayas</a:t>
+            </a:r>
+            <a:r>
+              <a:rPr lang="en-US" sz="1400" dirty="0" smtClean="0">
+                <a:solidFill>
+                  <a:schemeClr val="tx1"/>
+                </a:solidFill>
+              </a:rPr>
+              <a:t> have </a:t>
+            </a:r>
+            <a:r>
+              <a:rPr lang="en-US" sz="1400" dirty="0">
+                <a:solidFill>
+                  <a:schemeClr val="tx1"/>
+                </a:solidFill>
+              </a:rPr>
+              <a:t>significantly higher number of </a:t>
+            </a:r>
+            <a:r>
+              <a:rPr lang="en-US" sz="1400" dirty="0" smtClean="0">
+                <a:solidFill>
+                  <a:schemeClr val="tx1"/>
+                </a:solidFill>
+              </a:rPr>
+              <a:t>stores. The </a:t>
+            </a:r>
+            <a:r>
+              <a:rPr lang="en-US" sz="1400" dirty="0">
+                <a:solidFill>
+                  <a:schemeClr val="tx1"/>
+                </a:solidFill>
+              </a:rPr>
+              <a:t>capital, </a:t>
+            </a:r>
+            <a:r>
+              <a:rPr lang="en-US" sz="1400" dirty="0" smtClean="0">
+                <a:solidFill>
+                  <a:schemeClr val="tx1"/>
+                </a:solidFill>
+              </a:rPr>
+              <a:t>Quito, has 18 </a:t>
+            </a:r>
+            <a:r>
+              <a:rPr lang="en-US" sz="1400" dirty="0" smtClean="0">
+                <a:solidFill>
+                  <a:schemeClr val="tx1"/>
+                </a:solidFill>
+              </a:rPr>
+              <a:t>stores </a:t>
+            </a:r>
+            <a:r>
+              <a:rPr lang="en-US" sz="1400" dirty="0" smtClean="0">
+                <a:solidFill>
+                  <a:schemeClr val="tx1"/>
+                </a:solidFill>
+              </a:rPr>
+              <a:t>(34% of the </a:t>
+            </a:r>
+            <a:r>
+              <a:rPr lang="en-US" sz="1400" dirty="0" smtClean="0">
+                <a:solidFill>
+                  <a:schemeClr val="tx1"/>
+                </a:solidFill>
+              </a:rPr>
+              <a:t>total  </a:t>
+            </a:r>
+            <a:r>
+              <a:rPr lang="en-US" sz="1400" dirty="0" smtClean="0">
+                <a:solidFill>
+                  <a:schemeClr val="tx1"/>
+                </a:solidFill>
+              </a:rPr>
+              <a:t>stores). </a:t>
+            </a:r>
+          </a:p>
+          <a:p>
+            <a:endParaRPr lang="en-US" sz="1400" dirty="0" smtClean="0">
+              <a:solidFill>
+                <a:schemeClr val="tx1"/>
+              </a:solidFill>
+            </a:endParaRPr>
+          </a:p>
+          <a:p>
+            <a:endParaRPr lang="en-US" sz="1400" dirty="0">
+              <a:solidFill>
+                <a:schemeClr val="tx1"/>
+              </a:solidFill>
+            </a:endParaRPr>
+          </a:p>
+          <a:p>
+            <a:endParaRPr lang="en-US" sz="1400" dirty="0" smtClean="0">
+              <a:solidFill>
+                <a:schemeClr val="tx1"/>
+              </a:solidFill>
+            </a:endParaRPr>
+          </a:p>
+          <a:p>
+            <a:endParaRPr lang="en-US" sz="1400" dirty="0">
+              <a:solidFill>
+                <a:schemeClr val="tx1"/>
+              </a:solidFill>
+            </a:endParaRPr>
+          </a:p>
+          <a:p>
+            <a:endParaRPr lang="en-US" sz="1400" dirty="0" smtClean="0">
+              <a:solidFill>
+                <a:schemeClr val="tx1"/>
+              </a:solidFill>
+            </a:endParaRPr>
+          </a:p>
+          <a:p>
+            <a:endParaRPr lang="en-AU" sz="1400" dirty="0">
+              <a:solidFill>
+                <a:schemeClr val="tx1"/>
+              </a:solidFill>
+            </a:endParaRPr>
+          </a:p>
+        </p:txBody>
+      </p:sp>
+      <p:cxnSp>
+        <p:nvCxnSpPr>
+          <p:cNvPr id="5" name="Straight Connector 4"/>
+          <p:cNvCxnSpPr/>
+          <p:nvPr/>
+        </p:nvCxnSpPr>
+        <p:spPr>
+          <a:xfrm>
+            <a:off x="4078538" y="1330960"/>
+            <a:ext cx="793182" cy="2189480"/>
+          </a:xfrm>
+          <a:prstGeom prst="line">
+            <a:avLst/>
+          </a:prstGeom>
+          <a:ln w="19050">
+            <a:solidFill>
+              <a:srgbClr val="4E79A7"/>
+            </a:solidFill>
+          </a:ln>
+        </p:spPr>
+        <p:style>
+          <a:lnRef idx="1">
+            <a:schemeClr val="accent1"/>
+          </a:lnRef>
+          <a:fillRef idx="0">
+            <a:schemeClr val="accent1"/>
+          </a:fillRef>
+          <a:effectRef idx="0">
+            <a:schemeClr val="accent1"/>
+          </a:effectRef>
+          <a:fontRef idx="minor">
+            <a:schemeClr val="tx1"/>
+          </a:fontRef>
+        </p:style>
+      </p:cxnSp>
+      <p:sp>
+        <p:nvSpPr>
+          <p:cNvPr id="9" name="Slide Number Placeholder 8"/>
+          <p:cNvSpPr>
+            <a:spLocks noGrp="1"/>
+          </p:cNvSpPr>
+          <p:nvPr>
+            <p:ph type="sldNum" sz="quarter" idx="12"/>
+          </p:nvPr>
+        </p:nvSpPr>
+        <p:spPr/>
+        <p:txBody>
+          <a:bodyPr/>
+          <a:lstStyle/>
+          <a:p>
+            <a:fld id="{5B03D32D-F1BC-4E9C-97E1-36CFF5B22341}" type="slidenum">
+              <a:rPr lang="en-US" smtClean="0"/>
+              <a:t>24</a:t>
+            </a:fld>
+            <a:endParaRPr lang="en-US"/>
+          </a:p>
+        </p:txBody>
+      </p:sp>
+      <p:sp>
+        <p:nvSpPr>
+          <p:cNvPr id="10" name="TextBox 9"/>
+          <p:cNvSpPr txBox="1"/>
+          <p:nvPr/>
+        </p:nvSpPr>
+        <p:spPr>
+          <a:xfrm rot="16200000">
+            <a:off x="-1304372" y="1243106"/>
+            <a:ext cx="2916518" cy="307777"/>
+          </a:xfrm>
+          <a:prstGeom prst="rect">
+            <a:avLst/>
+          </a:prstGeom>
+          <a:noFill/>
+        </p:spPr>
+        <p:txBody>
+          <a:bodyPr wrap="square" rtlCol="0">
+            <a:spAutoFit/>
+          </a:bodyPr>
+          <a:lstStyle/>
+          <a:p>
+            <a:pPr algn="r"/>
+            <a:r>
+              <a:rPr lang="en-AU" sz="1400" b="1" spc="600" dirty="0" smtClean="0">
+                <a:solidFill>
+                  <a:schemeClr val="bg1">
+                    <a:lumMod val="65000"/>
+                  </a:schemeClr>
+                </a:solidFill>
+              </a:rPr>
+              <a:t>Data visualization</a:t>
+            </a:r>
+            <a:endParaRPr lang="en-AU" sz="1400" b="1" spc="600" dirty="0">
+              <a:solidFill>
+                <a:schemeClr val="bg1">
+                  <a:lumMod val="65000"/>
+                </a:schemeClr>
+              </a:solidFill>
+            </a:endParaRPr>
+          </a:p>
+        </p:txBody>
+      </p:sp>
+    </p:spTree>
+    <p:extLst>
+      <p:ext uri="{BB962C8B-B14F-4D97-AF65-F5344CB8AC3E}">
+        <p14:creationId xmlns:p14="http://schemas.microsoft.com/office/powerpoint/2010/main" val="1955767560"/>
+      </p:ext>
+    </p:extLst>
+  </p:cSld>
+  <p:clrMapOvr>
+    <a:masterClrMapping/>
+  </p:clrMapOvr>
+  <p:timing>
+    <p:tnLst>
+      <p:par>
+        <p:cTn id="1" dur="indefinite" restart="never" nodeType="tmRoot">
+          <p:childTnLst>
+            <p:seq concurrent="1" nextAc="seek">
+              <p:cTn id="2" dur="indefinite" nodeType="mainSeq">
+                <p:childTnLst>
+                  <p:par>
+                    <p:cTn id="3" fill="hold">
+                      <p:stCondLst>
+                        <p:cond delay="indefinite"/>
+                      </p:stCondLst>
+                      <p:childTnLst>
+                        <p:par>
+                          <p:cTn id="4" fill="hold">
+                            <p:stCondLst>
+                              <p:cond delay="0"/>
+                            </p:stCondLst>
+                            <p:childTnLst>
+                              <p:par>
+                                <p:cTn id="5" presetID="22" presetClass="entr" presetSubtype="8" fill="hold" grpId="0" nodeType="clickEffect">
+                                  <p:stCondLst>
+                                    <p:cond delay="0"/>
+                                  </p:stCondLst>
+                                  <p:childTnLst>
+                                    <p:set>
+                                      <p:cBhvr>
+                                        <p:cTn id="6" dur="1" fill="hold">
+                                          <p:stCondLst>
+                                            <p:cond delay="0"/>
+                                          </p:stCondLst>
+                                        </p:cTn>
+                                        <p:tgtEl>
+                                          <p:spTgt spid="3"/>
+                                        </p:tgtEl>
+                                        <p:attrNameLst>
+                                          <p:attrName>style.visibility</p:attrName>
+                                        </p:attrNameLst>
+                                      </p:cBhvr>
+                                      <p:to>
+                                        <p:strVal val="visible"/>
+                                      </p:to>
+                                    </p:set>
+                                    <p:animEffect transition="in" filter="wipe(left)">
+                                      <p:cBhvr>
+                                        <p:cTn id="7" dur="500"/>
+                                        <p:tgtEl>
+                                          <p:spTgt spid="3"/>
+                                        </p:tgtEl>
+                                      </p:cBhvr>
+                                    </p:animEffect>
+                                  </p:childTnLst>
+                                </p:cTn>
+                              </p:par>
+                              <p:par>
+                                <p:cTn id="8" presetID="22" presetClass="entr" presetSubtype="8" fill="hold" nodeType="withEffect">
+                                  <p:stCondLst>
+                                    <p:cond delay="0"/>
+                                  </p:stCondLst>
+                                  <p:childTnLst>
+                                    <p:set>
+                                      <p:cBhvr>
+                                        <p:cTn id="9" dur="1" fill="hold">
+                                          <p:stCondLst>
+                                            <p:cond delay="0"/>
+                                          </p:stCondLst>
+                                        </p:cTn>
+                                        <p:tgtEl>
+                                          <p:spTgt spid="5"/>
+                                        </p:tgtEl>
+                                        <p:attrNameLst>
+                                          <p:attrName>style.visibility</p:attrName>
+                                        </p:attrNameLst>
+                                      </p:cBhvr>
+                                      <p:to>
+                                        <p:strVal val="visible"/>
+                                      </p:to>
+                                    </p:set>
+                                    <p:animEffect transition="in" filter="wipe(left)">
+                                      <p:cBhvr>
+                                        <p:cTn id="10" dur="500"/>
+                                        <p:tgtEl>
+                                          <p:spTgt spid="5"/>
+                                        </p:tgtEl>
+                                      </p:cBhvr>
+                                    </p:animEffect>
+                                  </p:childTnLst>
+                                </p:cTn>
+                              </p:par>
+                              <p:par>
+                                <p:cTn id="11" presetID="22" presetClass="entr" presetSubtype="8" fill="hold" nodeType="withEffect">
+                                  <p:stCondLst>
+                                    <p:cond delay="0"/>
+                                  </p:stCondLst>
+                                  <p:childTnLst>
+                                    <p:set>
+                                      <p:cBhvr>
+                                        <p:cTn id="12" dur="1" fill="hold">
+                                          <p:stCondLst>
+                                            <p:cond delay="0"/>
+                                          </p:stCondLst>
+                                        </p:cTn>
+                                        <p:tgtEl>
+                                          <p:spTgt spid="8"/>
+                                        </p:tgtEl>
+                                        <p:attrNameLst>
+                                          <p:attrName>style.visibility</p:attrName>
+                                        </p:attrNameLst>
+                                      </p:cBhvr>
+                                      <p:to>
+                                        <p:strVal val="visible"/>
+                                      </p:to>
+                                    </p:set>
+                                    <p:animEffect transition="in" filter="wipe(left)">
+                                      <p:cBhvr>
+                                        <p:cTn id="13" dur="500"/>
+                                        <p:tgtEl>
+                                          <p:spTgt spid="8"/>
+                                        </p:tgtEl>
+                                      </p:cBhvr>
+                                    </p:animEffect>
+                                  </p:childTnLst>
+                                </p:cTn>
+                              </p:par>
+                            </p:childTnLst>
+                          </p:cTn>
+                        </p:par>
+                      </p:childTnLst>
+                    </p:cTn>
+                  </p:par>
+                </p:childTnLst>
+              </p:cTn>
+              <p:prevCondLst>
+                <p:cond evt="onPrev" delay="0">
+                  <p:tgtEl>
+                    <p:sldTgt/>
+                  </p:tgtEl>
+                </p:cond>
+              </p:prevCondLst>
+              <p:nextCondLst>
+                <p:cond evt="onNext" delay="0">
+                  <p:tgtEl>
+                    <p:sldTgt/>
+                  </p:tgtEl>
+                </p:cond>
+              </p:nextCondLst>
+            </p:seq>
+          </p:childTnLst>
+        </p:cTn>
+      </p:par>
+    </p:tnLst>
+    <p:bldLst>
+      <p:bldP spid="3" grpId="0" animBg="1"/>
+    </p:bldLst>
   </p:timing>
 </p:sld>
 </file>
@@ -6823,8 +8242,8 @@
         </p:nvSpPr>
         <p:spPr bwMode="auto">
           <a:xfrm>
-            <a:off x="895483" y="1266240"/>
-            <a:ext cx="10272810" cy="3785652"/>
+            <a:off x="895483" y="1627786"/>
+            <a:ext cx="10272810" cy="1938992"/>
           </a:xfrm>
           <a:prstGeom prst="rect">
             <a:avLst/>
@@ -7001,63 +8420,20 @@
           <a:p>
             <a:pPr lvl="0"/>
             <a:r>
-              <a:rPr lang="en-US" sz="2000" dirty="0" smtClean="0">
+              <a:rPr lang="en-US" altLang="en-US" sz="2000" b="1" dirty="0" smtClean="0">
+                <a:solidFill>
+                  <a:srgbClr val="24292E"/>
+                </a:solidFill>
                 <a:latin typeface="+mn-lt"/>
               </a:rPr>
-              <a:t>The </a:t>
-            </a:r>
-            <a:r>
-              <a:rPr lang="en-US" sz="2000" dirty="0">
-                <a:latin typeface="+mn-lt"/>
-              </a:rPr>
-              <a:t>aim is to predict the unit sales for different items sold at different stores over a time period. </a:t>
-            </a:r>
-            <a:endParaRPr lang="en-US" sz="2000" dirty="0" smtClean="0">
-              <a:latin typeface="+mn-lt"/>
-            </a:endParaRPr>
-          </a:p>
-          <a:p>
-            <a:pPr lvl="0"/>
-            <a:endParaRPr kumimoji="0" lang="en-US" altLang="en-US" sz="2000" b="0" i="0" u="none" strike="noStrike" cap="none" normalizeH="0" baseline="0" dirty="0">
-              <a:ln>
-                <a:noFill/>
-              </a:ln>
-              <a:solidFill>
-                <a:srgbClr val="24292E"/>
-              </a:solidFill>
-              <a:effectLst/>
-              <a:latin typeface="+mn-lt"/>
-            </a:endParaRPr>
-          </a:p>
-          <a:p>
-            <a:pPr lvl="0"/>
+              <a:t>Data</a:t>
+            </a:r>
             <a:endParaRPr lang="en-US" altLang="en-US" sz="2000" b="1" dirty="0" smtClean="0">
               <a:solidFill>
                 <a:srgbClr val="24292E"/>
               </a:solidFill>
               <a:latin typeface="+mn-lt"/>
             </a:endParaRPr>
-          </a:p>
-          <a:p>
-            <a:pPr lvl="0"/>
-            <a:endParaRPr lang="en-US" altLang="en-US" sz="2000" b="1" dirty="0">
-              <a:solidFill>
-                <a:srgbClr val="24292E"/>
-              </a:solidFill>
-              <a:latin typeface="+mn-lt"/>
-            </a:endParaRPr>
-          </a:p>
-          <a:p>
-            <a:pPr lvl="0"/>
-            <a:r>
-              <a:rPr lang="en-US" altLang="en-US" sz="2000" b="1" dirty="0" smtClean="0">
-                <a:solidFill>
-                  <a:srgbClr val="24292E"/>
-                </a:solidFill>
-                <a:latin typeface="+mn-lt"/>
-              </a:rPr>
-              <a:t>Data:</a:t>
-            </a:r>
           </a:p>
           <a:p>
             <a:pPr lvl="0"/>
@@ -7072,7 +8448,119 @@
                 <a:effectLst/>
                 <a:latin typeface="+mn-lt"/>
               </a:rPr>
-              <a:t>In total, the data includes:</a:t>
+              <a:t>Unit sales</a:t>
+            </a:r>
+            <a:r>
+              <a:rPr kumimoji="0" lang="en-US" altLang="en-US" sz="2000" b="0" i="0" u="none" strike="noStrike" cap="none" normalizeH="0" dirty="0" smtClean="0">
+                <a:ln>
+                  <a:noFill/>
+                </a:ln>
+                <a:solidFill>
+                  <a:srgbClr val="24292E"/>
+                </a:solidFill>
+                <a:effectLst/>
+                <a:latin typeface="+mn-lt"/>
+              </a:rPr>
+              <a:t> data </a:t>
+            </a:r>
+            <a:r>
+              <a:rPr lang="en-US" altLang="en-US" sz="2000" dirty="0" smtClean="0">
+                <a:solidFill>
+                  <a:srgbClr val="24292E"/>
+                </a:solidFill>
+                <a:latin typeface="+mn-lt"/>
+              </a:rPr>
+              <a:t>of</a:t>
+            </a:r>
+            <a:r>
+              <a:rPr lang="en-US" altLang="en-US" sz="2000" dirty="0" smtClean="0">
+                <a:solidFill>
+                  <a:srgbClr val="24292E"/>
+                </a:solidFill>
+                <a:latin typeface="+mn-lt"/>
+              </a:rPr>
+              <a:t> </a:t>
+            </a:r>
+            <a:r>
+              <a:rPr lang="en-AU" sz="2000" dirty="0" err="1">
+                <a:solidFill>
+                  <a:srgbClr val="24292E"/>
+                </a:solidFill>
+                <a:latin typeface="+mn-lt"/>
+              </a:rPr>
+              <a:t>Favorita</a:t>
+            </a:r>
+            <a:r>
+              <a:rPr lang="en-AU" sz="2000" dirty="0">
+                <a:solidFill>
+                  <a:srgbClr val="24292E"/>
+                </a:solidFill>
+                <a:latin typeface="+mn-lt"/>
+              </a:rPr>
+              <a:t> </a:t>
+            </a:r>
+            <a:r>
+              <a:rPr lang="en-AU" sz="2000" dirty="0" smtClean="0">
+                <a:solidFill>
+                  <a:srgbClr val="24292E"/>
+                </a:solidFill>
+                <a:latin typeface="+mn-lt"/>
+              </a:rPr>
+              <a:t>stores (</a:t>
+            </a:r>
+            <a:r>
+              <a:rPr lang="en-US" altLang="en-US" sz="2000" dirty="0" smtClean="0">
+                <a:solidFill>
+                  <a:srgbClr val="24292E"/>
+                </a:solidFill>
+                <a:latin typeface="+mn-lt"/>
+              </a:rPr>
+              <a:t>Jan </a:t>
+            </a:r>
+            <a:r>
+              <a:rPr lang="en-US" altLang="en-US" sz="2000" dirty="0">
+                <a:solidFill>
+                  <a:srgbClr val="24292E"/>
+                </a:solidFill>
+                <a:latin typeface="+mn-lt"/>
+              </a:rPr>
+              <a:t>2013 </a:t>
+            </a:r>
+            <a:r>
+              <a:rPr lang="en-US" altLang="en-US" sz="2000" dirty="0">
+                <a:solidFill>
+                  <a:srgbClr val="24292E"/>
+                </a:solidFill>
+                <a:latin typeface="+mn-lt"/>
+              </a:rPr>
+              <a:t>-</a:t>
+            </a:r>
+            <a:r>
+              <a:rPr lang="en-US" altLang="en-US" sz="2000" dirty="0" smtClean="0">
+                <a:solidFill>
+                  <a:srgbClr val="24292E"/>
+                </a:solidFill>
+                <a:latin typeface="+mn-lt"/>
+              </a:rPr>
+              <a:t> </a:t>
+            </a:r>
+            <a:r>
+              <a:rPr lang="en-US" altLang="en-US" sz="2000" dirty="0">
+                <a:solidFill>
+                  <a:srgbClr val="24292E"/>
+                </a:solidFill>
+                <a:latin typeface="+mn-lt"/>
+              </a:rPr>
+              <a:t>Aug </a:t>
+            </a:r>
+            <a:r>
+              <a:rPr lang="en-US" altLang="en-US" sz="2000" dirty="0" smtClean="0">
+                <a:solidFill>
+                  <a:srgbClr val="24292E"/>
+                </a:solidFill>
+                <a:latin typeface="+mn-lt"/>
+              </a:rPr>
+              <a:t>2017): item, store, item’s family, store’s city, …</a:t>
             </a:r>
           </a:p>
           <a:p>
@@ -7153,87 +8641,6 @@
               <a:latin typeface="+mn-lt"/>
             </a:endParaRPr>
           </a:p>
-          <a:p>
-            <a:pPr marL="0" marR="0" lvl="0" indent="0" algn="l" defTabSz="914400" rtl="0" eaLnBrk="0" fontAlgn="base" latinLnBrk="0" hangingPunct="0">
-              <a:lnSpc>
-                <a:spcPct val="100000"/>
-              </a:lnSpc>
-              <a:spcBef>
-                <a:spcPct val="0"/>
-              </a:spcBef>
-              <a:spcAft>
-                <a:spcPct val="0"/>
-              </a:spcAft>
-              <a:buClrTx/>
-              <a:buSzTx/>
-              <a:buFontTx/>
-              <a:buNone/>
-              <a:tabLst/>
-            </a:pPr>
-            <a:r>
-              <a:rPr kumimoji="0" lang="en-US" altLang="en-US" sz="2000" b="0" i="0" u="none" strike="noStrike" cap="none" normalizeH="0" baseline="0" dirty="0" smtClean="0">
-                <a:ln>
-                  <a:noFill/>
-                </a:ln>
-                <a:solidFill>
-                  <a:srgbClr val="24292E"/>
-                </a:solidFill>
-                <a:effectLst/>
-                <a:latin typeface="+mn-lt"/>
-              </a:rPr>
-              <a:t>The test data have 60 unique items that are not included in the training data.</a:t>
-            </a:r>
-          </a:p>
-          <a:p>
-            <a:pPr marL="0" marR="0" lvl="0" indent="0" algn="l" defTabSz="914400" rtl="0" eaLnBrk="0" fontAlgn="base" latinLnBrk="0" hangingPunct="0">
-              <a:lnSpc>
-                <a:spcPct val="100000"/>
-              </a:lnSpc>
-              <a:spcBef>
-                <a:spcPct val="0"/>
-              </a:spcBef>
-              <a:spcAft>
-                <a:spcPct val="0"/>
-              </a:spcAft>
-              <a:buClrTx/>
-              <a:buSzTx/>
-              <a:buFontTx/>
-              <a:buNone/>
-              <a:tabLst/>
-            </a:pPr>
-            <a:r>
-              <a:rPr lang="en-US" altLang="en-US" sz="2000" dirty="0" smtClean="0">
-                <a:solidFill>
-                  <a:srgbClr val="24292E"/>
-                </a:solidFill>
-                <a:latin typeface="+mn-lt"/>
-              </a:rPr>
-              <a:t>The data covers a period of four years between Jan 2013 to Aug 2017</a:t>
-            </a:r>
-            <a:r>
-              <a:rPr kumimoji="0" lang="en-US" altLang="en-US" sz="2000" b="0" i="0" u="none" strike="noStrike" cap="none" normalizeH="0" baseline="0" dirty="0" smtClean="0">
-                <a:ln>
-                  <a:noFill/>
-                </a:ln>
-                <a:solidFill>
-                  <a:srgbClr val="24292E"/>
-                </a:solidFill>
-                <a:effectLst/>
-                <a:latin typeface="+mn-lt"/>
-              </a:rPr>
-              <a:t> </a:t>
-            </a:r>
-            <a:endParaRPr kumimoji="0" lang="en-US" altLang="en-US" sz="2000" b="0" i="0" u="none" strike="noStrike" cap="none" normalizeH="0" baseline="0" dirty="0" smtClean="0">
-              <a:ln>
-                <a:noFill/>
-              </a:ln>
-              <a:solidFill>
-                <a:schemeClr val="tx1"/>
-              </a:solidFill>
-              <a:effectLst/>
-              <a:latin typeface="+mn-lt"/>
-            </a:endParaRPr>
-          </a:p>
         </p:txBody>
       </p:sp>
       <p:sp>
@@ -7252,12 +8659,8 @@
           <a:lstStyle/>
           <a:p>
             <a:r>
-              <a:rPr lang="en-US" b="1" dirty="0"/>
-              <a:t>Data </a:t>
-            </a:r>
-            <a:r>
               <a:rPr lang="en-US" b="1" dirty="0" smtClean="0"/>
-              <a:t>overview </a:t>
+              <a:t>Question</a:t>
             </a:r>
             <a:endParaRPr lang="en-AU" dirty="0"/>
           </a:p>
@@ -7273,14 +8676,14 @@
             <p:ph idx="1"/>
             <p:extLst>
               <p:ext uri="{D42A27DB-BD31-4B8C-83A1-F6EECF244321}">
-                <p14:modId xmlns:p14="http://schemas.microsoft.com/office/powerpoint/2010/main" val="1813251951"/>
+                <p14:modId xmlns:p14="http://schemas.microsoft.com/office/powerpoint/2010/main" val="2986265680"/>
               </p:ext>
             </p:extLst>
           </p:nvPr>
         </p:nvGraphicFramePr>
         <p:xfrm>
-          <a:off x="1021601" y="3255890"/>
-          <a:ext cx="8778246" cy="937260"/>
+          <a:off x="1005100" y="2855254"/>
+          <a:ext cx="8851335" cy="937260"/>
         </p:xfrm>
         <a:graphic>
           <a:graphicData uri="http://schemas.openxmlformats.org/drawingml/2006/table">
@@ -7317,7 +8720,7 @@
                     </a:ext>
                   </a:extLst>
                 </a:gridCol>
-                <a:gridCol w="1463041">
+                <a:gridCol w="1536130">
                   <a:extLst>
                     <a:ext uri="{9D8B030D-6E8A-4147-A177-3AD203B41FA5}">
                       <a16:colId xmlns:a16="http://schemas.microsoft.com/office/drawing/2014/main" val="1928297965"/>
@@ -7411,12 +8814,12 @@
                     <a:lstStyle/>
                     <a:p>
                       <a:r>
-                        <a:rPr lang="en-AU">
+                        <a:rPr lang="en-AU" dirty="0">
                           <a:effectLst/>
                         </a:rPr>
                         <a:t># item families</a:t>
                       </a:r>
-                      <a:endParaRPr lang="en-AU" b="1">
+                      <a:endParaRPr lang="en-AU" b="1" dirty="0">
                         <a:effectLst/>
                       </a:endParaRPr>
                     </a:p>
@@ -7614,6 +9017,63 @@
           </a:p>
         </p:txBody>
       </p:sp>
+      <p:sp>
+        <p:nvSpPr>
+          <p:cNvPr id="3" name="TextBox 2"/>
+          <p:cNvSpPr txBox="1"/>
+          <p:nvPr/>
+        </p:nvSpPr>
+        <p:spPr>
+          <a:xfrm>
+            <a:off x="965012" y="4367819"/>
+            <a:ext cx="8891423" cy="1600438"/>
+          </a:xfrm>
+          <a:prstGeom prst="rect">
+            <a:avLst/>
+          </a:prstGeom>
+          <a:noFill/>
+        </p:spPr>
+        <p:txBody>
+          <a:bodyPr wrap="square" rtlCol="0">
+            <a:spAutoFit/>
+          </a:bodyPr>
+          <a:lstStyle/>
+          <a:p>
+            <a:r>
+              <a:rPr lang="en-AU" sz="2000" b="1" dirty="0" smtClean="0"/>
+              <a:t>Predictive</a:t>
+            </a:r>
+            <a:r>
+              <a:rPr lang="en-AU" b="1" dirty="0" smtClean="0"/>
+              <a:t> analytics</a:t>
+            </a:r>
+          </a:p>
+          <a:p>
+            <a:pPr lvl="1"/>
+            <a:r>
+              <a:rPr lang="en-AU" sz="2000" dirty="0" smtClean="0"/>
+              <a:t>For example:</a:t>
+            </a:r>
+          </a:p>
+          <a:p>
+            <a:pPr lvl="1"/>
+            <a:r>
+              <a:rPr lang="en-AU" sz="2000" dirty="0" smtClean="0"/>
+              <a:t>- predict unit sales for a particular item based on date and store</a:t>
+            </a:r>
+          </a:p>
+          <a:p>
+            <a:pPr lvl="1"/>
+            <a:r>
+              <a:rPr lang="en-AU" sz="2000" dirty="0" smtClean="0"/>
+              <a:t>- predict unit sales for a new item introduced</a:t>
+            </a:r>
+          </a:p>
+          <a:p>
+            <a:endParaRPr lang="en-AU" dirty="0"/>
+          </a:p>
+        </p:txBody>
+      </p:sp>
     </p:spTree>
     <p:extLst>
       <p:ext uri="{BB962C8B-B14F-4D97-AF65-F5344CB8AC3E}">
@@ -7653,83 +9113,38 @@
       </p:grpSpPr>
       <p:pic>
         <p:nvPicPr>
-          <p:cNvPr id="8" name="Picture 7"/>
+          <p:cNvPr id="6" name="Picture 5"/>
           <p:cNvPicPr>
             <a:picLocks noChangeAspect="1"/>
           </p:cNvPicPr>
           <p:nvPr/>
         </p:nvPicPr>
-        <p:blipFill rotWithShape="1">
+        <p:blipFill>
           <a:blip r:embed="rId2"/>
-          <a:srcRect t="10198" b="4900"/>
-          <a:stretch/>
+          <a:stretch>
+            <a:fillRect/>
+          </a:stretch>
         </p:blipFill>
         <p:spPr>
           <a:xfrm>
-            <a:off x="1082742" y="1981200"/>
-            <a:ext cx="3102841" cy="2174240"/>
+            <a:off x="3320088" y="856114"/>
+            <a:ext cx="7433050" cy="5508000"/>
           </a:xfrm>
           <a:prstGeom prst="rect">
             <a:avLst/>
           </a:prstGeom>
         </p:spPr>
       </p:pic>
-      <p:pic>
-        <p:nvPicPr>
-          <p:cNvPr id="2" name="slide2">
-            <a:extLst>
-              <a:ext uri="{FF2B5EF4-FFF2-40B4-BE49-F238E27FC236}">
-                <a16:creationId xmlns:a16="http://schemas.microsoft.com/office/drawing/2014/main" id="{26247384-5B0E-45EA-930C-670656884361}"/>
-              </a:ext>
-            </a:extLst>
-          </p:cNvPr>
-          <p:cNvPicPr>
-            <a:picLocks noChangeAspect="1"/>
-          </p:cNvPicPr>
-          <p:nvPr/>
-        </p:nvPicPr>
-        <p:blipFill>
-          <a:blip r:embed="rId3">
-            <a:clrChange>
-              <a:clrFrom>
-                <a:srgbClr val="FFFFFF"/>
-              </a:clrFrom>
-              <a:clrTo>
-                <a:srgbClr val="FFFFFF">
-                  <a:alpha val="0"/>
-                </a:srgbClr>
-              </a:clrTo>
-            </a:clrChange>
-            <a:extLst>
-              <a:ext uri="{28A0092B-C50C-407E-A947-70E740481C1C}">
-                <a14:useLocalDpi xmlns:a14="http://schemas.microsoft.com/office/drawing/2010/main" val="0"/>
-              </a:ext>
-            </a:extLst>
-          </a:blip>
-          <a:stretch>
-            <a:fillRect/>
-          </a:stretch>
-        </p:blipFill>
-        <p:spPr>
-          <a:xfrm>
-            <a:off x="1082742" y="-45720"/>
-            <a:ext cx="10026516" cy="6858000"/>
-          </a:xfrm>
-          <a:prstGeom prst="rect">
-            <a:avLst/>
-          </a:prstGeom>
-        </p:spPr>
-      </p:pic>
-      <p:sp>
-        <p:nvSpPr>
-          <p:cNvPr id="3" name="Line Callout 2 (No Border) 2"/>
+      <p:sp>
+        <p:nvSpPr>
+          <p:cNvPr id="4" name="Line Callout 2 (No Border) 3"/>
           <p:cNvSpPr/>
           <p:nvPr/>
         </p:nvSpPr>
         <p:spPr>
           <a:xfrm flipH="1">
-            <a:off x="1082742" y="782320"/>
-            <a:ext cx="2772978" cy="2397760"/>
+            <a:off x="1273419" y="899281"/>
+            <a:ext cx="2582301" cy="2397760"/>
           </a:xfrm>
           <a:prstGeom prst="callout2">
             <a:avLst>
@@ -7737,8 +9152,8 @@
               <a:gd name="adj2" fmla="val -8333"/>
               <a:gd name="adj3" fmla="val 18918"/>
               <a:gd name="adj4" fmla="val -25582"/>
-              <a:gd name="adj5" fmla="val 42703"/>
-              <a:gd name="adj6" fmla="val -85299"/>
+              <a:gd name="adj5" fmla="val 48875"/>
+              <a:gd name="adj6" fmla="val -142135"/>
             </a:avLst>
           </a:prstGeom>
           <a:noFill/>
@@ -7768,6 +9183,7 @@
           <a:bodyPr rtlCol="0" anchor="ctr"/>
           <a:lstStyle/>
           <a:p>
+            <a:pPr algn="r"/>
             <a:r>
               <a:rPr lang="en-US" sz="1400" b="1" dirty="0" smtClean="0">
                 <a:solidFill>
@@ -7801,12 +9217,20 @@
               <a:t> have </a:t>
             </a:r>
             <a:r>
+              <a:rPr lang="en-US" sz="1400" dirty="0" smtClean="0">
+                <a:solidFill>
+                  <a:schemeClr val="tx1"/>
+                </a:solidFill>
+              </a:rPr>
+              <a:t>significantly </a:t>
+            </a:r>
+            <a:r>
               <a:rPr lang="en-US" sz="1400" dirty="0">
                 <a:solidFill>
                   <a:schemeClr val="tx1"/>
                 </a:solidFill>
               </a:rPr>
-              <a:t>significantly higher number of </a:t>
+              <a:t>higher </a:t>
             </a:r>
             <a:r>
               <a:rPr lang="en-US" sz="1400" dirty="0" smtClean="0">
@@ -7814,15 +9238,7 @@
                   <a:schemeClr val="tx1"/>
                 </a:solidFill>
               </a:rPr>
-              <a:t>stores. The </a:t>
-            </a:r>
-            <a:r>
-              <a:rPr lang="en-US" sz="1400" dirty="0">
-                <a:solidFill>
-                  <a:schemeClr val="tx1"/>
-                </a:solidFill>
-              </a:rPr>
-              <a:t>capital, </a:t>
+              <a:t>unit sales </a:t>
             </a:r>
             <a:r>
               <a:rPr lang="en-US" sz="1400" dirty="0" smtClean="0">
@@ -7830,10 +9246,91 @@
                   <a:schemeClr val="tx1"/>
                 </a:solidFill>
               </a:rPr>
-              <a:t>Quito, has 18 store (34% of the whole stores). </a:t>
-            </a:r>
-          </a:p>
-          <a:p>
+              <a:t>(</a:t>
+            </a:r>
+            <a:r>
+              <a:rPr lang="en-US" sz="1400" b="1" dirty="0" smtClean="0">
+                <a:solidFill>
+                  <a:schemeClr val="tx1"/>
+                </a:solidFill>
+              </a:rPr>
+              <a:t>Pichincha with 53.34% </a:t>
+            </a:r>
+            <a:r>
+              <a:rPr lang="en-US" sz="1400" dirty="0" smtClean="0">
+                <a:solidFill>
+                  <a:schemeClr val="tx1"/>
+                </a:solidFill>
+              </a:rPr>
+              <a:t>and </a:t>
+            </a:r>
+            <a:r>
+              <a:rPr lang="en-US" sz="1400" b="1" dirty="0" smtClean="0">
+                <a:solidFill>
+                  <a:schemeClr val="tx1"/>
+                </a:solidFill>
+              </a:rPr>
+              <a:t>Guayas </a:t>
+            </a:r>
+            <a:r>
+              <a:rPr lang="en-US" sz="1400" b="1" dirty="0" smtClean="0">
+                <a:solidFill>
+                  <a:schemeClr val="tx1"/>
+                </a:solidFill>
+              </a:rPr>
+              <a:t>with 15.84%, </a:t>
+            </a:r>
+            <a:r>
+              <a:rPr lang="en-US" sz="1400" dirty="0" smtClean="0">
+                <a:solidFill>
+                  <a:schemeClr val="tx1"/>
+                </a:solidFill>
+              </a:rPr>
+              <a:t>totaling of close to </a:t>
+            </a:r>
+            <a:r>
+              <a:rPr lang="en-US" sz="1400" b="1" dirty="0" smtClean="0">
+                <a:solidFill>
+                  <a:srgbClr val="FF0000"/>
+                </a:solidFill>
+              </a:rPr>
+              <a:t>70% </a:t>
+            </a:r>
+            <a:r>
+              <a:rPr lang="en-US" sz="1400" dirty="0" smtClean="0">
+                <a:solidFill>
+                  <a:schemeClr val="tx1"/>
+                </a:solidFill>
+              </a:rPr>
+              <a:t>of </a:t>
+            </a:r>
+            <a:r>
+              <a:rPr lang="en-US" sz="1400" dirty="0" smtClean="0">
+                <a:solidFill>
+                  <a:schemeClr val="tx1"/>
+                </a:solidFill>
+              </a:rPr>
+              <a:t>the sales</a:t>
+            </a:r>
+            <a:r>
+              <a:rPr lang="en-US" sz="1400" dirty="0" smtClean="0">
+                <a:solidFill>
+                  <a:schemeClr val="tx1"/>
+                </a:solidFill>
+              </a:rPr>
+              <a:t>)</a:t>
+            </a:r>
+          </a:p>
+          <a:p>
+            <a:pPr algn="r"/>
+            <a:endParaRPr lang="en-US" sz="1400" dirty="0">
+              <a:solidFill>
+                <a:schemeClr val="tx1"/>
+              </a:solidFill>
+            </a:endParaRPr>
+          </a:p>
+          <a:p>
+            <a:pPr algn="r"/>
             <a:endParaRPr lang="en-US" sz="1400" dirty="0" smtClean="0">
               <a:solidFill>
                 <a:schemeClr val="tx1"/>
@@ -7841,34 +9338,7 @@
             </a:endParaRPr>
           </a:p>
           <a:p>
-            <a:endParaRPr lang="en-US" sz="1400" dirty="0">
-              <a:solidFill>
-                <a:schemeClr val="tx1"/>
-              </a:solidFill>
-            </a:endParaRPr>
-          </a:p>
-          <a:p>
-            <a:endParaRPr lang="en-US" sz="1400" dirty="0" smtClean="0">
-              <a:solidFill>
-                <a:schemeClr val="tx1"/>
-              </a:solidFill>
-            </a:endParaRPr>
-          </a:p>
-          <a:p>
-            <a:endParaRPr lang="en-US" sz="1400" dirty="0">
-              <a:solidFill>
-                <a:schemeClr val="tx1"/>
-              </a:solidFill>
-            </a:endParaRPr>
-          </a:p>
-          <a:p>
-            <a:endParaRPr lang="en-US" sz="1400" dirty="0" smtClean="0">
-              <a:solidFill>
-                <a:schemeClr val="tx1"/>
-              </a:solidFill>
-            </a:endParaRPr>
-          </a:p>
-          <a:p>
+            <a:pPr algn="r"/>
             <a:endParaRPr lang="en-AU" sz="1400" dirty="0">
               <a:solidFill>
                 <a:schemeClr val="tx1"/>
@@ -7885,13 +9355,13 @@
         </p:nvCxnSpPr>
         <p:spPr>
           <a:xfrm>
-            <a:off x="4078538" y="1330960"/>
-            <a:ext cx="793182" cy="2189480"/>
+            <a:off x="4098851" y="1467293"/>
+            <a:ext cx="2514600" cy="2190307"/>
           </a:xfrm>
           <a:prstGeom prst="line">
             <a:avLst/>
           </a:prstGeom>
-          <a:ln w="19050">
+          <a:ln w="9525">
             <a:solidFill>
               <a:srgbClr val="4E79A7"/>
             </a:solidFill>
@@ -7937,13 +9407,13 @@
       </p:sp>
       <p:sp>
         <p:nvSpPr>
-          <p:cNvPr id="10" name="TextBox 9"/>
+          <p:cNvPr id="11" name="TextBox 10"/>
           <p:cNvSpPr txBox="1"/>
           <p:nvPr/>
         </p:nvSpPr>
         <p:spPr>
           <a:xfrm rot="16200000">
-            <a:off x="-1304372" y="1243106"/>
+            <a:off x="-1304372" y="1243107"/>
             <a:ext cx="2916518" cy="307777"/>
           </a:xfrm>
           <a:prstGeom prst="rect">
@@ -7978,187 +9448,23 @@
           </a:p>
         </p:txBody>
       </p:sp>
-    </p:spTree>
-    <p:extLst>
-      <p:ext uri="{BB962C8B-B14F-4D97-AF65-F5344CB8AC3E}">
-        <p14:creationId xmlns:p14="http://schemas.microsoft.com/office/powerpoint/2010/main" val="95992585"/>
-      </p:ext>
-    </p:extLst>
-  </p:cSld>
-  <p:clrMapOvr>
-    <a:masterClrMapping/>
-  </p:clrMapOvr>
-  <p:timing>
-    <p:tnLst>
-      <p:par>
-        <p:cTn id="1" dur="indefinite" restart="never" nodeType="tmRoot">
-          <p:childTnLst>
-            <p:seq concurrent="1" nextAc="seek">
-              <p:cTn id="2" dur="indefinite" nodeType="mainSeq">
-                <p:childTnLst>
-                  <p:par>
-                    <p:cTn id="3" fill="hold">
-                      <p:stCondLst>
-                        <p:cond delay="indefinite"/>
-                      </p:stCondLst>
-                      <p:childTnLst>
-                        <p:par>
-                          <p:cTn id="4" fill="hold">
-                            <p:stCondLst>
-                              <p:cond delay="0"/>
-                            </p:stCondLst>
-                            <p:childTnLst>
-                              <p:par>
-                                <p:cTn id="5" presetID="22" presetClass="entr" presetSubtype="8" fill="hold" grpId="0" nodeType="clickEffect">
-                                  <p:stCondLst>
-                                    <p:cond delay="0"/>
-                                  </p:stCondLst>
-                                  <p:childTnLst>
-                                    <p:set>
-                                      <p:cBhvr>
-                                        <p:cTn id="6" dur="1" fill="hold">
-                                          <p:stCondLst>
-                                            <p:cond delay="0"/>
-                                          </p:stCondLst>
-                                        </p:cTn>
-                                        <p:tgtEl>
-                                          <p:spTgt spid="3"/>
-                                        </p:tgtEl>
-                                        <p:attrNameLst>
-                                          <p:attrName>style.visibility</p:attrName>
-                                        </p:attrNameLst>
-                                      </p:cBhvr>
-                                      <p:to>
-                                        <p:strVal val="visible"/>
-                                      </p:to>
-                                    </p:set>
-                                    <p:animEffect transition="in" filter="wipe(left)">
-                                      <p:cBhvr>
-                                        <p:cTn id="7" dur="500"/>
-                                        <p:tgtEl>
-                                          <p:spTgt spid="3"/>
-                                        </p:tgtEl>
-                                      </p:cBhvr>
-                                    </p:animEffect>
-                                  </p:childTnLst>
-                                </p:cTn>
-                              </p:par>
-                              <p:par>
-                                <p:cTn id="8" presetID="22" presetClass="entr" presetSubtype="8" fill="hold" nodeType="withEffect">
-                                  <p:stCondLst>
-                                    <p:cond delay="0"/>
-                                  </p:stCondLst>
-                                  <p:childTnLst>
-                                    <p:set>
-                                      <p:cBhvr>
-                                        <p:cTn id="9" dur="1" fill="hold">
-                                          <p:stCondLst>
-                                            <p:cond delay="0"/>
-                                          </p:stCondLst>
-                                        </p:cTn>
-                                        <p:tgtEl>
-                                          <p:spTgt spid="5"/>
-                                        </p:tgtEl>
-                                        <p:attrNameLst>
-                                          <p:attrName>style.visibility</p:attrName>
-                                        </p:attrNameLst>
-                                      </p:cBhvr>
-                                      <p:to>
-                                        <p:strVal val="visible"/>
-                                      </p:to>
-                                    </p:set>
-                                    <p:animEffect transition="in" filter="wipe(left)">
-                                      <p:cBhvr>
-                                        <p:cTn id="10" dur="500"/>
-                                        <p:tgtEl>
-                                          <p:spTgt spid="5"/>
-                                        </p:tgtEl>
-                                      </p:cBhvr>
-                                    </p:animEffect>
-                                  </p:childTnLst>
-                                </p:cTn>
-                              </p:par>
-                            </p:childTnLst>
-                          </p:cTn>
-                        </p:par>
-                      </p:childTnLst>
-                    </p:cTn>
-                  </p:par>
-                </p:childTnLst>
-              </p:cTn>
-              <p:prevCondLst>
-                <p:cond evt="onPrev" delay="0">
-                  <p:tgtEl>
-                    <p:sldTgt/>
-                  </p:tgtEl>
-                </p:cond>
-              </p:prevCondLst>
-              <p:nextCondLst>
-                <p:cond evt="onNext" delay="0">
-                  <p:tgtEl>
-                    <p:sldTgt/>
-                  </p:tgtEl>
-                </p:cond>
-              </p:nextCondLst>
-            </p:seq>
-          </p:childTnLst>
-        </p:cTn>
-      </p:par>
-    </p:tnLst>
-    <p:bldLst>
-      <p:bldP spid="3" grpId="0" animBg="1"/>
-    </p:bldLst>
-  </p:timing>
-</p:sld>
-</file>
-
-<file path=ppt/slides/slide5.xml><?xml version="1.0" encoding="utf-8"?>
-<p:sld xmlns:a="http://schemas.openxmlformats.org/drawingml/2006/main" xmlns:r="http://schemas.openxmlformats.org/officeDocument/2006/relationships" xmlns:p="http://schemas.openxmlformats.org/presentationml/2006/main">
-  <p:cSld>
-    <p:spTree>
-      <p:nvGrpSpPr>
-        <p:cNvPr id="1" name=""/>
-        <p:cNvGrpSpPr/>
-        <p:nvPr/>
-      </p:nvGrpSpPr>
-      <p:grpSpPr>
-        <a:xfrm>
-          <a:off x="0" y="0"/>
-          <a:ext cx="0" cy="0"/>
-          <a:chOff x="0" y="0"/>
-          <a:chExt cx="0" cy="0"/>
-        </a:xfrm>
-      </p:grpSpPr>
       <p:pic>
         <p:nvPicPr>
-          <p:cNvPr id="3" name="slide3">
-            <a:extLst>
-              <a:ext uri="{FF2B5EF4-FFF2-40B4-BE49-F238E27FC236}">
-                <a16:creationId xmlns:a16="http://schemas.microsoft.com/office/drawing/2014/main" id="{C3477B32-DDB0-4AA7-AB15-0830CA80A120}"/>
-              </a:ext>
-            </a:extLst>
-          </p:cNvPr>
+          <p:cNvPr id="8" name="Picture 7"/>
           <p:cNvPicPr>
             <a:picLocks noChangeAspect="1"/>
           </p:cNvPicPr>
           <p:nvPr/>
         </p:nvPicPr>
-        <p:blipFill>
-          <a:blip r:embed="rId2">
-            <a:extLst>
-              <a:ext uri="{28A0092B-C50C-407E-A947-70E740481C1C}">
-                <a14:useLocalDpi xmlns:a14="http://schemas.microsoft.com/office/drawing/2010/main" val="0"/>
-              </a:ext>
-            </a:extLst>
-          </a:blip>
-          <a:stretch>
-            <a:fillRect/>
-          </a:stretch>
+        <p:blipFill rotWithShape="1">
+          <a:blip r:embed="rId3"/>
+          <a:srcRect t="10198" b="4900"/>
+          <a:stretch/>
         </p:blipFill>
         <p:spPr>
           <a:xfrm>
-            <a:off x="1273419" y="0"/>
-            <a:ext cx="9645162" cy="6858000"/>
+            <a:off x="1320526" y="3486416"/>
+            <a:ext cx="4096762" cy="2870706"/>
           </a:xfrm>
           <a:prstGeom prst="rect">
             <a:avLst/>
@@ -8167,270 +9473,51 @@
       </p:pic>
       <p:sp>
         <p:nvSpPr>
-          <p:cNvPr id="4" name="Line Callout 2 (No Border) 3"/>
-          <p:cNvSpPr/>
+          <p:cNvPr id="10" name="Title 1"/>
+          <p:cNvSpPr txBox="1">
+            <a:spLocks/>
+          </p:cNvSpPr>
           <p:nvPr/>
         </p:nvSpPr>
-        <p:spPr>
-          <a:xfrm flipH="1">
-            <a:off x="1273419" y="782320"/>
-            <a:ext cx="2582301" cy="2397760"/>
-          </a:xfrm>
-          <a:prstGeom prst="callout2">
-            <a:avLst>
-              <a:gd name="adj1" fmla="val 18750"/>
-              <a:gd name="adj2" fmla="val -8333"/>
-              <a:gd name="adj3" fmla="val 18918"/>
-              <a:gd name="adj4" fmla="val -25582"/>
-              <a:gd name="adj5" fmla="val 49059"/>
-              <a:gd name="adj6" fmla="val -95458"/>
-            </a:avLst>
-          </a:prstGeom>
-          <a:noFill/>
-          <a:ln>
-            <a:solidFill>
-              <a:srgbClr val="4E79A7"/>
-            </a:solidFill>
-          </a:ln>
-        </p:spPr>
-        <p:style>
-          <a:lnRef idx="2">
-            <a:schemeClr val="accent1">
-              <a:shade val="50000"/>
-            </a:schemeClr>
-          </a:lnRef>
-          <a:fillRef idx="1">
-            <a:schemeClr val="accent1"/>
-          </a:fillRef>
-          <a:effectRef idx="0">
-            <a:schemeClr val="accent1"/>
-          </a:effectRef>
-          <a:fontRef idx="minor">
-            <a:schemeClr val="lt1"/>
-          </a:fontRef>
-        </p:style>
-        <p:txBody>
-          <a:bodyPr rtlCol="0" anchor="ctr"/>
-          <a:lstStyle/>
-          <a:p>
-            <a:r>
-              <a:rPr lang="en-US" sz="1400" b="1" dirty="0" smtClean="0">
-                <a:solidFill>
-                  <a:schemeClr val="tx1"/>
-                </a:solidFill>
-              </a:rPr>
-              <a:t>Pichincha</a:t>
-            </a:r>
-            <a:r>
-              <a:rPr lang="en-US" sz="1400" dirty="0" smtClean="0">
-                <a:solidFill>
-                  <a:schemeClr val="tx1"/>
-                </a:solidFill>
-              </a:rPr>
-              <a:t> and </a:t>
-            </a:r>
-            <a:r>
-              <a:rPr lang="en-US" sz="1400" b="1" dirty="0" smtClean="0">
-                <a:solidFill>
-                  <a:schemeClr val="tx1"/>
-                </a:solidFill>
-              </a:rPr>
-              <a:t>Guayas</a:t>
-            </a:r>
-            <a:r>
-              <a:rPr lang="en-US" sz="1400" dirty="0" smtClean="0">
-                <a:solidFill>
-                  <a:schemeClr val="tx1"/>
-                </a:solidFill>
-              </a:rPr>
-              <a:t> have also </a:t>
-            </a:r>
-            <a:r>
-              <a:rPr lang="en-US" sz="1400" dirty="0">
-                <a:solidFill>
-                  <a:schemeClr val="tx1"/>
-                </a:solidFill>
-              </a:rPr>
-              <a:t>significantly higher </a:t>
-            </a:r>
-            <a:r>
-              <a:rPr lang="en-US" sz="1400" dirty="0" smtClean="0">
-                <a:solidFill>
-                  <a:schemeClr val="tx1"/>
-                </a:solidFill>
-              </a:rPr>
-              <a:t>sales (</a:t>
-            </a:r>
-            <a:r>
-              <a:rPr lang="en-US" sz="1400" b="1" dirty="0" smtClean="0">
-                <a:solidFill>
-                  <a:schemeClr val="tx1"/>
-                </a:solidFill>
-              </a:rPr>
-              <a:t>Pichincha with 53.34% </a:t>
-            </a:r>
-            <a:r>
-              <a:rPr lang="en-US" sz="1400" dirty="0" smtClean="0">
-                <a:solidFill>
-                  <a:schemeClr val="tx1"/>
-                </a:solidFill>
-              </a:rPr>
-              <a:t>and </a:t>
-            </a:r>
-            <a:r>
-              <a:rPr lang="en-US" sz="1400" b="1" dirty="0" smtClean="0">
-                <a:solidFill>
-                  <a:schemeClr val="tx1"/>
-                </a:solidFill>
-              </a:rPr>
-              <a:t>Guayas with 15.84%, </a:t>
-            </a:r>
-            <a:r>
-              <a:rPr lang="en-US" sz="1400" dirty="0" smtClean="0">
-                <a:solidFill>
-                  <a:schemeClr val="tx1"/>
-                </a:solidFill>
-              </a:rPr>
-              <a:t>totaling of close to </a:t>
-            </a:r>
-            <a:r>
-              <a:rPr lang="en-US" sz="1400" b="1" dirty="0" smtClean="0">
-                <a:solidFill>
-                  <a:srgbClr val="FF0000"/>
-                </a:solidFill>
-              </a:rPr>
-              <a:t>70% </a:t>
-            </a:r>
-            <a:r>
-              <a:rPr lang="en-US" sz="1400" dirty="0" smtClean="0">
-                <a:solidFill>
-                  <a:schemeClr val="tx1"/>
-                </a:solidFill>
-              </a:rPr>
-              <a:t>of the whole sales)</a:t>
-            </a:r>
-          </a:p>
-          <a:p>
-            <a:endParaRPr lang="en-US" sz="1400" dirty="0">
-              <a:solidFill>
-                <a:schemeClr val="tx1"/>
-              </a:solidFill>
-            </a:endParaRPr>
-          </a:p>
-          <a:p>
-            <a:endParaRPr lang="en-US" sz="1400" dirty="0" smtClean="0">
-              <a:solidFill>
-                <a:schemeClr val="tx1"/>
-              </a:solidFill>
-            </a:endParaRPr>
-          </a:p>
-          <a:p>
-            <a:endParaRPr lang="en-AU" sz="1400" dirty="0">
-              <a:solidFill>
-                <a:schemeClr val="tx1"/>
-              </a:solidFill>
-            </a:endParaRPr>
-          </a:p>
-        </p:txBody>
-      </p:sp>
-      <p:cxnSp>
-        <p:nvCxnSpPr>
-          <p:cNvPr id="5" name="Straight Connector 4"/>
-          <p:cNvCxnSpPr/>
-          <p:nvPr/>
-        </p:nvCxnSpPr>
         <p:spPr>
           <a:xfrm>
-            <a:off x="4078538" y="1330960"/>
-            <a:ext cx="1118302" cy="2357120"/>
-          </a:xfrm>
-          <a:prstGeom prst="line">
-            <a:avLst/>
-          </a:prstGeom>
-          <a:ln w="19050">
-            <a:solidFill>
-              <a:srgbClr val="4E79A7"/>
-            </a:solidFill>
-          </a:ln>
-        </p:spPr>
-        <p:style>
-          <a:lnRef idx="1">
-            <a:schemeClr val="accent1"/>
-          </a:lnRef>
-          <a:fillRef idx="0">
-            <a:schemeClr val="accent1"/>
-          </a:fillRef>
-          <a:effectRef idx="0">
-            <a:schemeClr val="accent1"/>
-          </a:effectRef>
-          <a:fontRef idx="minor">
-            <a:schemeClr val="tx1"/>
-          </a:fontRef>
-        </p:style>
-      </p:cxnSp>
-      <p:sp>
-        <p:nvSpPr>
-          <p:cNvPr id="9" name="Slide Number Placeholder 8"/>
-          <p:cNvSpPr>
-            <a:spLocks noGrp="1"/>
-          </p:cNvSpPr>
-          <p:nvPr>
-            <p:ph type="sldNum" sz="quarter" idx="12"/>
-          </p:nvPr>
-        </p:nvSpPr>
-        <p:spPr/>
-        <p:txBody>
-          <a:bodyPr/>
-          <a:lstStyle/>
-          <a:p>
-            <a:fld id="{5B03D32D-F1BC-4E9C-97E1-36CFF5B22341}" type="slidenum">
-              <a:rPr lang="en-US" smtClean="0"/>
-              <a:t>5</a:t>
-            </a:fld>
-            <a:endParaRPr lang="en-US"/>
-          </a:p>
-        </p:txBody>
-      </p:sp>
-      <p:sp>
-        <p:nvSpPr>
-          <p:cNvPr id="11" name="TextBox 10"/>
-          <p:cNvSpPr txBox="1"/>
-          <p:nvPr/>
-        </p:nvSpPr>
-        <p:spPr>
-          <a:xfrm rot="16200000">
-            <a:off x="-1304372" y="1243106"/>
-            <a:ext cx="2916518" cy="307777"/>
+            <a:off x="786810" y="365125"/>
+            <a:ext cx="10566990" cy="490989"/>
           </a:xfrm>
           <a:prstGeom prst="rect">
             <a:avLst/>
           </a:prstGeom>
-          <a:noFill/>
         </p:spPr>
         <p:txBody>
-          <a:bodyPr wrap="square" rtlCol="0">
-            <a:spAutoFit/>
+          <a:bodyPr vert="horz" lIns="91440" tIns="45720" rIns="91440" bIns="45720" rtlCol="0" anchor="b">
+            <a:normAutofit fontScale="55000" lnSpcReduction="20000"/>
           </a:bodyPr>
-          <a:lstStyle/>
-          <a:p>
-            <a:pPr algn="r"/>
-            <a:r>
-              <a:rPr lang="en-AU" sz="1400" b="1" spc="600" dirty="0" smtClean="0">
+          <a:lstStyle>
+            <a:lvl1pPr algn="ctr" defTabSz="914400" rtl="0" eaLnBrk="1" latinLnBrk="0" hangingPunct="1">
+              <a:lnSpc>
+                <a:spcPct val="90000"/>
+              </a:lnSpc>
+              <a:spcBef>
+                <a:spcPct val="0"/>
+              </a:spcBef>
+              <a:buNone/>
+              <a:defRPr sz="6000" kern="1200">
                 <a:solidFill>
-                  <a:schemeClr val="bg1">
-                    <a:lumMod val="65000"/>
-                  </a:schemeClr>
+                  <a:schemeClr val="tx1"/>
                 </a:solidFill>
-              </a:rPr>
-              <a:t>Data visualization</a:t>
-            </a:r>
-            <a:endParaRPr lang="en-AU" sz="1400" b="1" spc="600" dirty="0">
-              <a:solidFill>
-                <a:schemeClr val="bg1">
-                  <a:lumMod val="65000"/>
-                </a:schemeClr>
-              </a:solidFill>
-            </a:endParaRPr>
+                <a:latin typeface="+mj-lt"/>
+                <a:ea typeface="+mj-ea"/>
+                <a:cs typeface="+mj-cs"/>
+              </a:defRPr>
+            </a:lvl1pPr>
+          </a:lstStyle>
+          <a:p>
+            <a:pPr algn="l"/>
+            <a:r>
+              <a:rPr lang="en-US" b="1" dirty="0" smtClean="0"/>
+              <a:t>Total unit sale for individual states</a:t>
+            </a:r>
+            <a:endParaRPr lang="en-AU" dirty="0"/>
           </a:p>
         </p:txBody>
       </p:sp>
@@ -8534,6 +9621,41 @@
                                   </p:childTnLst>
                                 </p:cTn>
                               </p:par>
+                              <p:par>
+                                <p:cTn id="11" presetID="22" presetClass="entr" presetSubtype="8" fill="hold" nodeType="withEffect">
+                                  <p:stCondLst>
+                                    <p:cond delay="0"/>
+                                  </p:stCondLst>
+                                  <p:childTnLst>
+                                    <p:set>
+                                      <p:cBhvr>
+                                        <p:cTn id="12" dur="1" fill="hold">
+                                          <p:stCondLst>
+                                            <p:cond delay="0"/>
+                                          </p:stCondLst>
+                                        </p:cTn>
+                                        <p:tgtEl>
+                                          <p:spTgt spid="8"/>
+                                        </p:tgtEl>
+                                        <p:attrNameLst>
+                                          <p:attrName>style.visibility</p:attrName>
+                                        </p:attrNameLst>
+                                      </p:cBhvr>
+                                      <p:to>
+                                        <p:strVal val="visible"/>
+                                      </p:to>
+                                    </p:set>
+                                    <p:animEffect transition="in" filter="wipe(left)">
+                                      <p:cBhvr>
+                                        <p:cTn id="13" dur="500"/>
+                                        <p:tgtEl>
+                                          <p:spTgt spid="8"/>
+                                        </p:tgtEl>
+                                      </p:cBhvr>
+                                    </p:animEffect>
+                                  </p:childTnLst>
+                                </p:cTn>
+                              </p:par>
                             </p:childTnLst>
                           </p:cTn>
                         </p:par>
@@ -8568,7 +9690,7 @@
 </p:sld>
 </file>
 
-<file path=ppt/slides/slide6.xml><?xml version="1.0" encoding="utf-8"?>
+<file path=ppt/slides/slide5.xml><?xml version="1.0" encoding="utf-8"?>
 <p:sld xmlns:a="http://schemas.openxmlformats.org/drawingml/2006/main" xmlns:r="http://schemas.openxmlformats.org/officeDocument/2006/relationships" xmlns:p="http://schemas.openxmlformats.org/presentationml/2006/main">
   <p:cSld>
     <p:spTree>
@@ -8587,22 +9709,21 @@
       </p:grpSpPr>
       <p:pic>
         <p:nvPicPr>
-          <p:cNvPr id="9" name="Picture 8"/>
+          <p:cNvPr id="2" name="Picture 1"/>
           <p:cNvPicPr>
             <a:picLocks noChangeAspect="1"/>
           </p:cNvPicPr>
           <p:nvPr/>
         </p:nvPicPr>
-        <p:blipFill>
+        <p:blipFill rotWithShape="1">
           <a:blip r:embed="rId2"/>
-          <a:stretch>
-            <a:fillRect/>
-          </a:stretch>
+          <a:srcRect t="6233" b="5255"/>
+          <a:stretch/>
         </p:blipFill>
         <p:spPr>
           <a:xfrm>
-            <a:off x="586584" y="161783"/>
-            <a:ext cx="11441096" cy="5760000"/>
+            <a:off x="606904" y="1036671"/>
+            <a:ext cx="11441096" cy="5098316"/>
           </a:xfrm>
           <a:prstGeom prst="rect">
             <a:avLst/>
@@ -8617,7 +9738,7 @@
         </p:nvSpPr>
         <p:spPr>
           <a:xfrm>
-            <a:off x="606904" y="767080"/>
+            <a:off x="606904" y="1272123"/>
             <a:ext cx="9296400" cy="1198880"/>
           </a:xfrm>
           <a:prstGeom prst="rect">
@@ -8665,7 +9786,7 @@
         </p:nvSpPr>
         <p:spPr>
           <a:xfrm>
-            <a:off x="6641944" y="1513840"/>
+            <a:off x="6522419" y="2018883"/>
             <a:ext cx="3556000" cy="369332"/>
           </a:xfrm>
           <a:prstGeom prst="rect">
@@ -8685,7 +9806,31 @@
                   <a:srgbClr val="4E79A7"/>
                 </a:solidFill>
               </a:rPr>
-              <a:t>Almost 70% of the whole sales</a:t>
+              <a:t>Almost 70% of the </a:t>
+            </a:r>
+            <a:r>
+              <a:rPr lang="en-AU" b="1" dirty="0" smtClean="0">
+                <a:solidFill>
+                  <a:srgbClr val="4E79A7"/>
+                </a:solidFill>
+              </a:rPr>
+              <a:t>total unit</a:t>
+            </a:r>
+            <a:r>
+              <a:rPr lang="en-AU" b="1" dirty="0" smtClean="0">
+                <a:solidFill>
+                  <a:srgbClr val="4E79A7"/>
+                </a:solidFill>
+              </a:rPr>
+              <a:t> </a:t>
+            </a:r>
+            <a:r>
+              <a:rPr lang="en-AU" b="1" dirty="0" smtClean="0">
+                <a:solidFill>
+                  <a:srgbClr val="4E79A7"/>
+                </a:solidFill>
+              </a:rPr>
+              <a:t>sales</a:t>
             </a:r>
             <a:endParaRPr lang="en-AU" b="1" dirty="0">
               <a:solidFill>
@@ -8712,7 +9857,7 @@
           <a:p>
             <a:fld id="{5B03D32D-F1BC-4E9C-97E1-36CFF5B22341}" type="slidenum">
               <a:rPr lang="en-US" smtClean="0"/>
-              <a:t>6</a:t>
+              <a:t>5</a:t>
             </a:fld>
             <a:endParaRPr lang="en-US"/>
           </a:p>
@@ -8758,6 +9903,56 @@
                 </a:schemeClr>
               </a:solidFill>
             </a:endParaRPr>
+          </a:p>
+        </p:txBody>
+      </p:sp>
+      <p:sp>
+        <p:nvSpPr>
+          <p:cNvPr id="12" name="Title 1"/>
+          <p:cNvSpPr txBox="1">
+            <a:spLocks/>
+          </p:cNvSpPr>
+          <p:nvPr/>
+        </p:nvSpPr>
+        <p:spPr>
+          <a:xfrm>
+            <a:off x="786810" y="365125"/>
+            <a:ext cx="10566990" cy="490989"/>
+          </a:xfrm>
+          <a:prstGeom prst="rect">
+            <a:avLst/>
+          </a:prstGeom>
+        </p:spPr>
+        <p:txBody>
+          <a:bodyPr vert="horz" lIns="91440" tIns="45720" rIns="91440" bIns="45720" rtlCol="0" anchor="b">
+            <a:normAutofit fontScale="55000" lnSpcReduction="20000"/>
+          </a:bodyPr>
+          <a:lstStyle>
+            <a:lvl1pPr algn="ctr" defTabSz="914400" rtl="0" eaLnBrk="1" latinLnBrk="0" hangingPunct="1">
+              <a:lnSpc>
+                <a:spcPct val="90000"/>
+              </a:lnSpc>
+              <a:spcBef>
+                <a:spcPct val="0"/>
+              </a:spcBef>
+              <a:buNone/>
+              <a:defRPr sz="6000" kern="1200">
+                <a:solidFill>
+                  <a:schemeClr val="tx1"/>
+                </a:solidFill>
+                <a:latin typeface="+mj-lt"/>
+                <a:ea typeface="+mj-ea"/>
+                <a:cs typeface="+mj-cs"/>
+              </a:defRPr>
+            </a:lvl1pPr>
+          </a:lstStyle>
+          <a:p>
+            <a:pPr algn="l"/>
+            <a:r>
+              <a:rPr lang="en-US" b="1" dirty="0" smtClean="0"/>
+              <a:t>Total unit sale percentage for individual states</a:t>
+            </a:r>
+            <a:endParaRPr lang="en-AU" dirty="0"/>
           </a:p>
         </p:txBody>
       </p:sp>
@@ -8896,7 +10091,7 @@
 </p:sld>
 </file>
 
-<file path=ppt/slides/slide7.xml><?xml version="1.0" encoding="utf-8"?>
+<file path=ppt/slides/slide6.xml><?xml version="1.0" encoding="utf-8"?>
 <p:sld xmlns:a="http://schemas.openxmlformats.org/drawingml/2006/main" xmlns:r="http://schemas.openxmlformats.org/officeDocument/2006/relationships" xmlns:p="http://schemas.openxmlformats.org/presentationml/2006/main">
   <p:cSld>
     <p:spTree>
@@ -8915,34 +10110,21 @@
       </p:grpSpPr>
       <p:pic>
         <p:nvPicPr>
-          <p:cNvPr id="6" name="slide6">
-            <a:extLst>
-              <a:ext uri="{FF2B5EF4-FFF2-40B4-BE49-F238E27FC236}">
-                <a16:creationId xmlns:a16="http://schemas.microsoft.com/office/drawing/2014/main" id="{BAE55E9B-062F-4971-85EF-3AFF421613B7}"/>
-              </a:ext>
-            </a:extLst>
-          </p:cNvPr>
+          <p:cNvPr id="3" name="Picture 2"/>
           <p:cNvPicPr>
             <a:picLocks noChangeAspect="1"/>
           </p:cNvPicPr>
           <p:nvPr/>
         </p:nvPicPr>
-        <p:blipFill>
-          <a:blip r:embed="rId2">
-            <a:extLst>
-              <a:ext uri="{28A0092B-C50C-407E-A947-70E740481C1C}">
-                <a14:useLocalDpi xmlns:a14="http://schemas.microsoft.com/office/drawing/2010/main" val="0"/>
-              </a:ext>
-            </a:extLst>
-          </a:blip>
-          <a:stretch>
-            <a:fillRect/>
-          </a:stretch>
+        <p:blipFill rotWithShape="1">
+          <a:blip r:embed="rId2"/>
+          <a:srcRect t="7137" b="3890"/>
+          <a:stretch/>
         </p:blipFill>
         <p:spPr>
           <a:xfrm>
-            <a:off x="480503" y="0"/>
-            <a:ext cx="7940626" cy="6858000"/>
+            <a:off x="618402" y="1068573"/>
+            <a:ext cx="7802447" cy="4938824"/>
           </a:xfrm>
           <a:prstGeom prst="rect">
             <a:avLst/>
@@ -8957,8 +10139,8 @@
         </p:nvSpPr>
         <p:spPr>
           <a:xfrm>
-            <a:off x="8345240" y="647115"/>
-            <a:ext cx="3505200" cy="3416320"/>
+            <a:off x="8472829" y="1295700"/>
+            <a:ext cx="3505200" cy="2862322"/>
           </a:xfrm>
           <a:prstGeom prst="rect">
             <a:avLst/>
@@ -8988,7 +10170,23 @@
                   <a:srgbClr val="24292E"/>
                 </a:solidFill>
               </a:rPr>
-              <a:t>unit sales increases during the last few weeks of the </a:t>
+              <a:t>unit sales </a:t>
+            </a:r>
+            <a:r>
+              <a:rPr lang="en-US" b="1" dirty="0" smtClean="0">
+                <a:solidFill>
+                  <a:srgbClr val="24292E"/>
+                </a:solidFill>
+              </a:rPr>
+              <a:t>increase </a:t>
+            </a:r>
+            <a:r>
+              <a:rPr lang="en-US" b="1" dirty="0">
+                <a:solidFill>
+                  <a:srgbClr val="24292E"/>
+                </a:solidFill>
+              </a:rPr>
+              <a:t>during the last few weeks of the </a:t>
             </a:r>
             <a:r>
               <a:rPr lang="en-US" b="1" dirty="0" smtClean="0">
@@ -9017,7 +10215,15 @@
             </a:pPr>
             <a:r>
               <a:rPr lang="en-US" b="1" dirty="0" smtClean="0"/>
-              <a:t>Small</a:t>
+              <a:t>Ther</a:t>
+            </a:r>
+            <a:r>
+              <a:rPr lang="en-US" b="1" dirty="0" smtClean="0"/>
+              <a:t>e’s a s</a:t>
+            </a:r>
+            <a:r>
+              <a:rPr lang="en-US" b="1" dirty="0" smtClean="0"/>
+              <a:t>mall</a:t>
             </a:r>
             <a:r>
               <a:rPr lang="en-US" b="1" dirty="0"/>
@@ -9029,11 +10235,19 @@
             </a:r>
             <a:r>
               <a:rPr lang="en-US" b="1" dirty="0"/>
-              <a:t>, fluctuations across </a:t>
+              <a:t>, fluctuations </a:t>
             </a:r>
             <a:r>
               <a:rPr lang="en-US" b="1" dirty="0" smtClean="0"/>
-              <a:t>years aligned </a:t>
+              <a:t>during a</a:t>
+            </a:r>
+            <a:r>
+              <a:rPr lang="en-US" b="1" dirty="0" smtClean="0"/>
+              <a:t> year </a:t>
+            </a:r>
+            <a:r>
+              <a:rPr lang="en-US" b="1" dirty="0" smtClean="0"/>
+              <a:t>aligned </a:t>
             </a:r>
             <a:r>
               <a:rPr lang="en-US" b="1" dirty="0"/>
@@ -9041,7 +10255,15 @@
             </a:r>
             <a:r>
               <a:rPr lang="en-US" b="1" dirty="0" smtClean="0"/>
-              <a:t>of months (salaries are paid, sales increased).</a:t>
+              <a:t>of months (salaries are </a:t>
+            </a:r>
+            <a:r>
+              <a:rPr lang="en-US" b="1" dirty="0" smtClean="0"/>
+              <a:t>paid and </a:t>
+            </a:r>
+            <a:r>
+              <a:rPr lang="en-US" b="1" dirty="0" smtClean="0"/>
+              <a:t>sales increased).</a:t>
             </a:r>
           </a:p>
           <a:p>
@@ -9050,21 +10272,6 @@
               <a:buChar char="•"/>
             </a:pPr>
             <a:endParaRPr lang="en-US" b="1" dirty="0"/>
-          </a:p>
-          <a:p>
-            <a:pPr marL="285750" indent="-285750">
-              <a:buFont typeface="Arial" panose="020B0604020202020204" pitchFamily="34" charset="0"/>
-              <a:buChar char="•"/>
-            </a:pPr>
-            <a:r>
-              <a:rPr lang="en-US" b="1" dirty="0" err="1" smtClean="0"/>
-              <a:t>Oli</a:t>
-            </a:r>
-            <a:r>
-              <a:rPr lang="en-US" b="1" dirty="0" smtClean="0"/>
-              <a:t> price doesn’t seem to affect the sale that much at least visually</a:t>
-            </a:r>
-            <a:endParaRPr lang="en-AU" b="1" dirty="0"/>
           </a:p>
         </p:txBody>
       </p:sp>
@@ -9076,13 +10283,13 @@
         </p:nvCxnSpPr>
         <p:spPr>
           <a:xfrm>
-            <a:off x="1417320" y="5024120"/>
+            <a:off x="1536846" y="3887547"/>
             <a:ext cx="0" cy="288000"/>
           </a:xfrm>
           <a:prstGeom prst="straightConnector1">
             <a:avLst/>
           </a:prstGeom>
-          <a:ln>
+          <a:ln w="28575">
             <a:tailEnd type="triangle"/>
           </a:ln>
         </p:spPr>
@@ -9109,13 +10316,13 @@
         </p:nvCxnSpPr>
         <p:spPr>
           <a:xfrm>
-            <a:off x="1529080" y="4963160"/>
+            <a:off x="1648606" y="3826587"/>
             <a:ext cx="0" cy="288000"/>
           </a:xfrm>
           <a:prstGeom prst="straightConnector1">
             <a:avLst/>
           </a:prstGeom>
-          <a:ln>
+          <a:ln w="28575">
             <a:tailEnd type="triangle"/>
           </a:ln>
         </p:spPr>
@@ -9151,7 +10358,7 @@
           <a:p>
             <a:fld id="{5B03D32D-F1BC-4E9C-97E1-36CFF5B22341}" type="slidenum">
               <a:rPr lang="en-US" smtClean="0"/>
-              <a:t>7</a:t>
+              <a:t>6</a:t>
             </a:fld>
             <a:endParaRPr lang="en-US"/>
           </a:p>
@@ -9200,10 +10407,60 @@
           </a:p>
         </p:txBody>
       </p:sp>
+      <p:sp>
+        <p:nvSpPr>
+          <p:cNvPr id="9" name="Title 1"/>
+          <p:cNvSpPr txBox="1">
+            <a:spLocks/>
+          </p:cNvSpPr>
+          <p:nvPr/>
+        </p:nvSpPr>
+        <p:spPr>
+          <a:xfrm>
+            <a:off x="786810" y="365125"/>
+            <a:ext cx="10566990" cy="490989"/>
+          </a:xfrm>
+          <a:prstGeom prst="rect">
+            <a:avLst/>
+          </a:prstGeom>
+        </p:spPr>
+        <p:txBody>
+          <a:bodyPr vert="horz" lIns="91440" tIns="45720" rIns="91440" bIns="45720" rtlCol="0" anchor="b">
+            <a:normAutofit fontScale="55000" lnSpcReduction="20000"/>
+          </a:bodyPr>
+          <a:lstStyle>
+            <a:lvl1pPr algn="ctr" defTabSz="914400" rtl="0" eaLnBrk="1" latinLnBrk="0" hangingPunct="1">
+              <a:lnSpc>
+                <a:spcPct val="90000"/>
+              </a:lnSpc>
+              <a:spcBef>
+                <a:spcPct val="0"/>
+              </a:spcBef>
+              <a:buNone/>
+              <a:defRPr sz="6000" kern="1200">
+                <a:solidFill>
+                  <a:schemeClr val="tx1"/>
+                </a:solidFill>
+                <a:latin typeface="+mj-lt"/>
+                <a:ea typeface="+mj-ea"/>
+                <a:cs typeface="+mj-cs"/>
+              </a:defRPr>
+            </a:lvl1pPr>
+          </a:lstStyle>
+          <a:p>
+            <a:pPr algn="l"/>
+            <a:r>
+              <a:rPr lang="en-US" b="1" dirty="0" smtClean="0"/>
+              <a:t>Total unit sale over four years</a:t>
+            </a:r>
+            <a:endParaRPr lang="en-AU" dirty="0"/>
+          </a:p>
+        </p:txBody>
+      </p:sp>
     </p:spTree>
     <p:extLst>
       <p:ext uri="{BB962C8B-B14F-4D97-AF65-F5344CB8AC3E}">
-        <p14:creationId xmlns:p14="http://schemas.microsoft.com/office/powerpoint/2010/main" val="95992585"/>
+        <p14:creationId xmlns:p14="http://schemas.microsoft.com/office/powerpoint/2010/main" val="3775624597"/>
       </p:ext>
     </p:extLst>
   </p:cSld>
@@ -9334,43 +10591,21 @@
                                   </p:childTnLst>
                                 </p:cTn>
                               </p:par>
-                            </p:childTnLst>
-                          </p:cTn>
-                        </p:par>
-                      </p:childTnLst>
-                    </p:cTn>
-                  </p:par>
-                  <p:par>
-                    <p:cTn id="13" fill="hold">
-                      <p:stCondLst>
-                        <p:cond delay="indefinite"/>
-                      </p:stCondLst>
-                      <p:childTnLst>
-                        <p:par>
-                          <p:cTn id="14" fill="hold">
-                            <p:stCondLst>
-                              <p:cond delay="0"/>
-                            </p:stCondLst>
-                            <p:childTnLst>
                               <p:par>
-                                <p:cTn id="15" presetID="10" presetClass="entr" presetSubtype="0" fill="hold" nodeType="clickEffect">
+                                <p:cTn id="13" presetID="10" presetClass="entr" presetSubtype="0" fill="hold" nodeType="withEffect">
                                   <p:stCondLst>
                                     <p:cond delay="0"/>
                                   </p:stCondLst>
                                   <p:childTnLst>
                                     <p:set>
                                       <p:cBhvr>
-                                        <p:cTn id="16" dur="1" fill="hold">
+                                        <p:cTn id="14" dur="1" fill="hold">
                                           <p:stCondLst>
                                             <p:cond delay="0"/>
                                           </p:stCondLst>
                                         </p:cTn>
                                         <p:tgtEl>
-                                          <p:spTgt spid="2">
-                                            <p:txEl>
-                                              <p:pRg st="4" end="4"/>
-                                            </p:txEl>
-                                          </p:spTgt>
+                                          <p:spTgt spid="7"/>
                                         </p:tgtEl>
                                         <p:attrNameLst>
                                           <p:attrName>style.visibility</p:attrName>
@@ -9382,13 +10617,44 @@
                                     </p:set>
                                     <p:animEffect transition="in" filter="fade">
                                       <p:cBhvr>
-                                        <p:cTn id="17" dur="500"/>
+                                        <p:cTn id="15" dur="500"/>
                                         <p:tgtEl>
-                                          <p:spTgt spid="2">
-                                            <p:txEl>
-                                              <p:pRg st="4" end="4"/>
-                                            </p:txEl>
-                                          </p:spTgt>
+                                          <p:spTgt spid="7"/>
+                                        </p:tgtEl>
+                                      </p:cBhvr>
+                                    </p:animEffect>
+                                  </p:childTnLst>
+                                </p:cTn>
+                              </p:par>
+                              <p:par>
+                                <p:cTn id="16" presetID="10" presetClass="entr" presetSubtype="0" fill="hold" nodeType="withEffect">
+                                  <p:stCondLst>
+                                    <p:cond delay="0"/>
+                                  </p:stCondLst>
+                                  <p:childTnLst>
+                                    <p:set>
+                                      <p:cBhvr>
+                                        <p:cTn id="17" dur="1" fill="hold">
+                                          <p:stCondLst>
+                                            <p:cond delay="0"/>
+                                          </p:stCondLst>
+                                        </p:cTn>
+                                        <p:tgtEl>
+                                          <p:spTgt spid="4"/>
+                                        </p:tgtEl>
+                                        <p:attrNameLst>
+                                          <p:attrName>style.visibility</p:attrName>
+                                        </p:attrNameLst>
+                                      </p:cBhvr>
+                                      <p:to>
+                                        <p:strVal val="visible"/>
+                                      </p:to>
+                                    </p:set>
+                                    <p:animEffect transition="in" filter="fade">
+                                      <p:cBhvr>
+                                        <p:cTn id="18" dur="500"/>
+                                        <p:tgtEl>
+                                          <p:spTgt spid="4"/>
                                         </p:tgtEl>
                                       </p:cBhvr>
                                     </p:animEffect>
@@ -9426,7 +10692,7 @@
 </p:sld>
 </file>
 
-<file path=ppt/slides/slide8.xml><?xml version="1.0" encoding="utf-8"?>
+<file path=ppt/slides/slide7.xml><?xml version="1.0" encoding="utf-8"?>
 <p:sld xmlns:a="http://schemas.openxmlformats.org/drawingml/2006/main" xmlns:r="http://schemas.openxmlformats.org/officeDocument/2006/relationships" xmlns:p="http://schemas.openxmlformats.org/presentationml/2006/main">
   <p:cSld>
     <p:spTree>
@@ -9445,34 +10711,21 @@
       </p:grpSpPr>
       <p:pic>
         <p:nvPicPr>
-          <p:cNvPr id="8" name="slide8">
-            <a:extLst>
-              <a:ext uri="{FF2B5EF4-FFF2-40B4-BE49-F238E27FC236}">
-                <a16:creationId xmlns:a16="http://schemas.microsoft.com/office/drawing/2014/main" id="{530ABEA4-92A3-4EC4-8D5A-A04EC5341E01}"/>
-              </a:ext>
-            </a:extLst>
-          </p:cNvPr>
+          <p:cNvPr id="4" name="Picture 3"/>
           <p:cNvPicPr>
             <a:picLocks noChangeAspect="1"/>
           </p:cNvPicPr>
           <p:nvPr/>
         </p:nvPicPr>
-        <p:blipFill>
-          <a:blip r:embed="rId2">
-            <a:extLst>
-              <a:ext uri="{28A0092B-C50C-407E-A947-70E740481C1C}">
-                <a14:useLocalDpi xmlns:a14="http://schemas.microsoft.com/office/drawing/2010/main" val="0"/>
-              </a:ext>
-            </a:extLst>
-          </a:blip>
-          <a:stretch>
-            <a:fillRect/>
-          </a:stretch>
+        <p:blipFill rotWithShape="1">
+          <a:blip r:embed="rId2"/>
+          <a:srcRect t="5169" b="3458"/>
+          <a:stretch/>
         </p:blipFill>
         <p:spPr>
           <a:xfrm>
-            <a:off x="357853" y="0"/>
-            <a:ext cx="9086460" cy="6858000"/>
+            <a:off x="385948" y="1158951"/>
+            <a:ext cx="8920884" cy="5263116"/>
           </a:xfrm>
           <a:prstGeom prst="rect">
             <a:avLst/>
@@ -9487,8 +10740,8 @@
         </p:nvSpPr>
         <p:spPr>
           <a:xfrm>
-            <a:off x="8882818" y="518775"/>
-            <a:ext cx="3237459" cy="4185761"/>
+            <a:off x="8882818" y="1236475"/>
+            <a:ext cx="3237459" cy="3754874"/>
           </a:xfrm>
           <a:prstGeom prst="rect">
             <a:avLst/>
@@ -9505,12 +10758,79 @@
               <a:buChar char="•"/>
             </a:pPr>
             <a:r>
+              <a:rPr lang="en-US" sz="1400" b="1" dirty="0" smtClean="0">
+                <a:solidFill>
+                  <a:srgbClr val="24292E"/>
+                </a:solidFill>
+              </a:rPr>
+              <a:t>Highest unit sales:</a:t>
+            </a:r>
+          </a:p>
+          <a:p>
+            <a:pPr marL="800100" lvl="1" indent="-342900">
+              <a:buFont typeface="+mj-lt"/>
+              <a:buAutoNum type="arabicPeriod"/>
+            </a:pPr>
+            <a:r>
+              <a:rPr lang="en-US" sz="1400" b="1" dirty="0" smtClean="0">
+                <a:solidFill>
+                  <a:srgbClr val="24292E"/>
+                </a:solidFill>
+              </a:rPr>
+              <a:t>Grocery I</a:t>
+            </a:r>
+          </a:p>
+          <a:p>
+            <a:pPr marL="800100" lvl="1" indent="-342900">
+              <a:buFont typeface="+mj-lt"/>
+              <a:buAutoNum type="arabicPeriod"/>
+            </a:pPr>
+            <a:r>
+              <a:rPr lang="en-US" sz="1400" b="1" dirty="0" smtClean="0">
+                <a:solidFill>
+                  <a:srgbClr val="24292E"/>
+                </a:solidFill>
+              </a:rPr>
+              <a:t>Beverages</a:t>
+            </a:r>
+          </a:p>
+          <a:p>
+            <a:pPr marL="800100" lvl="1" indent="-342900">
+              <a:buFont typeface="+mj-lt"/>
+              <a:buAutoNum type="arabicPeriod"/>
+            </a:pPr>
+            <a:r>
+              <a:rPr lang="en-US" sz="1400" b="1" dirty="0" smtClean="0">
+                <a:solidFill>
+                  <a:srgbClr val="24292E"/>
+                </a:solidFill>
+              </a:rPr>
+              <a:t>Produce</a:t>
+            </a:r>
+          </a:p>
+          <a:p>
+            <a:pPr marL="800100" lvl="1" indent="-342900">
+              <a:buFont typeface="+mj-lt"/>
+              <a:buAutoNum type="arabicPeriod"/>
+            </a:pPr>
+            <a:endParaRPr lang="en-US" sz="1400" b="1" dirty="0">
+              <a:solidFill>
+                <a:srgbClr val="24292E"/>
+              </a:solidFill>
+            </a:endParaRPr>
+          </a:p>
+          <a:p>
+            <a:pPr marL="285750" indent="-285750">
+              <a:buFont typeface="Arial" panose="020B0604020202020204" pitchFamily="34" charset="0"/>
+              <a:buChar char="•"/>
+            </a:pPr>
+            <a:r>
               <a:rPr lang="en-US" sz="1400" b="1" dirty="0">
                 <a:solidFill>
                   <a:srgbClr val="24292E"/>
                 </a:solidFill>
               </a:rPr>
-              <a:t>Grocery I has the highest unit sales followed by Beverages and Produce, and this trend is kept during the whole </a:t>
+              <a:t>U</a:t>
             </a:r>
             <a:r>
               <a:rPr lang="en-US" sz="1400" b="1" dirty="0" smtClean="0">
@@ -9518,13 +10838,16 @@
                   <a:srgbClr val="24292E"/>
                 </a:solidFill>
               </a:rPr>
-              <a:t>year</a:t>
-            </a:r>
-            <a:endParaRPr lang="en-US" sz="1400" b="1" dirty="0">
-              <a:solidFill>
-                <a:srgbClr val="24292E"/>
-              </a:solidFill>
-            </a:endParaRPr>
+              <a:t>pward </a:t>
+            </a:r>
+            <a:r>
+              <a:rPr lang="en-US" sz="1400" b="1" dirty="0">
+                <a:solidFill>
+                  <a:srgbClr val="24292E"/>
+                </a:solidFill>
+              </a:rPr>
+              <a:t>trend in sales towards the end of the year</a:t>
+            </a:r>
           </a:p>
           <a:p>
             <a:pPr marL="285750" indent="-285750">
@@ -9543,19 +10866,37 @@
               <a:buChar char="•"/>
             </a:pPr>
             <a:r>
+              <a:rPr lang="en-US" sz="1400" b="1" dirty="0" smtClean="0">
+                <a:solidFill>
+                  <a:srgbClr val="24292E"/>
+                </a:solidFill>
+              </a:rPr>
+              <a:t>Monthly </a:t>
+            </a:r>
+            <a:r>
               <a:rPr lang="en-US" sz="1400" b="1" dirty="0">
                 <a:solidFill>
                   <a:srgbClr val="24292E"/>
                 </a:solidFill>
               </a:rPr>
-              <a:t>There is a kind of upward trend in sales towards the end of the year</a:t>
-            </a:r>
-          </a:p>
-          <a:p>
-            <a:pPr marL="285750" indent="-285750">
-              <a:buFont typeface="Arial" panose="020B0604020202020204" pitchFamily="34" charset="0"/>
-              <a:buChar char="•"/>
-            </a:pPr>
+              <a:t>periodic pattern for some item families </a:t>
+            </a:r>
+            <a:r>
+              <a:rPr lang="en-US" sz="1400" b="1" dirty="0">
+                <a:solidFill>
+                  <a:srgbClr val="24292E"/>
+                </a:solidFill>
+              </a:rPr>
+              <a:t>(Grocery </a:t>
+            </a:r>
+            <a:r>
+              <a:rPr lang="en-US" sz="1400" b="1" dirty="0" smtClean="0">
+                <a:solidFill>
+                  <a:srgbClr val="24292E"/>
+                </a:solidFill>
+              </a:rPr>
+              <a:t>I, Beverages, Produce)</a:t>
+            </a:r>
             <a:endParaRPr lang="en-US" sz="1400" b="1" dirty="0">
               <a:solidFill>
                 <a:srgbClr val="24292E"/>
@@ -9567,21 +10908,24 @@
               <a:buFont typeface="Arial" panose="020B0604020202020204" pitchFamily="34" charset="0"/>
               <a:buChar char="•"/>
             </a:pPr>
-            <a:r>
-              <a:rPr lang="en-US" sz="1400" b="1" dirty="0">
-                <a:solidFill>
-                  <a:srgbClr val="24292E"/>
-                </a:solidFill>
-              </a:rPr>
-              <a:t>A pronounced monthly periodic pattern for some item families (Grocery I, Beverages, and Produce</a:t>
-            </a:r>
+            <a:endParaRPr lang="en-US" sz="1400" b="1" dirty="0" smtClean="0">
+              <a:solidFill>
+                <a:srgbClr val="24292E"/>
+              </a:solidFill>
+            </a:endParaRPr>
+          </a:p>
+          <a:p>
+            <a:pPr marL="285750" indent="-285750">
+              <a:buFont typeface="Arial" panose="020B0604020202020204" pitchFamily="34" charset="0"/>
+              <a:buChar char="•"/>
+            </a:pPr>
             <a:r>
               <a:rPr lang="en-US" sz="1400" b="1" dirty="0" smtClean="0">
                 <a:solidFill>
                   <a:srgbClr val="24292E"/>
                 </a:solidFill>
               </a:rPr>
-              <a:t>)</a:t>
+              <a:t>Almost 63.7% of the whole sales coming from : Grocery I, Beverages, and Produce</a:t>
             </a:r>
           </a:p>
           <a:p>
@@ -9589,80 +10933,13 @@
               <a:buFont typeface="Arial" panose="020B0604020202020204" pitchFamily="34" charset="0"/>
               <a:buChar char="•"/>
             </a:pPr>
-            <a:endParaRPr lang="en-US" sz="1400" b="1" dirty="0">
+            <a:endParaRPr lang="en-US" sz="1400" b="1" dirty="0" smtClean="0">
               <a:solidFill>
                 <a:srgbClr val="24292E"/>
               </a:solidFill>
             </a:endParaRPr>
           </a:p>
           <a:p>
-            <a:pPr marL="285750" indent="-285750">
-              <a:buFont typeface="Arial" panose="020B0604020202020204" pitchFamily="34" charset="0"/>
-              <a:buChar char="•"/>
-            </a:pPr>
-            <a:r>
-              <a:rPr lang="en-US" sz="1400" b="1" dirty="0">
-                <a:solidFill>
-                  <a:srgbClr val="24292E"/>
-                </a:solidFill>
-              </a:rPr>
-              <a:t>Almost </a:t>
-            </a:r>
-            <a:r>
-              <a:rPr lang="en-US" sz="1400" b="1" dirty="0" smtClean="0">
-                <a:solidFill>
-                  <a:srgbClr val="24292E"/>
-                </a:solidFill>
-              </a:rPr>
-              <a:t>63.7% of the whole sales coming from : </a:t>
-            </a:r>
-            <a:r>
-              <a:rPr lang="en-US" sz="1400" b="1" dirty="0">
-                <a:solidFill>
-                  <a:srgbClr val="24292E"/>
-                </a:solidFill>
-              </a:rPr>
-              <a:t>Grocery I, Beverages, and </a:t>
-            </a:r>
-            <a:r>
-              <a:rPr lang="en-US" sz="1400" b="1" dirty="0" smtClean="0">
-                <a:solidFill>
-                  <a:srgbClr val="24292E"/>
-                </a:solidFill>
-              </a:rPr>
-              <a:t>Produce</a:t>
-            </a:r>
-          </a:p>
-          <a:p>
-            <a:pPr marL="285750" indent="-285750">
-              <a:buFont typeface="Arial" panose="020B0604020202020204" pitchFamily="34" charset="0"/>
-              <a:buChar char="•"/>
-            </a:pPr>
-            <a:endParaRPr lang="en-US" sz="1400" b="1" dirty="0">
-              <a:solidFill>
-                <a:srgbClr val="24292E"/>
-              </a:solidFill>
-            </a:endParaRPr>
-          </a:p>
-          <a:p>
-            <a:pPr marL="285750" indent="-285750">
-              <a:buFont typeface="Arial" panose="020B0604020202020204" pitchFamily="34" charset="0"/>
-              <a:buChar char="•"/>
-            </a:pPr>
-            <a:r>
-              <a:rPr lang="en-US" sz="1400" b="1" dirty="0">
-                <a:solidFill>
-                  <a:srgbClr val="24292E"/>
-                </a:solidFill>
-              </a:rPr>
-              <a:t>The percentages for most families do not change a lot across the year </a:t>
-            </a:r>
-          </a:p>
-          <a:p>
-            <a:pPr marL="285750" indent="-285750">
-              <a:buFont typeface="Arial" panose="020B0604020202020204" pitchFamily="34" charset="0"/>
-              <a:buChar char="•"/>
-            </a:pPr>
             <a:endParaRPr lang="en-US" sz="1400" b="1" dirty="0">
               <a:solidFill>
                 <a:srgbClr val="24292E"/>
@@ -9688,7 +10965,7 @@
           <a:p>
             <a:fld id="{5B03D32D-F1BC-4E9C-97E1-36CFF5B22341}" type="slidenum">
               <a:rPr lang="en-US" smtClean="0"/>
-              <a:t>8</a:t>
+              <a:t>7</a:t>
             </a:fld>
             <a:endParaRPr lang="en-US"/>
           </a:p>
@@ -9734,6 +11011,56 @@
                 </a:schemeClr>
               </a:solidFill>
             </a:endParaRPr>
+          </a:p>
+        </p:txBody>
+      </p:sp>
+      <p:sp>
+        <p:nvSpPr>
+          <p:cNvPr id="7" name="Title 1"/>
+          <p:cNvSpPr txBox="1">
+            <a:spLocks/>
+          </p:cNvSpPr>
+          <p:nvPr/>
+        </p:nvSpPr>
+        <p:spPr>
+          <a:xfrm>
+            <a:off x="786810" y="365125"/>
+            <a:ext cx="10566990" cy="490989"/>
+          </a:xfrm>
+          <a:prstGeom prst="rect">
+            <a:avLst/>
+          </a:prstGeom>
+        </p:spPr>
+        <p:txBody>
+          <a:bodyPr vert="horz" lIns="91440" tIns="45720" rIns="91440" bIns="45720" rtlCol="0" anchor="b">
+            <a:normAutofit fontScale="55000" lnSpcReduction="20000"/>
+          </a:bodyPr>
+          <a:lstStyle>
+            <a:lvl1pPr algn="ctr" defTabSz="914400" rtl="0" eaLnBrk="1" latinLnBrk="0" hangingPunct="1">
+              <a:lnSpc>
+                <a:spcPct val="90000"/>
+              </a:lnSpc>
+              <a:spcBef>
+                <a:spcPct val="0"/>
+              </a:spcBef>
+              <a:buNone/>
+              <a:defRPr sz="6000" kern="1200">
+                <a:solidFill>
+                  <a:schemeClr val="tx1"/>
+                </a:solidFill>
+                <a:latin typeface="+mj-lt"/>
+                <a:ea typeface="+mj-ea"/>
+                <a:cs typeface="+mj-cs"/>
+              </a:defRPr>
+            </a:lvl1pPr>
+          </a:lstStyle>
+          <a:p>
+            <a:pPr algn="l"/>
+            <a:r>
+              <a:rPr lang="en-US" b="1" dirty="0" smtClean="0"/>
+              <a:t>Total unit sale over four years for item families</a:t>
+            </a:r>
+            <a:endParaRPr lang="en-AU" dirty="0"/>
           </a:p>
         </p:txBody>
       </p:sp>
@@ -9844,7 +11171,7 @@
                                         <p:tgtEl>
                                           <p:spTgt spid="2">
                                             <p:txEl>
-                                              <p:pRg st="2" end="2"/>
+                                              <p:pRg st="1" end="1"/>
                                             </p:txEl>
                                           </p:spTgt>
                                         </p:tgtEl>
@@ -9862,7 +11189,7 @@
                                         <p:tgtEl>
                                           <p:spTgt spid="2">
                                             <p:txEl>
-                                              <p:pRg st="2" end="2"/>
+                                              <p:pRg st="1" end="1"/>
                                             </p:txEl>
                                           </p:spTgt>
                                         </p:tgtEl>
@@ -9905,7 +11232,7 @@
                                         <p:tgtEl>
                                           <p:spTgt spid="2">
                                             <p:txEl>
-                                              <p:pRg st="4" end="4"/>
+                                              <p:pRg st="2" end="2"/>
                                             </p:txEl>
                                           </p:spTgt>
                                         </p:tgtEl>
@@ -9923,7 +11250,7 @@
                                         <p:tgtEl>
                                           <p:spTgt spid="2">
                                             <p:txEl>
-                                              <p:pRg st="4" end="4"/>
+                                              <p:pRg st="2" end="2"/>
                                             </p:txEl>
                                           </p:spTgt>
                                         </p:tgtEl>
@@ -9966,7 +11293,7 @@
                                         <p:tgtEl>
                                           <p:spTgt spid="2">
                                             <p:txEl>
-                                              <p:pRg st="6" end="6"/>
+                                              <p:pRg st="3" end="3"/>
                                             </p:txEl>
                                           </p:spTgt>
                                         </p:tgtEl>
@@ -9984,7 +11311,7 @@
                                         <p:tgtEl>
                                           <p:spTgt spid="2">
                                             <p:txEl>
-                                              <p:pRg st="6" end="6"/>
+                                              <p:pRg st="3" end="3"/>
                                             </p:txEl>
                                           </p:spTgt>
                                         </p:tgtEl>
@@ -10027,7 +11354,7 @@
                                         <p:tgtEl>
                                           <p:spTgt spid="2">
                                             <p:txEl>
-                                              <p:pRg st="8" end="8"/>
+                                              <p:pRg st="5" end="5"/>
                                             </p:txEl>
                                           </p:spTgt>
                                         </p:tgtEl>
@@ -10045,7 +11372,129 @@
                                         <p:tgtEl>
                                           <p:spTgt spid="2">
                                             <p:txEl>
-                                              <p:pRg st="8" end="8"/>
+                                              <p:pRg st="5" end="5"/>
+                                            </p:txEl>
+                                          </p:spTgt>
+                                        </p:tgtEl>
+                                      </p:cBhvr>
+                                    </p:animEffect>
+                                  </p:childTnLst>
+                                </p:cTn>
+                              </p:par>
+                            </p:childTnLst>
+                          </p:cTn>
+                        </p:par>
+                      </p:childTnLst>
+                    </p:cTn>
+                  </p:par>
+                  <p:par>
+                    <p:cTn id="28" fill="hold">
+                      <p:stCondLst>
+                        <p:cond delay="indefinite"/>
+                      </p:stCondLst>
+                      <p:childTnLst>
+                        <p:par>
+                          <p:cTn id="29" fill="hold">
+                            <p:stCondLst>
+                              <p:cond delay="0"/>
+                            </p:stCondLst>
+                            <p:childTnLst>
+                              <p:par>
+                                <p:cTn id="30" presetID="10" presetClass="entr" presetSubtype="0" fill="hold" nodeType="clickEffect">
+                                  <p:stCondLst>
+                                    <p:cond delay="0"/>
+                                  </p:stCondLst>
+                                  <p:childTnLst>
+                                    <p:set>
+                                      <p:cBhvr>
+                                        <p:cTn id="31" dur="1" fill="hold">
+                                          <p:stCondLst>
+                                            <p:cond delay="0"/>
+                                          </p:stCondLst>
+                                        </p:cTn>
+                                        <p:tgtEl>
+                                          <p:spTgt spid="2">
+                                            <p:txEl>
+                                              <p:pRg st="7" end="7"/>
+                                            </p:txEl>
+                                          </p:spTgt>
+                                        </p:tgtEl>
+                                        <p:attrNameLst>
+                                          <p:attrName>style.visibility</p:attrName>
+                                        </p:attrNameLst>
+                                      </p:cBhvr>
+                                      <p:to>
+                                        <p:strVal val="visible"/>
+                                      </p:to>
+                                    </p:set>
+                                    <p:animEffect transition="in" filter="fade">
+                                      <p:cBhvr>
+                                        <p:cTn id="32" dur="500"/>
+                                        <p:tgtEl>
+                                          <p:spTgt spid="2">
+                                            <p:txEl>
+                                              <p:pRg st="7" end="7"/>
+                                            </p:txEl>
+                                          </p:spTgt>
+                                        </p:tgtEl>
+                                      </p:cBhvr>
+                                    </p:animEffect>
+                                  </p:childTnLst>
+                                </p:cTn>
+                              </p:par>
+                            </p:childTnLst>
+                          </p:cTn>
+                        </p:par>
+                      </p:childTnLst>
+                    </p:cTn>
+                  </p:par>
+                  <p:par>
+                    <p:cTn id="33" fill="hold">
+                      <p:stCondLst>
+                        <p:cond delay="indefinite"/>
+                      </p:stCondLst>
+                      <p:childTnLst>
+                        <p:par>
+                          <p:cTn id="34" fill="hold">
+                            <p:stCondLst>
+                              <p:cond delay="0"/>
+                            </p:stCondLst>
+                            <p:childTnLst>
+                              <p:par>
+                                <p:cTn id="35" presetID="10" presetClass="entr" presetSubtype="0" fill="hold" nodeType="clickEffect">
+                                  <p:stCondLst>
+                                    <p:cond delay="0"/>
+                                  </p:stCondLst>
+                                  <p:childTnLst>
+                                    <p:set>
+                                      <p:cBhvr>
+                                        <p:cTn id="36" dur="1" fill="hold">
+                                          <p:stCondLst>
+                                            <p:cond delay="0"/>
+                                          </p:stCondLst>
+                                        </p:cTn>
+                                        <p:tgtEl>
+                                          <p:spTgt spid="2">
+                                            <p:txEl>
+                                              <p:pRg st="9" end="9"/>
+                                            </p:txEl>
+                                          </p:spTgt>
+                                        </p:tgtEl>
+                                        <p:attrNameLst>
+                                          <p:attrName>style.visibility</p:attrName>
+                                        </p:attrNameLst>
+                                      </p:cBhvr>
+                                      <p:to>
+                                        <p:strVal val="visible"/>
+                                      </p:to>
+                                    </p:set>
+                                    <p:animEffect transition="in" filter="fade">
+                                      <p:cBhvr>
+                                        <p:cTn id="37" dur="500"/>
+                                        <p:tgtEl>
+                                          <p:spTgt spid="2">
+                                            <p:txEl>
+                                              <p:pRg st="9" end="9"/>
                                             </p:txEl>
                                           </p:spTgt>
                                         </p:tgtEl>
@@ -10085,7 +11534,7 @@
 </p:sld>
 </file>
 
-<file path=ppt/slides/slide9.xml><?xml version="1.0" encoding="utf-8"?>
+<file path=ppt/slides/slide8.xml><?xml version="1.0" encoding="utf-8"?>
 <p:sld xmlns:a="http://schemas.openxmlformats.org/drawingml/2006/main" xmlns:r="http://schemas.openxmlformats.org/officeDocument/2006/relationships" xmlns:p="http://schemas.openxmlformats.org/presentationml/2006/main">
   <p:cSld>
     <p:spTree>
@@ -10146,7 +11595,7 @@
         <p:spPr>
           <a:xfrm>
             <a:off x="519055" y="113715"/>
-            <a:ext cx="6096000" cy="369332"/>
+            <a:ext cx="6096000" cy="461665"/>
           </a:xfrm>
           <a:prstGeom prst="rect">
             <a:avLst/>
@@ -10159,15 +11608,33 @@
           <a:lstStyle/>
           <a:p>
             <a:r>
-              <a:rPr lang="en-US" dirty="0" smtClean="0">
+              <a:rPr lang="en-US" sz="2400" dirty="0" smtClean="0">
                 <a:solidFill>
                   <a:srgbClr val="24292E"/>
                 </a:solidFill>
                 <a:latin typeface="-apple-system"/>
               </a:rPr>
-              <a:t>Promotion increased the sales</a:t>
-            </a:r>
-            <a:endParaRPr lang="en-AU" dirty="0"/>
+              <a:t>Does promotion increase </a:t>
+            </a:r>
+            <a:r>
+              <a:rPr lang="en-US" sz="2400" dirty="0" smtClean="0">
+                <a:solidFill>
+                  <a:srgbClr val="24292E"/>
+                </a:solidFill>
+                <a:latin typeface="-apple-system"/>
+              </a:rPr>
+              <a:t>the </a:t>
+            </a:r>
+            <a:r>
+              <a:rPr lang="en-US" sz="2400" dirty="0" smtClean="0">
+                <a:solidFill>
+                  <a:srgbClr val="24292E"/>
+                </a:solidFill>
+                <a:latin typeface="-apple-system"/>
+              </a:rPr>
+              <a:t>sales?</a:t>
+            </a:r>
+            <a:endParaRPr lang="en-AU" sz="2400" dirty="0"/>
           </a:p>
         </p:txBody>
       </p:sp>
@@ -10211,7 +11678,7 @@
           <a:p>
             <a:fld id="{5B03D32D-F1BC-4E9C-97E1-36CFF5B22341}" type="slidenum">
               <a:rPr lang="en-US" smtClean="0"/>
-              <a:t>9</a:t>
+              <a:t>8</a:t>
             </a:fld>
             <a:endParaRPr lang="en-US"/>
           </a:p>
@@ -10350,6 +11817,284 @@
             </p:seq>
           </p:childTnLst>
         </p:cTn>
+      </p:par>
+    </p:tnLst>
+  </p:timing>
+</p:sld>
+</file>
+
+<file path=ppt/slides/slide9.xml><?xml version="1.0" encoding="utf-8"?>
+<p:sld xmlns:a="http://schemas.openxmlformats.org/drawingml/2006/main" xmlns:r="http://schemas.openxmlformats.org/officeDocument/2006/relationships" xmlns:p="http://schemas.openxmlformats.org/presentationml/2006/main">
+  <p:cSld>
+    <p:spTree>
+      <p:nvGrpSpPr>
+        <p:cNvPr id="1" name=""/>
+        <p:cNvGrpSpPr/>
+        <p:nvPr/>
+      </p:nvGrpSpPr>
+      <p:grpSpPr>
+        <a:xfrm>
+          <a:off x="0" y="0"/>
+          <a:ext cx="0" cy="0"/>
+          <a:chOff x="0" y="0"/>
+          <a:chExt cx="0" cy="0"/>
+        </a:xfrm>
+      </p:grpSpPr>
+      <p:pic>
+        <p:nvPicPr>
+          <p:cNvPr id="11" name="slide11">
+            <a:extLst>
+              <a:ext uri="{FF2B5EF4-FFF2-40B4-BE49-F238E27FC236}">
+                <a16:creationId xmlns:a16="http://schemas.microsoft.com/office/drawing/2014/main" id="{4D15D47F-C58E-49EB-9281-6980DE0BFDAF}"/>
+              </a:ext>
+            </a:extLst>
+          </p:cNvPr>
+          <p:cNvPicPr>
+            <a:picLocks noChangeAspect="1"/>
+          </p:cNvPicPr>
+          <p:nvPr/>
+        </p:nvPicPr>
+        <p:blipFill rotWithShape="1">
+          <a:blip r:embed="rId2">
+            <a:extLst>
+              <a:ext uri="{28A0092B-C50C-407E-A947-70E740481C1C}">
+                <a14:useLocalDpi xmlns:a14="http://schemas.microsoft.com/office/drawing/2010/main" val="0"/>
+              </a:ext>
+            </a:extLst>
+          </a:blip>
+          <a:srcRect t="5185"/>
+          <a:stretch/>
+        </p:blipFill>
+        <p:spPr>
+          <a:xfrm>
+            <a:off x="1828632" y="822888"/>
+            <a:ext cx="9330238" cy="5786945"/>
+          </a:xfrm>
+          <a:prstGeom prst="rect">
+            <a:avLst/>
+          </a:prstGeom>
+        </p:spPr>
+      </p:pic>
+      <p:sp>
+        <p:nvSpPr>
+          <p:cNvPr id="2" name="Rectangle 1"/>
+          <p:cNvSpPr/>
+          <p:nvPr/>
+        </p:nvSpPr>
+        <p:spPr>
+          <a:xfrm>
+            <a:off x="552725" y="822888"/>
+            <a:ext cx="3159760" cy="923330"/>
+          </a:xfrm>
+          <a:prstGeom prst="rect">
+            <a:avLst/>
+          </a:prstGeom>
+        </p:spPr>
+        <p:txBody>
+          <a:bodyPr wrap="square">
+            <a:spAutoFit/>
+          </a:bodyPr>
+          <a:lstStyle/>
+          <a:p>
+            <a:r>
+              <a:rPr lang="en-US" dirty="0" smtClean="0">
+                <a:solidFill>
+                  <a:srgbClr val="24292E"/>
+                </a:solidFill>
+                <a:latin typeface="-apple-system"/>
+              </a:rPr>
+              <a:t>The</a:t>
+            </a:r>
+            <a:r>
+              <a:rPr lang="en-US" dirty="0">
+                <a:solidFill>
+                  <a:srgbClr val="24292E"/>
+                </a:solidFill>
+                <a:latin typeface="-apple-system"/>
+              </a:rPr>
+              <a:t> </a:t>
+            </a:r>
+            <a:r>
+              <a:rPr lang="en-US" i="1" dirty="0">
+                <a:solidFill>
+                  <a:srgbClr val="24292E"/>
+                </a:solidFill>
+                <a:latin typeface="-apple-system"/>
+              </a:rPr>
+              <a:t>geographical </a:t>
+            </a:r>
+            <a:r>
+              <a:rPr lang="en-US" i="1" dirty="0" smtClean="0">
+                <a:solidFill>
+                  <a:srgbClr val="24292E"/>
+                </a:solidFill>
+                <a:latin typeface="-apple-system"/>
+              </a:rPr>
+              <a:t>location does not affect the sales </a:t>
+            </a:r>
+            <a:r>
+              <a:rPr lang="en-US" i="1" dirty="0" smtClean="0">
+                <a:solidFill>
+                  <a:srgbClr val="24292E"/>
+                </a:solidFill>
+                <a:latin typeface="-apple-system"/>
+              </a:rPr>
+              <a:t>much</a:t>
+            </a:r>
+            <a:r>
+              <a:rPr lang="en-US" dirty="0" smtClean="0">
+                <a:solidFill>
+                  <a:srgbClr val="24292E"/>
+                </a:solidFill>
+                <a:latin typeface="-apple-system"/>
+              </a:rPr>
+              <a:t>.</a:t>
+            </a:r>
+            <a:r>
+              <a:rPr lang="en-US" dirty="0">
+                <a:solidFill>
+                  <a:srgbClr val="24292E"/>
+                </a:solidFill>
+                <a:latin typeface="-apple-system"/>
+              </a:rPr>
+              <a:t> </a:t>
+            </a:r>
+            <a:endParaRPr lang="en-AU" dirty="0"/>
+          </a:p>
+        </p:txBody>
+      </p:sp>
+      <p:sp>
+        <p:nvSpPr>
+          <p:cNvPr id="3" name="Rectangle 2"/>
+          <p:cNvSpPr/>
+          <p:nvPr/>
+        </p:nvSpPr>
+        <p:spPr>
+          <a:xfrm>
+            <a:off x="388171" y="0"/>
+            <a:ext cx="7015570" cy="461665"/>
+          </a:xfrm>
+          <a:prstGeom prst="rect">
+            <a:avLst/>
+          </a:prstGeom>
+        </p:spPr>
+        <p:txBody>
+          <a:bodyPr wrap="square">
+            <a:spAutoFit/>
+          </a:bodyPr>
+          <a:lstStyle/>
+          <a:p>
+            <a:r>
+              <a:rPr lang="en-US" sz="2400" dirty="0">
+                <a:solidFill>
+                  <a:srgbClr val="24292E"/>
+                </a:solidFill>
+                <a:latin typeface="-apple-system"/>
+              </a:rPr>
+              <a:t>G</a:t>
+            </a:r>
+            <a:r>
+              <a:rPr lang="en-US" sz="2400" dirty="0" smtClean="0">
+                <a:solidFill>
+                  <a:srgbClr val="24292E"/>
+                </a:solidFill>
+                <a:latin typeface="-apple-system"/>
+              </a:rPr>
+              <a:t>eographical </a:t>
+            </a:r>
+            <a:r>
+              <a:rPr lang="en-US" sz="2400" dirty="0">
+                <a:solidFill>
+                  <a:srgbClr val="24292E"/>
+                </a:solidFill>
+                <a:latin typeface="-apple-system"/>
+              </a:rPr>
+              <a:t>dependency of unit sales.</a:t>
+            </a:r>
+            <a:endParaRPr lang="en-AU" sz="2400" dirty="0"/>
+          </a:p>
+        </p:txBody>
+      </p:sp>
+      <p:sp>
+        <p:nvSpPr>
+          <p:cNvPr id="4" name="Slide Number Placeholder 3"/>
+          <p:cNvSpPr>
+            <a:spLocks noGrp="1"/>
+          </p:cNvSpPr>
+          <p:nvPr>
+            <p:ph type="sldNum" sz="quarter" idx="12"/>
+          </p:nvPr>
+        </p:nvSpPr>
+        <p:spPr/>
+        <p:txBody>
+          <a:bodyPr/>
+          <a:lstStyle/>
+          <a:p>
+            <a:fld id="{5B03D32D-F1BC-4E9C-97E1-36CFF5B22341}" type="slidenum">
+              <a:rPr lang="en-US" smtClean="0"/>
+              <a:t>9</a:t>
+            </a:fld>
+            <a:endParaRPr lang="en-US"/>
+          </a:p>
+        </p:txBody>
+      </p:sp>
+      <p:sp>
+        <p:nvSpPr>
+          <p:cNvPr id="6" name="TextBox 5"/>
+          <p:cNvSpPr txBox="1"/>
+          <p:nvPr/>
+        </p:nvSpPr>
+        <p:spPr>
+          <a:xfrm rot="16200000">
+            <a:off x="-1304372" y="1243106"/>
+            <a:ext cx="2916518" cy="307777"/>
+          </a:xfrm>
+          <a:prstGeom prst="rect">
+            <a:avLst/>
+          </a:prstGeom>
+          <a:noFill/>
+        </p:spPr>
+        <p:txBody>
+          <a:bodyPr wrap="square" rtlCol="0">
+            <a:spAutoFit/>
+          </a:bodyPr>
+          <a:lstStyle/>
+          <a:p>
+            <a:pPr algn="r"/>
+            <a:r>
+              <a:rPr lang="en-AU" sz="1400" b="1" spc="600" dirty="0" smtClean="0">
+                <a:solidFill>
+                  <a:schemeClr val="bg1">
+                    <a:lumMod val="65000"/>
+                  </a:schemeClr>
+                </a:solidFill>
+              </a:rPr>
+              <a:t>Data visualization</a:t>
+            </a:r>
+            <a:endParaRPr lang="en-AU" sz="1400" b="1" spc="600" dirty="0">
+              <a:solidFill>
+                <a:schemeClr val="bg1">
+                  <a:lumMod val="65000"/>
+                </a:schemeClr>
+              </a:solidFill>
+            </a:endParaRPr>
+          </a:p>
+        </p:txBody>
+      </p:sp>
+    </p:spTree>
+    <p:extLst>
+      <p:ext uri="{BB962C8B-B14F-4D97-AF65-F5344CB8AC3E}">
+        <p14:creationId xmlns:p14="http://schemas.microsoft.com/office/powerpoint/2010/main" val="95992585"/>
+      </p:ext>
+    </p:extLst>
+  </p:cSld>
+  <p:clrMapOvr>
+    <a:masterClrMapping/>
+  </p:clrMapOvr>
+  <p:timing>
+    <p:tnLst>
+      <p:par>
+        <p:cTn id="1" dur="indefinite" restart="never" nodeType="tmRoot"/>
       </p:par>
     </p:tnLst>
   </p:timing>

--- a/visualizations_and_ppt/cl_test_presentation.pptx
+++ b/visualizations_and_ppt/cl_test_presentation.pptx
@@ -3764,15 +3764,7 @@
           <a:p>
             <a:r>
               <a:rPr lang="en-AU" dirty="0" smtClean="0"/>
-              <a:t>Unit sales </a:t>
-            </a:r>
-            <a:r>
-              <a:rPr lang="en-AU" dirty="0" smtClean="0"/>
-              <a:t>prediction for </a:t>
-            </a:r>
-            <a:r>
-              <a:rPr lang="en-AU" dirty="0" smtClean="0"/>
-              <a:t/>
+              <a:t>Unit sales prediction for </a:t>
             </a:r>
             <a:br>
               <a:rPr lang="en-AU" dirty="0" smtClean="0"/>
@@ -3975,7 +3967,6 @@
               <a:rPr lang="en-US" b="1" dirty="0" smtClean="0"/>
               <a:t>Prediction method</a:t>
             </a:r>
-            <a:endParaRPr lang="en-US" b="1" dirty="0" smtClean="0"/>
           </a:p>
           <a:p>
             <a:pPr lvl="1"/>
@@ -6772,15 +6763,7 @@
             </a:pPr>
             <a:r>
               <a:rPr lang="en-US" b="1" dirty="0" smtClean="0"/>
-              <a:t>Ther</a:t>
-            </a:r>
-            <a:r>
-              <a:rPr lang="en-US" b="1" dirty="0" smtClean="0"/>
-              <a:t>e’s a s</a:t>
-            </a:r>
-            <a:r>
-              <a:rPr lang="en-US" b="1" dirty="0" smtClean="0"/>
-              <a:t>mall</a:t>
+              <a:t>There’s a small</a:t>
             </a:r>
             <a:r>
               <a:rPr lang="en-US" b="1" dirty="0"/>
@@ -6796,15 +6779,7 @@
             </a:r>
             <a:r>
               <a:rPr lang="en-US" b="1" dirty="0" smtClean="0"/>
-              <a:t>during a</a:t>
-            </a:r>
-            <a:r>
-              <a:rPr lang="en-US" b="1" dirty="0" smtClean="0"/>
-              <a:t> year </a:t>
-            </a:r>
-            <a:r>
-              <a:rPr lang="en-US" b="1" dirty="0" smtClean="0"/>
-              <a:t>aligned </a:t>
+              <a:t>during a year aligned </a:t>
             </a:r>
             <a:r>
               <a:rPr lang="en-US" b="1" dirty="0"/>
@@ -6812,15 +6787,7 @@
             </a:r>
             <a:r>
               <a:rPr lang="en-US" b="1" dirty="0" smtClean="0"/>
-              <a:t>of months (salaries are </a:t>
-            </a:r>
-            <a:r>
-              <a:rPr lang="en-US" b="1" dirty="0" smtClean="0"/>
-              <a:t>paid and </a:t>
-            </a:r>
-            <a:r>
-              <a:rPr lang="en-US" b="1" dirty="0" smtClean="0"/>
-              <a:t>sales increased).</a:t>
+              <a:t>of months (salaries are paid and sales increased).</a:t>
             </a:r>
           </a:p>
           <a:p>
@@ -6837,31 +6804,7 @@
             </a:pPr>
             <a:r>
               <a:rPr lang="en-US" b="1" dirty="0" smtClean="0"/>
-              <a:t>Oil </a:t>
-            </a:r>
-            <a:r>
-              <a:rPr lang="en-US" b="1" dirty="0" smtClean="0"/>
-              <a:t>price doesn’t seem to affect the </a:t>
-            </a:r>
-            <a:r>
-              <a:rPr lang="en-US" b="1" dirty="0" smtClean="0"/>
-              <a:t>sales </a:t>
-            </a:r>
-            <a:r>
-              <a:rPr lang="en-US" b="1" dirty="0" smtClean="0"/>
-              <a:t>that much </a:t>
-            </a:r>
-            <a:r>
-              <a:rPr lang="en-US" b="1" dirty="0" smtClean="0"/>
-              <a:t>(at </a:t>
-            </a:r>
-            <a:r>
-              <a:rPr lang="en-US" b="1" dirty="0" smtClean="0"/>
-              <a:t>least </a:t>
-            </a:r>
-            <a:r>
-              <a:rPr lang="en-US" b="1" dirty="0" smtClean="0"/>
-              <a:t>visually)</a:t>
+              <a:t>Oil price doesn’t seem to affect the sales that much (at least visually)</a:t>
             </a:r>
             <a:endParaRPr lang="en-AU" b="1" dirty="0"/>
           </a:p>
@@ -7866,39 +7809,7 @@
                   <a:schemeClr val="tx1"/>
                 </a:solidFill>
               </a:rPr>
-              <a:t>Quito, has 18 </a:t>
-            </a:r>
-            <a:r>
-              <a:rPr lang="en-US" sz="1400" dirty="0" smtClean="0">
-                <a:solidFill>
-                  <a:schemeClr val="tx1"/>
-                </a:solidFill>
-              </a:rPr>
-              <a:t>stores </a:t>
-            </a:r>
-            <a:r>
-              <a:rPr lang="en-US" sz="1400" dirty="0" smtClean="0">
-                <a:solidFill>
-                  <a:schemeClr val="tx1"/>
-                </a:solidFill>
-              </a:rPr>
-              <a:t>(34% of the </a:t>
-            </a:r>
-            <a:r>
-              <a:rPr lang="en-US" sz="1400" dirty="0" smtClean="0">
-                <a:solidFill>
-                  <a:schemeClr val="tx1"/>
-                </a:solidFill>
-              </a:rPr>
-              <a:t>total  </a:t>
-            </a:r>
-            <a:r>
-              <a:rPr lang="en-US" sz="1400" dirty="0" smtClean="0">
-                <a:solidFill>
-                  <a:schemeClr val="tx1"/>
-                </a:solidFill>
-              </a:rPr>
-              <a:t>stores). </a:t>
+              <a:t>Quito, has 18 stores (34% of the total  stores). </a:t>
             </a:r>
           </a:p>
           <a:p>
@@ -8428,12 +8339,6 @@
               </a:rPr>
               <a:t>Data</a:t>
             </a:r>
-            <a:endParaRPr lang="en-US" altLang="en-US" sz="2000" b="1" dirty="0" smtClean="0">
-              <a:solidFill>
-                <a:srgbClr val="24292E"/>
-              </a:solidFill>
-              <a:latin typeface="+mn-lt"/>
-            </a:endParaRPr>
           </a:p>
           <a:p>
             <a:pPr lvl="0"/>
@@ -8470,16 +8375,7 @@
                 </a:solidFill>
                 <a:latin typeface="+mn-lt"/>
               </a:rPr>
-              <a:t>of</a:t>
-            </a:r>
-            <a:r>
-              <a:rPr lang="en-US" altLang="en-US" sz="2000" dirty="0" smtClean="0">
-                <a:solidFill>
-                  <a:srgbClr val="24292E"/>
-                </a:solidFill>
-                <a:latin typeface="+mn-lt"/>
-              </a:rPr>
-              <a:t> </a:t>
+              <a:t>of </a:t>
             </a:r>
             <a:r>
               <a:rPr lang="en-AU" sz="2000" dirty="0" err="1">
@@ -8524,16 +8420,7 @@
                 </a:solidFill>
                 <a:latin typeface="+mn-lt"/>
               </a:rPr>
-              <a:t>2013 </a:t>
-            </a:r>
-            <a:r>
-              <a:rPr lang="en-US" altLang="en-US" sz="2000" dirty="0">
-                <a:solidFill>
-                  <a:srgbClr val="24292E"/>
-                </a:solidFill>
-                <a:latin typeface="+mn-lt"/>
-              </a:rPr>
-              <a:t>-</a:t>
+              <a:t>2013 -</a:t>
             </a:r>
             <a:r>
               <a:rPr lang="en-US" altLang="en-US" sz="2000" dirty="0" smtClean="0">
@@ -9214,15 +9101,7 @@
                   <a:schemeClr val="tx1"/>
                 </a:solidFill>
               </a:rPr>
-              <a:t> have </a:t>
-            </a:r>
-            <a:r>
-              <a:rPr lang="en-US" sz="1400" dirty="0" smtClean="0">
-                <a:solidFill>
-                  <a:schemeClr val="tx1"/>
-                </a:solidFill>
-              </a:rPr>
-              <a:t>significantly </a:t>
+              <a:t> have significantly </a:t>
             </a:r>
             <a:r>
               <a:rPr lang="en-US" sz="1400" dirty="0">
@@ -9238,15 +9117,7 @@
                   <a:schemeClr val="tx1"/>
                 </a:solidFill>
               </a:rPr>
-              <a:t>unit sales </a:t>
-            </a:r>
-            <a:r>
-              <a:rPr lang="en-US" sz="1400" dirty="0" smtClean="0">
-                <a:solidFill>
-                  <a:schemeClr val="tx1"/>
-                </a:solidFill>
-              </a:rPr>
-              <a:t>(</a:t>
+              <a:t>unit sales (</a:t>
             </a:r>
             <a:r>
               <a:rPr lang="en-US" sz="1400" b="1" dirty="0" smtClean="0">
@@ -9270,15 +9141,7 @@
                   <a:schemeClr val="tx1"/>
                 </a:solidFill>
               </a:rPr>
-              <a:t>Guayas </a:t>
-            </a:r>
-            <a:r>
-              <a:rPr lang="en-US" sz="1400" b="1" dirty="0" smtClean="0">
-                <a:solidFill>
-                  <a:schemeClr val="tx1"/>
-                </a:solidFill>
-              </a:rPr>
-              <a:t>with 15.84%, </a:t>
+              <a:t>Guayas with 15.84%, </a:t>
             </a:r>
             <a:r>
               <a:rPr lang="en-US" sz="1400" dirty="0" smtClean="0">
@@ -9302,23 +9165,7 @@
                   <a:schemeClr val="tx1"/>
                 </a:solidFill>
               </a:rPr>
-              <a:t>of </a:t>
-            </a:r>
-            <a:r>
-              <a:rPr lang="en-US" sz="1400" dirty="0" smtClean="0">
-                <a:solidFill>
-                  <a:schemeClr val="tx1"/>
-                </a:solidFill>
-              </a:rPr>
-              <a:t>the sales</a:t>
-            </a:r>
-            <a:r>
-              <a:rPr lang="en-US" sz="1400" dirty="0" smtClean="0">
-                <a:solidFill>
-                  <a:schemeClr val="tx1"/>
-                </a:solidFill>
-              </a:rPr>
-              <a:t>)</a:t>
+              <a:t>of the sales)</a:t>
             </a:r>
           </a:p>
           <a:p>
@@ -9806,31 +9653,7 @@
                   <a:srgbClr val="4E79A7"/>
                 </a:solidFill>
               </a:rPr>
-              <a:t>Almost 70% of the </a:t>
-            </a:r>
-            <a:r>
-              <a:rPr lang="en-AU" b="1" dirty="0" smtClean="0">
-                <a:solidFill>
-                  <a:srgbClr val="4E79A7"/>
-                </a:solidFill>
-              </a:rPr>
-              <a:t>total unit</a:t>
-            </a:r>
-            <a:r>
-              <a:rPr lang="en-AU" b="1" dirty="0" smtClean="0">
-                <a:solidFill>
-                  <a:srgbClr val="4E79A7"/>
-                </a:solidFill>
-              </a:rPr>
-              <a:t> </a:t>
-            </a:r>
-            <a:r>
-              <a:rPr lang="en-AU" b="1" dirty="0" smtClean="0">
-                <a:solidFill>
-                  <a:srgbClr val="4E79A7"/>
-                </a:solidFill>
-              </a:rPr>
-              <a:t>sales</a:t>
+              <a:t>Almost 70% of the total unit sales</a:t>
             </a:r>
             <a:endParaRPr lang="en-AU" b="1" dirty="0">
               <a:solidFill>
@@ -10215,15 +10038,7 @@
             </a:pPr>
             <a:r>
               <a:rPr lang="en-US" b="1" dirty="0" smtClean="0"/>
-              <a:t>Ther</a:t>
-            </a:r>
-            <a:r>
-              <a:rPr lang="en-US" b="1" dirty="0" smtClean="0"/>
-              <a:t>e’s a s</a:t>
-            </a:r>
-            <a:r>
-              <a:rPr lang="en-US" b="1" dirty="0" smtClean="0"/>
-              <a:t>mall</a:t>
+              <a:t>There’s a small</a:t>
             </a:r>
             <a:r>
               <a:rPr lang="en-US" b="1" dirty="0"/>
@@ -10239,15 +10054,7 @@
             </a:r>
             <a:r>
               <a:rPr lang="en-US" b="1" dirty="0" smtClean="0"/>
-              <a:t>during a</a:t>
-            </a:r>
-            <a:r>
-              <a:rPr lang="en-US" b="1" dirty="0" smtClean="0"/>
-              <a:t> year </a:t>
-            </a:r>
-            <a:r>
-              <a:rPr lang="en-US" b="1" dirty="0" smtClean="0"/>
-              <a:t>aligned </a:t>
+              <a:t>during a year aligned </a:t>
             </a:r>
             <a:r>
               <a:rPr lang="en-US" b="1" dirty="0"/>
@@ -10255,15 +10062,7 @@
             </a:r>
             <a:r>
               <a:rPr lang="en-US" b="1" dirty="0" smtClean="0"/>
-              <a:t>of months (salaries are </a:t>
-            </a:r>
-            <a:r>
-              <a:rPr lang="en-US" b="1" dirty="0" smtClean="0"/>
-              <a:t>paid and </a:t>
-            </a:r>
-            <a:r>
-              <a:rPr lang="en-US" b="1" dirty="0" smtClean="0"/>
-              <a:t>sales increased).</a:t>
+              <a:t>of months (salaries are paid and sales increased).</a:t>
             </a:r>
           </a:p>
           <a:p>
@@ -10879,15 +10678,7 @@
                   <a:srgbClr val="24292E"/>
                 </a:solidFill>
               </a:rPr>
-              <a:t>periodic pattern for some item families </a:t>
-            </a:r>
-            <a:r>
-              <a:rPr lang="en-US" sz="1400" b="1" dirty="0">
-                <a:solidFill>
-                  <a:srgbClr val="24292E"/>
-                </a:solidFill>
-              </a:rPr>
-              <a:t>(Grocery </a:t>
+              <a:t>periodic pattern for some item families (Grocery </a:t>
             </a:r>
             <a:r>
               <a:rPr lang="en-US" sz="1400" b="1" dirty="0" smtClean="0">
@@ -11614,25 +11405,7 @@
                 </a:solidFill>
                 <a:latin typeface="-apple-system"/>
               </a:rPr>
-              <a:t>Does promotion increase </a:t>
-            </a:r>
-            <a:r>
-              <a:rPr lang="en-US" sz="2400" dirty="0" smtClean="0">
-                <a:solidFill>
-                  <a:srgbClr val="24292E"/>
-                </a:solidFill>
-                <a:latin typeface="-apple-system"/>
-              </a:rPr>
-              <a:t>the </a:t>
-            </a:r>
-            <a:r>
-              <a:rPr lang="en-US" sz="2400" dirty="0" smtClean="0">
-                <a:solidFill>
-                  <a:srgbClr val="24292E"/>
-                </a:solidFill>
-                <a:latin typeface="-apple-system"/>
-              </a:rPr>
-              <a:t>sales?</a:t>
+              <a:t>Does promotion increase the sales?</a:t>
             </a:r>
             <a:endParaRPr lang="en-AU" sz="2400" dirty="0"/>
           </a:p>
@@ -11930,16 +11703,7 @@
                 </a:solidFill>
                 <a:latin typeface="-apple-system"/>
               </a:rPr>
-              <a:t>location does not affect the sales </a:t>
-            </a:r>
-            <a:r>
-              <a:rPr lang="en-US" i="1" dirty="0" smtClean="0">
-                <a:solidFill>
-                  <a:srgbClr val="24292E"/>
-                </a:solidFill>
-                <a:latin typeface="-apple-system"/>
-              </a:rPr>
-              <a:t>much</a:t>
+              <a:t>location does not affect the sales much</a:t>
             </a:r>
             <a:r>
               <a:rPr lang="en-US" dirty="0" smtClean="0">
